--- a/Networks_and_Security-ICS460_01-Falll2021/class1a-JavaReview.pptx
+++ b/Networks_and_Security-ICS460_01-Falll2021/class1a-JavaReview.pptx
@@ -5,10 +5,10 @@
     <p:sldMasterId id="2147483792" r:id="rId1"/>
   </p:sldMasterIdLst>
   <p:notesMasterIdLst>
-    <p:notesMasterId r:id="rId39"/>
+    <p:notesMasterId r:id="rId40"/>
   </p:notesMasterIdLst>
   <p:handoutMasterIdLst>
-    <p:handoutMasterId r:id="rId40"/>
+    <p:handoutMasterId r:id="rId41"/>
   </p:handoutMasterIdLst>
   <p:sldIdLst>
     <p:sldId id="256" r:id="rId2"/>
@@ -35,19 +35,20 @@
     <p:sldId id="301" r:id="rId23"/>
     <p:sldId id="287" r:id="rId24"/>
     <p:sldId id="302" r:id="rId25"/>
-    <p:sldId id="303" r:id="rId26"/>
-    <p:sldId id="304" r:id="rId27"/>
-    <p:sldId id="305" r:id="rId28"/>
-    <p:sldId id="307" r:id="rId29"/>
-    <p:sldId id="306" r:id="rId30"/>
-    <p:sldId id="309" r:id="rId31"/>
-    <p:sldId id="310" r:id="rId32"/>
-    <p:sldId id="311" r:id="rId33"/>
-    <p:sldId id="312" r:id="rId34"/>
-    <p:sldId id="313" r:id="rId35"/>
-    <p:sldId id="314" r:id="rId36"/>
-    <p:sldId id="315" r:id="rId37"/>
-    <p:sldId id="316" r:id="rId38"/>
+    <p:sldId id="347" r:id="rId26"/>
+    <p:sldId id="303" r:id="rId27"/>
+    <p:sldId id="304" r:id="rId28"/>
+    <p:sldId id="305" r:id="rId29"/>
+    <p:sldId id="307" r:id="rId30"/>
+    <p:sldId id="306" r:id="rId31"/>
+    <p:sldId id="309" r:id="rId32"/>
+    <p:sldId id="310" r:id="rId33"/>
+    <p:sldId id="311" r:id="rId34"/>
+    <p:sldId id="312" r:id="rId35"/>
+    <p:sldId id="313" r:id="rId36"/>
+    <p:sldId id="314" r:id="rId37"/>
+    <p:sldId id="315" r:id="rId38"/>
+    <p:sldId id="316" r:id="rId39"/>
   </p:sldIdLst>
   <p:sldSz cx="9144000" cy="6858000" type="screen4x3"/>
   <p:notesSz cx="6858000" cy="9144000"/>
@@ -209,15 +210,90 @@
 </p:presentation>
 </file>
 
+<file path=ppt/revisionInfo.xml><?xml version="1.0" encoding="utf-8"?>
+<p1510:revInfo xmlns:a="http://schemas.openxmlformats.org/drawingml/2006/main" xmlns:r="http://schemas.openxmlformats.org/officeDocument/2006/relationships" xmlns:p1510="http://schemas.microsoft.com/office/powerpoint/2015/10/main">
+  <p1510:revLst>
+    <p1510:client id="{1950CCCF-CCD2-4A62-84CC-B1C8ABD75BEB}" v="1" dt="2021-08-26T15:16:09.754"/>
+  </p1510:revLst>
+</p1510:revInfo>
+</file>
+
 <file path=ppt/changesInfos/changesInfo1.xml><?xml version="1.0" encoding="utf-8"?>
 <pc:chgInfo xmlns:a="http://schemas.openxmlformats.org/drawingml/2006/main" xmlns:r="http://schemas.openxmlformats.org/officeDocument/2006/relationships" xmlns:ac="http://schemas.microsoft.com/office/drawing/2013/main/command" xmlns:pc="http://schemas.microsoft.com/office/powerpoint/2013/main/command">
   <pc:docChgLst>
     <pc:chgData name="Chetty, Damodar Kumar S" userId="8bceaed3-62ae-46a2-a750-9f6f12844fc7" providerId="ADAL" clId="{1950CCCF-CCD2-4A62-84CC-B1C8ABD75BEB}"/>
-    <pc:docChg chg="modMainMaster">
-      <pc:chgData name="Chetty, Damodar Kumar S" userId="8bceaed3-62ae-46a2-a750-9f6f12844fc7" providerId="ADAL" clId="{1950CCCF-CCD2-4A62-84CC-B1C8ABD75BEB}" dt="2021-08-24T19:44:46.267" v="3" actId="6549"/>
+    <pc:docChg chg="addSld modSld modMainMaster">
+      <pc:chgData name="Chetty, Damodar Kumar S" userId="8bceaed3-62ae-46a2-a750-9f6f12844fc7" providerId="ADAL" clId="{1950CCCF-CCD2-4A62-84CC-B1C8ABD75BEB}" dt="2021-08-26T15:16:09.751" v="74"/>
       <pc:docMkLst>
         <pc:docMk/>
       </pc:docMkLst>
+      <pc:sldChg chg="modSp mod">
+        <pc:chgData name="Chetty, Damodar Kumar S" userId="8bceaed3-62ae-46a2-a750-9f6f12844fc7" providerId="ADAL" clId="{1950CCCF-CCD2-4A62-84CC-B1C8ABD75BEB}" dt="2021-08-26T15:11:39.020" v="4" actId="20577"/>
+        <pc:sldMkLst>
+          <pc:docMk/>
+          <pc:sldMk cId="1378373471" sldId="280"/>
+        </pc:sldMkLst>
+        <pc:spChg chg="mod">
+          <ac:chgData name="Chetty, Damodar Kumar S" userId="8bceaed3-62ae-46a2-a750-9f6f12844fc7" providerId="ADAL" clId="{1950CCCF-CCD2-4A62-84CC-B1C8ABD75BEB}" dt="2021-08-26T15:11:39.020" v="4" actId="20577"/>
+          <ac:spMkLst>
+            <pc:docMk/>
+            <pc:sldMk cId="1378373471" sldId="280"/>
+            <ac:spMk id="4" creationId="{00000000-0000-0000-0000-000000000000}"/>
+          </ac:spMkLst>
+        </pc:spChg>
+      </pc:sldChg>
+      <pc:sldChg chg="modSp mod">
+        <pc:chgData name="Chetty, Damodar Kumar S" userId="8bceaed3-62ae-46a2-a750-9f6f12844fc7" providerId="ADAL" clId="{1950CCCF-CCD2-4A62-84CC-B1C8ABD75BEB}" dt="2021-08-26T15:13:02.100" v="66" actId="20577"/>
+        <pc:sldMkLst>
+          <pc:docMk/>
+          <pc:sldMk cId="882275850" sldId="281"/>
+        </pc:sldMkLst>
+        <pc:spChg chg="mod">
+          <ac:chgData name="Chetty, Damodar Kumar S" userId="8bceaed3-62ae-46a2-a750-9f6f12844fc7" providerId="ADAL" clId="{1950CCCF-CCD2-4A62-84CC-B1C8ABD75BEB}" dt="2021-08-26T15:13:02.100" v="66" actId="20577"/>
+          <ac:spMkLst>
+            <pc:docMk/>
+            <pc:sldMk cId="882275850" sldId="281"/>
+            <ac:spMk id="4" creationId="{00000000-0000-0000-0000-000000000000}"/>
+          </ac:spMkLst>
+        </pc:spChg>
+      </pc:sldChg>
+      <pc:sldChg chg="modSp mod">
+        <pc:chgData name="Chetty, Damodar Kumar S" userId="8bceaed3-62ae-46a2-a750-9f6f12844fc7" providerId="ADAL" clId="{1950CCCF-CCD2-4A62-84CC-B1C8ABD75BEB}" dt="2021-08-26T15:13:32.954" v="68" actId="20577"/>
+        <pc:sldMkLst>
+          <pc:docMk/>
+          <pc:sldMk cId="618633140" sldId="283"/>
+        </pc:sldMkLst>
+        <pc:spChg chg="mod">
+          <ac:chgData name="Chetty, Damodar Kumar S" userId="8bceaed3-62ae-46a2-a750-9f6f12844fc7" providerId="ADAL" clId="{1950CCCF-CCD2-4A62-84CC-B1C8ABD75BEB}" dt="2021-08-26T15:13:32.954" v="68" actId="20577"/>
+          <ac:spMkLst>
+            <pc:docMk/>
+            <pc:sldMk cId="618633140" sldId="283"/>
+            <ac:spMk id="4" creationId="{00000000-0000-0000-0000-000000000000}"/>
+          </ac:spMkLst>
+        </pc:spChg>
+      </pc:sldChg>
+      <pc:sldChg chg="modSp mod">
+        <pc:chgData name="Chetty, Damodar Kumar S" userId="8bceaed3-62ae-46a2-a750-9f6f12844fc7" providerId="ADAL" clId="{1950CCCF-CCD2-4A62-84CC-B1C8ABD75BEB}" dt="2021-08-26T15:14:49.314" v="73" actId="108"/>
+        <pc:sldMkLst>
+          <pc:docMk/>
+          <pc:sldMk cId="308782119" sldId="299"/>
+        </pc:sldMkLst>
+        <pc:spChg chg="mod">
+          <ac:chgData name="Chetty, Damodar Kumar S" userId="8bceaed3-62ae-46a2-a750-9f6f12844fc7" providerId="ADAL" clId="{1950CCCF-CCD2-4A62-84CC-B1C8ABD75BEB}" dt="2021-08-26T15:14:49.314" v="73" actId="108"/>
+          <ac:spMkLst>
+            <pc:docMk/>
+            <pc:sldMk cId="308782119" sldId="299"/>
+            <ac:spMk id="4" creationId="{00000000-0000-0000-0000-000000000000}"/>
+          </ac:spMkLst>
+        </pc:spChg>
+      </pc:sldChg>
+      <pc:sldChg chg="add">
+        <pc:chgData name="Chetty, Damodar Kumar S" userId="8bceaed3-62ae-46a2-a750-9f6f12844fc7" providerId="ADAL" clId="{1950CCCF-CCD2-4A62-84CC-B1C8ABD75BEB}" dt="2021-08-26T15:16:09.751" v="74"/>
+        <pc:sldMkLst>
+          <pc:docMk/>
+          <pc:sldMk cId="738448664" sldId="347"/>
+        </pc:sldMkLst>
+      </pc:sldChg>
       <pc:sldMasterChg chg="modSp mod modSldLayout">
         <pc:chgData name="Chetty, Damodar Kumar S" userId="8bceaed3-62ae-46a2-a750-9f6f12844fc7" providerId="ADAL" clId="{1950CCCF-CCD2-4A62-84CC-B1C8ABD75BEB}" dt="2021-08-24T19:44:46.267" v="3" actId="6549"/>
         <pc:sldMasterMkLst>
@@ -338,7 +414,7 @@
             <a:fld id="{EDD2B207-48E9-427D-8AE6-5E74608E6763}" type="datetimeFigureOut">
               <a:rPr lang="en-US" smtClean="0"/>
               <a:pPr/>
-              <a:t>8/24/2021</a:t>
+              <a:t>8/26/2021</a:t>
             </a:fld>
             <a:endParaRPr lang="en-US"/>
           </a:p>
@@ -540,7 +616,7 @@
               <a:pPr>
                 <a:defRPr/>
               </a:pPr>
-              <a:t>8/24/2021</a:t>
+              <a:t>8/26/2021</a:t>
             </a:fld>
             <a:endParaRPr lang="en-US"/>
           </a:p>
@@ -5991,111 +6067,135 @@
           <a:lstStyle/>
           <a:p>
             <a:r>
-              <a:rPr lang="en-US"/>
+              <a:rPr lang="en-US" dirty="0"/>
               <a:t>Java Development Kit </a:t>
             </a:r>
           </a:p>
           <a:p>
             <a:pPr lvl="1"/>
             <a:r>
-              <a:rPr lang="en-US"/>
+              <a:rPr lang="en-US" dirty="0"/>
               <a:t>Development and support tools</a:t>
             </a:r>
           </a:p>
           <a:p>
             <a:pPr lvl="2"/>
             <a:r>
-              <a:rPr lang="en-US"/>
-              <a:t>javac compiler converts Java source code into bytecode</a:t>
+              <a:rPr lang="en-US" dirty="0" err="1"/>
+              <a:t>javac</a:t>
+            </a:r>
+            <a:r>
+              <a:rPr lang="en-US" dirty="0"/>
+              <a:t> compiler converts Java source code into bytecode</a:t>
             </a:r>
           </a:p>
           <a:p>
             <a:pPr lvl="2"/>
             <a:r>
-              <a:rPr lang="en-US"/>
-              <a:t>keytool used to generate private-public key pairs</a:t>
+              <a:rPr lang="en-US" dirty="0" err="1"/>
+              <a:t>keytool</a:t>
+            </a:r>
+            <a:r>
+              <a:rPr lang="en-US" dirty="0"/>
+              <a:t> used to generate private-public key pairs</a:t>
             </a:r>
           </a:p>
           <a:p>
             <a:pPr lvl="1"/>
             <a:r>
-              <a:rPr lang="en-US"/>
+              <a:rPr lang="en-US" dirty="0"/>
               <a:t>Java Runtime Environment – “Java Virtual Machine”</a:t>
             </a:r>
           </a:p>
           <a:p>
             <a:pPr lvl="2"/>
             <a:r>
-              <a:rPr lang="en-US"/>
+              <a:rPr lang="en-US" dirty="0"/>
               <a:t>runs Java bytecode</a:t>
             </a:r>
           </a:p>
           <a:p>
             <a:pPr lvl="2"/>
             <a:r>
-              <a:rPr lang="en-US"/>
-              <a:t>navtive binaries for the “java” executable + runtime libraries</a:t>
-            </a:r>
-          </a:p>
-          <a:p>
-            <a:r>
-              <a:rPr lang="en-US"/>
+              <a:rPr lang="en-US" dirty="0"/>
+              <a:t>native binaries for the “java” executable + runtime libraries</a:t>
+            </a:r>
+          </a:p>
+          <a:p>
+            <a:r>
+              <a:rPr lang="en-US" dirty="0"/>
               <a:t>Process</a:t>
             </a:r>
           </a:p>
           <a:p>
             <a:pPr lvl="1"/>
             <a:r>
-              <a:rPr lang="en-US"/>
+              <a:rPr lang="en-US" dirty="0"/>
               <a:t>Traditional paradigm:</a:t>
             </a:r>
             <a:br>
-              <a:rPr lang="en-US"/>
+              <a:rPr lang="en-US" dirty="0"/>
             </a:br>
             <a:r>
-              <a:rPr lang="en-US"/>
+              <a:rPr lang="en-US" dirty="0"/>
               <a:t>Source Code -&gt; Compiler -&gt; Native code</a:t>
             </a:r>
           </a:p>
           <a:p>
             <a:pPr lvl="1"/>
             <a:r>
-              <a:rPr lang="en-US"/>
+              <a:rPr lang="en-US" dirty="0"/>
               <a:t>Java model (WORA):</a:t>
             </a:r>
             <a:br>
-              <a:rPr lang="en-US"/>
+              <a:rPr lang="en-US" dirty="0"/>
             </a:br>
             <a:r>
-              <a:rPr lang="en-US"/>
-              <a:t>Java Source Code -&gt; javac -&gt; ByteCode -&gt; runs on ANY JVM across platforms</a:t>
+              <a:rPr lang="en-US" dirty="0"/>
+              <a:t>Java Source Code -&gt; </a:t>
+            </a:r>
+            <a:r>
+              <a:rPr lang="en-US" dirty="0" err="1"/>
+              <a:t>javac</a:t>
+            </a:r>
+            <a:r>
+              <a:rPr lang="en-US" dirty="0"/>
+              <a:t> -&gt; </a:t>
+            </a:r>
+            <a:r>
+              <a:rPr lang="en-US" dirty="0" err="1"/>
+              <a:t>ByteCode</a:t>
+            </a:r>
+            <a:r>
+              <a:rPr lang="en-US" dirty="0"/>
+              <a:t> -&gt; runs on ANY JVM across platforms</a:t>
             </a:r>
           </a:p>
           <a:p>
             <a:pPr lvl="1"/>
-            <a:endParaRPr lang="en-US"/>
+            <a:endParaRPr lang="en-US" dirty="0"/>
           </a:p>
           <a:p>
             <a:pPr lvl="2"/>
-            <a:endParaRPr lang="en-US"/>
-          </a:p>
-          <a:p>
-            <a:endParaRPr lang="en-US"/>
-          </a:p>
-          <a:p>
-            <a:endParaRPr lang="en-US"/>
+            <a:endParaRPr lang="en-US" dirty="0"/>
+          </a:p>
+          <a:p>
+            <a:endParaRPr lang="en-US" dirty="0"/>
+          </a:p>
+          <a:p>
+            <a:endParaRPr lang="en-US" dirty="0"/>
           </a:p>
           <a:p>
             <a:pPr lvl="1"/>
-            <a:endParaRPr lang="en-US"/>
+            <a:endParaRPr lang="en-US" dirty="0"/>
           </a:p>
           <a:p>
             <a:pPr lvl="1"/>
-            <a:endParaRPr lang="en-US"/>
+            <a:endParaRPr lang="en-US" dirty="0"/>
           </a:p>
           <a:p>
             <a:pPr lvl="1"/>
-            <a:endParaRPr lang="en-US"/>
+            <a:endParaRPr lang="en-US" dirty="0"/>
           </a:p>
         </p:txBody>
       </p:sp>
@@ -6202,64 +6302,69 @@
           <a:lstStyle/>
           <a:p>
             <a:r>
-              <a:rPr lang="en-US"/>
+              <a:rPr lang="en-US" dirty="0"/>
               <a:t>Properties</a:t>
             </a:r>
           </a:p>
           <a:p>
             <a:pPr lvl="1"/>
             <a:r>
-              <a:rPr lang="en-US"/>
-              <a:t>all Java classes ultimately extend from java.lang.Object</a:t>
-            </a:r>
+              <a:rPr lang="en-US" dirty="0"/>
+              <a:t>all Java classes ultimately extend from </a:t>
+            </a:r>
+            <a:r>
+              <a:rPr lang="en-US" dirty="0" err="1"/>
+              <a:t>java.lang.Object</a:t>
+            </a:r>
+            <a:endParaRPr lang="en-US" dirty="0"/>
           </a:p>
           <a:p>
             <a:pPr lvl="1"/>
             <a:r>
-              <a:rPr lang="en-US"/>
+              <a:rPr lang="en-US" dirty="0"/>
               <a:t>can only extend a single class (no multiple inheritance)</a:t>
             </a:r>
           </a:p>
           <a:p>
             <a:pPr lvl="1"/>
             <a:r>
-              <a:rPr lang="en-US"/>
+              <a:rPr lang="en-US" dirty="0"/>
               <a:t>Invoking the superclass</a:t>
             </a:r>
           </a:p>
           <a:p>
             <a:pPr lvl="2"/>
             <a:r>
-              <a:rPr lang="en-US"/>
+              <a:rPr lang="en-US" dirty="0"/>
               <a:t>child class can use </a:t>
             </a:r>
             <a:r>
-              <a:rPr lang="en-US" i="1"/>
+              <a:rPr lang="en-US" i="1" dirty="0" err="1"/>
               <a:t>super.member</a:t>
             </a:r>
             <a:r>
-              <a:rPr lang="en-US"/>
+              <a:rPr lang="en-US" dirty="0"/>
               <a:t> to refer to a superclass member</a:t>
             </a:r>
           </a:p>
           <a:p>
             <a:pPr lvl="2"/>
             <a:r>
-              <a:rPr lang="en-US"/>
+              <a:rPr lang="en-US" dirty="0"/>
               <a:t>can call a superclass constructor using super() with the appropriate arguments</a:t>
             </a:r>
           </a:p>
           <a:p>
             <a:pPr lvl="3"/>
             <a:r>
-              <a:rPr lang="en-US"/>
+              <a:rPr lang="en-US" dirty="0"/>
               <a:t>called as the first step in the subclass constructor</a:t>
             </a:r>
           </a:p>
           <a:p>
             <a:pPr lvl="1"/>
             <a:r>
-              <a:rPr lang="en-US"/>
+              <a:rPr lang="en-US" dirty="0"/>
               <a:t>Can cast to/from its parent</a:t>
             </a:r>
           </a:p>
@@ -6268,43 +6373,74 @@
               <a:buNone/>
             </a:pPr>
             <a:r>
-              <a:rPr lang="en-US"/>
+              <a:rPr lang="en-US" sz="1200" dirty="0">
+                <a:latin typeface="Segoe UI" panose="020B0502040204020203" pitchFamily="34" charset="0"/>
+                <a:cs typeface="Segoe UI" panose="020B0502040204020203" pitchFamily="34" charset="0"/>
+              </a:rPr>
               <a:t>Child c = new Child();</a:t>
             </a:r>
             <a:br>
-              <a:rPr lang="en-US"/>
+              <a:rPr lang="en-US" sz="1200" dirty="0">
+                <a:latin typeface="Segoe UI" panose="020B0502040204020203" pitchFamily="34" charset="0"/>
+                <a:cs typeface="Segoe UI" panose="020B0502040204020203" pitchFamily="34" charset="0"/>
+              </a:rPr>
             </a:br>
             <a:r>
-              <a:rPr lang="en-US"/>
+              <a:rPr lang="en-US" sz="1200" dirty="0">
+                <a:latin typeface="Segoe UI" panose="020B0502040204020203" pitchFamily="34" charset="0"/>
+                <a:cs typeface="Segoe UI" panose="020B0502040204020203" pitchFamily="34" charset="0"/>
+              </a:rPr>
               <a:t>Parent p = c;</a:t>
             </a:r>
             <a:br>
-              <a:rPr lang="en-US"/>
+              <a:rPr lang="en-US" sz="1200" dirty="0">
+                <a:latin typeface="Segoe UI" panose="020B0502040204020203" pitchFamily="34" charset="0"/>
+                <a:cs typeface="Segoe UI" panose="020B0502040204020203" pitchFamily="34" charset="0"/>
+              </a:rPr>
             </a:br>
             <a:r>
-              <a:rPr lang="en-US"/>
+              <a:rPr lang="en-US" sz="1200" dirty="0">
+                <a:latin typeface="Segoe UI" panose="020B0502040204020203" pitchFamily="34" charset="0"/>
+                <a:cs typeface="Segoe UI" panose="020B0502040204020203" pitchFamily="34" charset="0"/>
+              </a:rPr>
               <a:t>//use p members ... cannot access any child members from p</a:t>
             </a:r>
             <a:br>
-              <a:rPr lang="en-US"/>
+              <a:rPr lang="en-US" sz="1200" dirty="0">
+                <a:latin typeface="Segoe UI" panose="020B0502040204020203" pitchFamily="34" charset="0"/>
+                <a:cs typeface="Segoe UI" panose="020B0502040204020203" pitchFamily="34" charset="0"/>
+              </a:rPr>
             </a:br>
             <a:r>
-              <a:rPr lang="en-US"/>
+              <a:rPr lang="en-US" sz="1200" dirty="0">
+                <a:latin typeface="Segoe UI" panose="020B0502040204020203" pitchFamily="34" charset="0"/>
+                <a:cs typeface="Segoe UI" panose="020B0502040204020203" pitchFamily="34" charset="0"/>
+              </a:rPr>
               <a:t>Child c2 = (Child) p;</a:t>
             </a:r>
             <a:br>
-              <a:rPr lang="en-US"/>
+              <a:rPr lang="en-US" sz="1200" dirty="0">
+                <a:latin typeface="Segoe UI" panose="020B0502040204020203" pitchFamily="34" charset="0"/>
+                <a:cs typeface="Segoe UI" panose="020B0502040204020203" pitchFamily="34" charset="0"/>
+              </a:rPr>
             </a:br>
             <a:r>
-              <a:rPr lang="en-US"/>
+              <a:rPr lang="en-US" sz="1200" dirty="0">
+                <a:latin typeface="Segoe UI" panose="020B0502040204020203" pitchFamily="34" charset="0"/>
+                <a:cs typeface="Segoe UI" panose="020B0502040204020203" pitchFamily="34" charset="0"/>
+              </a:rPr>
               <a:t>//can access child members as well as parent members with reference c2</a:t>
             </a:r>
           </a:p>
           <a:p>
             <a:pPr lvl="1"/>
             <a:r>
-              <a:rPr lang="en-US"/>
-              <a:t>instanceof operator to test if an object if of a given type</a:t>
+              <a:rPr lang="en-US" dirty="0" err="1"/>
+              <a:t>instanceof</a:t>
+            </a:r>
+            <a:r>
+              <a:rPr lang="en-US" dirty="0"/>
+              <a:t> operator to test if an object if of a given type</a:t>
             </a:r>
           </a:p>
           <a:p>
@@ -6312,17 +6448,48 @@
               <a:buNone/>
             </a:pPr>
             <a:r>
-              <a:rPr lang="en-US"/>
-              <a:t>if (objReference instanceof type) ...</a:t>
+              <a:rPr lang="en-US" sz="1200" dirty="0">
+                <a:latin typeface="Segoe UI" panose="020B0502040204020203" pitchFamily="34" charset="0"/>
+                <a:cs typeface="Segoe UI" panose="020B0502040204020203" pitchFamily="34" charset="0"/>
+              </a:rPr>
+              <a:t>if (</a:t>
+            </a:r>
+            <a:r>
+              <a:rPr lang="en-US" sz="1200" dirty="0" err="1">
+                <a:latin typeface="Segoe UI" panose="020B0502040204020203" pitchFamily="34" charset="0"/>
+                <a:cs typeface="Segoe UI" panose="020B0502040204020203" pitchFamily="34" charset="0"/>
+              </a:rPr>
+              <a:t>objReference</a:t>
+            </a:r>
+            <a:r>
+              <a:rPr lang="en-US" sz="1200" dirty="0">
+                <a:latin typeface="Segoe UI" panose="020B0502040204020203" pitchFamily="34" charset="0"/>
+                <a:cs typeface="Segoe UI" panose="020B0502040204020203" pitchFamily="34" charset="0"/>
+              </a:rPr>
+              <a:t> </a:t>
+            </a:r>
+            <a:r>
+              <a:rPr lang="en-US" sz="1200" dirty="0" err="1">
+                <a:latin typeface="Segoe UI" panose="020B0502040204020203" pitchFamily="34" charset="0"/>
+                <a:cs typeface="Segoe UI" panose="020B0502040204020203" pitchFamily="34" charset="0"/>
+              </a:rPr>
+              <a:t>instanceof</a:t>
+            </a:r>
+            <a:r>
+              <a:rPr lang="en-US" sz="1200" dirty="0">
+                <a:latin typeface="Segoe UI" panose="020B0502040204020203" pitchFamily="34" charset="0"/>
+                <a:cs typeface="Segoe UI" panose="020B0502040204020203" pitchFamily="34" charset="0"/>
+              </a:rPr>
+              <a:t> type) ...</a:t>
             </a:r>
           </a:p>
           <a:p>
             <a:pPr lvl="1"/>
-            <a:endParaRPr lang="en-US"/>
+            <a:endParaRPr lang="en-US" dirty="0"/>
           </a:p>
           <a:p>
             <a:pPr lvl="1"/>
-            <a:endParaRPr lang="en-US"/>
+            <a:endParaRPr lang="en-US" dirty="0"/>
           </a:p>
         </p:txBody>
       </p:sp>
@@ -7029,29 +7196,13 @@
       </p:grpSpPr>
       <p:sp>
         <p:nvSpPr>
-          <p:cNvPr id="2" name="Title 1"/>
-          <p:cNvSpPr>
-            <a:spLocks noGrp="1"/>
-          </p:cNvSpPr>
-          <p:nvPr>
-            <p:ph type="title"/>
-          </p:nvPr>
-        </p:nvSpPr>
-        <p:spPr/>
-        <p:txBody>
-          <a:bodyPr/>
-          <a:lstStyle/>
-          <a:p>
-            <a:r>
-              <a:rPr lang="en-US"/>
-              <a:t>Processes and Threads	</a:t>
-            </a:r>
-          </a:p>
-        </p:txBody>
-      </p:sp>
-      <p:sp>
-        <p:nvSpPr>
-          <p:cNvPr id="3" name="Slide Number Placeholder 2"/>
+          <p:cNvPr id="3" name="Slide Number Placeholder 2">
+            <a:extLst>
+              <a:ext uri="{FF2B5EF4-FFF2-40B4-BE49-F238E27FC236}">
+                <a16:creationId xmlns:a16="http://schemas.microsoft.com/office/drawing/2014/main" id="{26B7F8EE-ECC0-41F9-BC08-0592D9B73083}"/>
+              </a:ext>
+            </a:extLst>
+          </p:cNvPr>
           <p:cNvSpPr>
             <a:spLocks noGrp="1"/>
           </p:cNvSpPr>
@@ -7080,93 +7231,56 @@
       </p:sp>
       <p:sp>
         <p:nvSpPr>
-          <p:cNvPr id="4" name="Content Placeholder 3"/>
-          <p:cNvSpPr>
-            <a:spLocks noGrp="1"/>
-          </p:cNvSpPr>
-          <p:nvPr>
-            <p:ph sz="quarter" idx="13"/>
-          </p:nvPr>
-        </p:nvSpPr>
-        <p:spPr/>
-        <p:txBody>
-          <a:bodyPr/>
-          <a:lstStyle/>
-          <a:p>
-            <a:r>
-              <a:rPr lang="en-US"/>
-              <a:t>Process architecture</a:t>
-            </a:r>
-          </a:p>
-          <a:p>
-            <a:pPr lvl="1"/>
-            <a:r>
-              <a:rPr lang="en-US"/>
-              <a:t>CPU + Registers </a:t>
-            </a:r>
-            <a:r>
-              <a:rPr lang="en-US">
-                <a:sym typeface="Wingdings" panose="05000000000000000000" pitchFamily="2" charset="2"/>
-              </a:rPr>
-              <a:t> Cache  Memory  Disk</a:t>
-            </a:r>
-          </a:p>
-          <a:p>
-            <a:pPr lvl="2"/>
-            <a:r>
-              <a:rPr lang="en-US"/>
-              <a:t>CPU executes instructions</a:t>
-            </a:r>
-          </a:p>
-          <a:p>
-            <a:pPr lvl="2"/>
-            <a:r>
-              <a:rPr lang="en-US"/>
-              <a:t>Storage trades off speed of access, cost, and storage space</a:t>
-            </a:r>
-          </a:p>
-          <a:p>
-            <a:pPr lvl="3"/>
-            <a:r>
-              <a:rPr lang="en-US"/>
-              <a:t>Registers provide fastest access by the CPU, but most expensive</a:t>
-            </a:r>
-          </a:p>
-          <a:p>
-            <a:pPr lvl="3"/>
-            <a:r>
-              <a:rPr lang="en-US"/>
-              <a:t>Cache is next slower, still expensive</a:t>
-            </a:r>
-          </a:p>
-          <a:p>
-            <a:pPr lvl="3"/>
-            <a:r>
-              <a:rPr lang="en-US"/>
-              <a:t>Memory is slower yet, but larger in size, and cheaper</a:t>
-            </a:r>
-          </a:p>
-          <a:p>
-            <a:pPr lvl="3"/>
-            <a:r>
-              <a:rPr lang="en-US"/>
-              <a:t>Disk is slowest, but very cheap</a:t>
-            </a:r>
-          </a:p>
-          <a:p>
-            <a:pPr lvl="2"/>
-            <a:endParaRPr lang="en-US"/>
-          </a:p>
-          <a:p>
-            <a:pPr lvl="1"/>
-            <a:endParaRPr lang="en-US"/>
+          <p:cNvPr id="5" name="TextBox 4">
+            <a:extLst>
+              <a:ext uri="{FF2B5EF4-FFF2-40B4-BE49-F238E27FC236}">
+                <a16:creationId xmlns:a16="http://schemas.microsoft.com/office/drawing/2014/main" id="{A1224C14-2FE9-41BC-BF08-CE746527A1C6}"/>
+              </a:ext>
+            </a:extLst>
+          </p:cNvPr>
+          <p:cNvSpPr txBox="1"/>
+          <p:nvPr/>
+        </p:nvSpPr>
+        <p:spPr>
+          <a:xfrm>
+            <a:off x="2209800" y="3276600"/>
+            <a:ext cx="4356962" cy="646331"/>
+          </a:xfrm>
+          <a:prstGeom prst="rect">
+            <a:avLst/>
+          </a:prstGeom>
+          <a:noFill/>
+        </p:spPr>
+        <p:txBody>
+          <a:bodyPr wrap="none" rtlCol="0">
+            <a:spAutoFit/>
+          </a:bodyPr>
+          <a:lstStyle/>
+          <a:p>
+            <a:r>
+              <a:rPr lang="en-US" sz="3600" b="1" dirty="0">
+                <a:ln w="22225">
+                  <a:solidFill>
+                    <a:schemeClr val="accent2"/>
+                  </a:solidFill>
+                  <a:prstDash val="solid"/>
+                </a:ln>
+                <a:solidFill>
+                  <a:schemeClr val="accent2">
+                    <a:lumMod val="40000"/>
+                    <a:lumOff val="60000"/>
+                  </a:schemeClr>
+                </a:solidFill>
+              </a:rPr>
+              <a:t>OPTIONAL SLIDES</a:t>
+            </a:r>
           </a:p>
         </p:txBody>
       </p:sp>
     </p:spTree>
     <p:extLst>
       <p:ext uri="{BB962C8B-B14F-4D97-AF65-F5344CB8AC3E}">
-        <p14:creationId xmlns:p14="http://schemas.microsoft.com/office/powerpoint/2010/main" val="3543735276"/>
+        <p14:creationId xmlns:p14="http://schemas.microsoft.com/office/powerpoint/2010/main" val="738448664"/>
       </p:ext>
     </p:extLst>
   </p:cSld>
@@ -7211,7 +7325,7 @@
           <a:p>
             <a:r>
               <a:rPr lang="en-US"/>
-              <a:t>Processes and Threads</a:t>
+              <a:t>Processes and Threads	</a:t>
             </a:r>
           </a:p>
         </p:txBody>
@@ -7260,123 +7374,72 @@
           <a:bodyPr/>
           <a:lstStyle/>
           <a:p>
+            <a:r>
+              <a:rPr lang="en-US"/>
+              <a:t>Process architecture</a:t>
+            </a:r>
+          </a:p>
+          <a:p>
             <a:pPr lvl="1"/>
             <a:r>
               <a:rPr lang="en-US"/>
-              <a:t>Process = Program code in action</a:t>
+              <a:t>CPU + Registers </a:t>
+            </a:r>
+            <a:r>
+              <a:rPr lang="en-US">
+                <a:sym typeface="Wingdings" panose="05000000000000000000" pitchFamily="2" charset="2"/>
+              </a:rPr>
+              <a:t> Cache  Memory  Disk</a:t>
             </a:r>
           </a:p>
           <a:p>
             <a:pPr lvl="2"/>
             <a:r>
               <a:rPr lang="en-US"/>
-              <a:t>Program Code from the file system </a:t>
+              <a:t>CPU executes instructions</a:t>
+            </a:r>
+          </a:p>
+          <a:p>
+            <a:pPr lvl="2"/>
+            <a:r>
+              <a:rPr lang="en-US"/>
+              <a:t>Storage trades off speed of access, cost, and storage space</a:t>
             </a:r>
           </a:p>
           <a:p>
             <a:pPr lvl="3"/>
             <a:r>
               <a:rPr lang="en-US"/>
-              <a:t>loaded by CPU into memory</a:t>
+              <a:t>Registers provide fastest access by the CPU, but most expensive</a:t>
             </a:r>
           </a:p>
           <a:p>
             <a:pPr lvl="3"/>
             <a:r>
               <a:rPr lang="en-US"/>
-              <a:t>turns a static program into an executing process</a:t>
+              <a:t>Cache is next slower, still expensive</a:t>
             </a:r>
           </a:p>
           <a:p>
             <a:pPr lvl="3"/>
             <a:r>
               <a:rPr lang="en-US"/>
-              <a:t>instructions are loaded into memory and are executed one by one</a:t>
+              <a:t>Memory is slower yet, but larger in size, and cheaper</a:t>
             </a:r>
           </a:p>
           <a:p>
             <a:pPr lvl="3"/>
             <a:r>
               <a:rPr lang="en-US"/>
-              <a:t>data needed are loaded into memory, cache, and registers</a:t>
+              <a:t>Disk is slowest, but very cheap</a:t>
             </a:r>
           </a:p>
           <a:p>
             <a:pPr lvl="2"/>
-            <a:r>
-              <a:rPr lang="en-US"/>
-              <a:t>Process State is a snapshot of a running program</a:t>
-            </a:r>
-          </a:p>
-          <a:p>
-            <a:pPr lvl="3"/>
-            <a:r>
-              <a:rPr lang="en-US"/>
-              <a:t>Program Counter: the line of code that is currently being executed by the CPU</a:t>
-            </a:r>
-          </a:p>
-          <a:p>
-            <a:pPr lvl="3"/>
-            <a:r>
-              <a:rPr lang="en-US"/>
-              <a:t>Stack</a:t>
-            </a:r>
-          </a:p>
-          <a:p>
-            <a:pPr lvl="4"/>
-            <a:r>
-              <a:rPr lang="en-US"/>
-              <a:t>indicates the function calling order within a process (with return address)</a:t>
-            </a:r>
-          </a:p>
-          <a:p>
-            <a:pPr lvl="4"/>
-            <a:r>
-              <a:rPr lang="en-US"/>
-              <a:t>Used to pass arguments and return values as well as to hold local variables </a:t>
-            </a:r>
-          </a:p>
-          <a:p>
-            <a:pPr lvl="3"/>
-            <a:r>
-              <a:rPr lang="en-US"/>
-              <a:t>Heap</a:t>
-            </a:r>
-          </a:p>
-          <a:p>
-            <a:pPr lvl="4"/>
-            <a:r>
-              <a:rPr lang="en-US"/>
-              <a:t>holds data dynamically allocated by the process</a:t>
-            </a:r>
-          </a:p>
-          <a:p>
-            <a:pPr lvl="3"/>
-            <a:r>
-              <a:rPr lang="en-US"/>
-              <a:t>Registers</a:t>
-            </a:r>
-          </a:p>
-          <a:p>
-            <a:pPr lvl="4"/>
-            <a:r>
-              <a:rPr lang="en-US"/>
-              <a:t>holds recent values computed or used by the CPU</a:t>
-            </a:r>
-          </a:p>
-          <a:p>
-            <a:pPr lvl="4"/>
             <a:endParaRPr lang="en-US"/>
           </a:p>
           <a:p>
-            <a:pPr lvl="4"/>
-            <a:endParaRPr lang="en-US"/>
-          </a:p>
-          <a:p>
-            <a:pPr lvl="3"/>
-            <a:endParaRPr lang="en-US"/>
-          </a:p>
-          <a:p>
+            <a:pPr lvl="1"/>
             <a:endParaRPr lang="en-US"/>
           </a:p>
         </p:txBody>
@@ -7384,7 +7447,7 @@
     </p:spTree>
     <p:extLst>
       <p:ext uri="{BB962C8B-B14F-4D97-AF65-F5344CB8AC3E}">
-        <p14:creationId xmlns:p14="http://schemas.microsoft.com/office/powerpoint/2010/main" val="1762246649"/>
+        <p14:creationId xmlns:p14="http://schemas.microsoft.com/office/powerpoint/2010/main" val="3543735276"/>
       </p:ext>
     </p:extLst>
   </p:cSld>
@@ -7429,7 +7492,7 @@
           <a:p>
             <a:r>
               <a:rPr lang="en-US"/>
-              <a:t>Multitasking</a:t>
+              <a:t>Processes and Threads</a:t>
             </a:r>
           </a:p>
         </p:txBody>
@@ -7473,12 +7536,7 @@
             <p:ph sz="quarter" idx="13"/>
           </p:nvPr>
         </p:nvSpPr>
-        <p:spPr>
-          <a:xfrm>
-            <a:off x="457200" y="1322696"/>
-            <a:ext cx="8534400" cy="4925704"/>
-          </a:xfrm>
-        </p:spPr>
+        <p:spPr/>
         <p:txBody>
           <a:bodyPr/>
           <a:lstStyle/>
@@ -7486,113 +7544,120 @@
             <a:pPr lvl="1"/>
             <a:r>
               <a:rPr lang="en-US"/>
-              <a:t>OS’ ability to have more than one process working concurrently</a:t>
+              <a:t>Process = Program code in action</a:t>
             </a:r>
           </a:p>
           <a:p>
             <a:pPr lvl="2"/>
             <a:r>
               <a:rPr lang="en-US"/>
-              <a:t>the unit of OS scheduling</a:t>
+              <a:t>Program Code from the file system </a:t>
+            </a:r>
+          </a:p>
+          <a:p>
+            <a:pPr lvl="3"/>
+            <a:r>
+              <a:rPr lang="en-US"/>
+              <a:t>loaded by CPU into memory</a:t>
+            </a:r>
+          </a:p>
+          <a:p>
+            <a:pPr lvl="3"/>
+            <a:r>
+              <a:rPr lang="en-US"/>
+              <a:t>turns a static program into an executing process</a:t>
+            </a:r>
+          </a:p>
+          <a:p>
+            <a:pPr lvl="3"/>
+            <a:r>
+              <a:rPr lang="en-US"/>
+              <a:t>instructions are loaded into memory and are executed one by one</a:t>
+            </a:r>
+          </a:p>
+          <a:p>
+            <a:pPr lvl="3"/>
+            <a:r>
+              <a:rPr lang="en-US"/>
+              <a:t>data needed are loaded into memory, cache, and registers</a:t>
             </a:r>
           </a:p>
           <a:p>
             <a:pPr lvl="2"/>
             <a:r>
               <a:rPr lang="en-US"/>
-              <a:t>OS assigns time slices to each process giving the illusion of parallelism</a:t>
-            </a:r>
-          </a:p>
-          <a:p>
-            <a:pPr lvl="2"/>
-            <a:r>
-              <a:rPr lang="en-US"/>
-              <a:t>each process shows up in the task manager</a:t>
-            </a:r>
-          </a:p>
-          <a:p>
-            <a:pPr lvl="1"/>
-            <a:r>
-              <a:rPr lang="en-US"/>
-              <a:t>Multithreading takes this one level farther</a:t>
-            </a:r>
-          </a:p>
-          <a:p>
-            <a:pPr lvl="2"/>
-            <a:r>
-              <a:rPr lang="en-US"/>
-              <a:t>a single process can have multiple “threads of control”</a:t>
-            </a:r>
-          </a:p>
-          <a:p>
-            <a:pPr lvl="2"/>
-            <a:r>
-              <a:rPr lang="en-US"/>
-              <a:t>each thread can do an independent tasks, concurrently with other threads</a:t>
+              <a:t>Process State is a snapshot of a running program</a:t>
             </a:r>
           </a:p>
           <a:p>
             <a:pPr lvl="3"/>
             <a:r>
               <a:rPr lang="en-US"/>
-              <a:t>A browser process can simultaneously download multiple images</a:t>
+              <a:t>Program Counter: the line of code that is currently being executed by the CPU</a:t>
             </a:r>
           </a:p>
           <a:p>
             <a:pPr lvl="3"/>
             <a:r>
               <a:rPr lang="en-US"/>
-              <a:t>A web server can simultaneously handle multiple incoming requests</a:t>
-            </a:r>
-          </a:p>
-          <a:p>
-            <a:pPr lvl="1"/>
-            <a:r>
-              <a:rPr lang="en-US"/>
-              <a:t>Difference between a process and a thread</a:t>
-            </a:r>
-          </a:p>
-          <a:p>
-            <a:pPr lvl="2"/>
-            <a:r>
-              <a:rPr lang="en-US"/>
-              <a:t>each process has its own data, but threads share the same heap data</a:t>
+              <a:t>Stack</a:t>
+            </a:r>
+          </a:p>
+          <a:p>
+            <a:pPr lvl="4"/>
+            <a:r>
+              <a:rPr lang="en-US"/>
+              <a:t>indicates the function calling order within a process (with return address)</a:t>
+            </a:r>
+          </a:p>
+          <a:p>
+            <a:pPr lvl="4"/>
+            <a:r>
+              <a:rPr lang="en-US"/>
+              <a:t>Used to pass arguments and return values as well as to hold local variables </a:t>
             </a:r>
           </a:p>
           <a:p>
             <a:pPr lvl="3"/>
             <a:r>
               <a:rPr lang="en-US"/>
-              <a:t>makes communication between threads more efficient</a:t>
+              <a:t>Heap</a:t>
+            </a:r>
+          </a:p>
+          <a:p>
+            <a:pPr lvl="4"/>
+            <a:r>
+              <a:rPr lang="en-US"/>
+              <a:t>holds data dynamically allocated by the process</a:t>
             </a:r>
           </a:p>
           <a:p>
             <a:pPr lvl="3"/>
             <a:r>
               <a:rPr lang="en-US"/>
-              <a:t>share objects on the heap, but not local variables (on their stack)</a:t>
-            </a:r>
+              <a:t>Registers</a:t>
+            </a:r>
+          </a:p>
+          <a:p>
+            <a:pPr lvl="4"/>
+            <a:r>
+              <a:rPr lang="en-US"/>
+              <a:t>holds recent values computed or used by the CPU</a:t>
+            </a:r>
+          </a:p>
+          <a:p>
+            <a:pPr lvl="4"/>
+            <a:endParaRPr lang="en-US"/>
+          </a:p>
+          <a:p>
+            <a:pPr lvl="4"/>
+            <a:endParaRPr lang="en-US"/>
           </a:p>
           <a:p>
             <a:pPr lvl="3"/>
-            <a:r>
-              <a:rPr lang="en-US"/>
-              <a:t>for safety, a thread can “lock” an object to get exclusive access to it </a:t>
-            </a:r>
-          </a:p>
-          <a:p>
-            <a:pPr lvl="2"/>
-            <a:r>
-              <a:rPr lang="en-US"/>
-              <a:t>threads are more lightweight, so less overhead to create/destroy them</a:t>
-            </a:r>
-          </a:p>
-          <a:p>
-            <a:pPr lvl="2"/>
             <a:endParaRPr lang="en-US"/>
           </a:p>
           <a:p>
-            <a:pPr lvl="1"/>
             <a:endParaRPr lang="en-US"/>
           </a:p>
         </p:txBody>
@@ -7600,7 +7665,7 @@
     </p:spTree>
     <p:extLst>
       <p:ext uri="{BB962C8B-B14F-4D97-AF65-F5344CB8AC3E}">
-        <p14:creationId xmlns:p14="http://schemas.microsoft.com/office/powerpoint/2010/main" val="4045774805"/>
+        <p14:creationId xmlns:p14="http://schemas.microsoft.com/office/powerpoint/2010/main" val="1762246649"/>
       </p:ext>
     </p:extLst>
   </p:cSld>
@@ -7645,7 +7710,7 @@
           <a:p>
             <a:r>
               <a:rPr lang="en-US"/>
-              <a:t>Multithreading and Synchronization</a:t>
+              <a:t>Multitasking</a:t>
             </a:r>
           </a:p>
         </p:txBody>
@@ -7689,7 +7754,12 @@
             <p:ph sz="quarter" idx="13"/>
           </p:nvPr>
         </p:nvSpPr>
-        <p:spPr/>
+        <p:spPr>
+          <a:xfrm>
+            <a:off x="457200" y="1322696"/>
+            <a:ext cx="8534400" cy="4925704"/>
+          </a:xfrm>
+        </p:spPr>
         <p:txBody>
           <a:bodyPr/>
           <a:lstStyle/>
@@ -7697,340 +7767,121 @@
             <a:pPr lvl="1"/>
             <a:r>
               <a:rPr lang="en-US"/>
-              <a:t>All execution in Java is associated with a </a:t>
-            </a:r>
-            <a:r>
-              <a:rPr lang="en-US" err="1"/>
-              <a:t>java.lang.Thread</a:t>
-            </a:r>
-            <a:r>
-              <a:rPr lang="en-US"/>
-              <a:t> instance</a:t>
+              <a:t>OS’ ability to have more than one process working concurrently</a:t>
             </a:r>
           </a:p>
           <a:p>
             <a:pPr lvl="2"/>
             <a:r>
               <a:rPr lang="en-US"/>
-              <a:t>its constructor takes any instance that implements Runnable</a:t>
+              <a:t>the unit of OS scheduling</a:t>
+            </a:r>
+          </a:p>
+          <a:p>
+            <a:pPr lvl="2"/>
+            <a:r>
+              <a:rPr lang="en-US"/>
+              <a:t>OS assigns time slices to each process giving the illusion of parallelism</a:t>
+            </a:r>
+          </a:p>
+          <a:p>
+            <a:pPr lvl="2"/>
+            <a:r>
+              <a:rPr lang="en-US"/>
+              <a:t>each process shows up in the task manager</a:t>
+            </a:r>
+          </a:p>
+          <a:p>
+            <a:pPr lvl="1"/>
+            <a:r>
+              <a:rPr lang="en-US"/>
+              <a:t>Multithreading takes this one level farther</a:t>
+            </a:r>
+          </a:p>
+          <a:p>
+            <a:pPr lvl="2"/>
+            <a:r>
+              <a:rPr lang="en-US"/>
+              <a:t>a single process can have multiple “threads of control”</a:t>
+            </a:r>
+          </a:p>
+          <a:p>
+            <a:pPr lvl="2"/>
+            <a:r>
+              <a:rPr lang="en-US"/>
+              <a:t>each thread can do an independent tasks, concurrently with other threads</a:t>
             </a:r>
           </a:p>
           <a:p>
             <a:pPr lvl="3"/>
             <a:r>
               <a:rPr lang="en-US"/>
-              <a:t>implements a run() method that returns void</a:t>
+              <a:t>A browser process can simultaneously download multiple images</a:t>
             </a:r>
           </a:p>
           <a:p>
             <a:pPr lvl="3"/>
             <a:r>
               <a:rPr lang="en-US"/>
-              <a:t>a Runnable can serve as the target for a new thread </a:t>
+              <a:t>A web server can simultaneously handle multiple incoming requests</a:t>
+            </a:r>
+          </a:p>
+          <a:p>
+            <a:pPr lvl="1"/>
+            <a:r>
+              <a:rPr lang="en-US"/>
+              <a:t>Difference between a process and a thread</a:t>
             </a:r>
           </a:p>
           <a:p>
             <a:pPr lvl="2"/>
             <a:r>
               <a:rPr lang="en-US"/>
-              <a:t>call </a:t>
-            </a:r>
-            <a:r>
-              <a:rPr lang="en-US" err="1"/>
-              <a:t>Thread.start</a:t>
-            </a:r>
-            <a:r>
-              <a:rPr lang="en-US"/>
-              <a:t>() to invoke the </a:t>
-            </a:r>
-            <a:r>
-              <a:rPr lang="en-US" err="1"/>
-              <a:t>Runnable’s</a:t>
-            </a:r>
-            <a:r>
-              <a:rPr lang="en-US"/>
-              <a:t> run() method</a:t>
+              <a:t>each process has its own data, but threads share the same heap data</a:t>
             </a:r>
           </a:p>
           <a:p>
             <a:pPr lvl="3"/>
             <a:r>
               <a:rPr lang="en-US"/>
-              <a:t>the Thread executes until its target’s run() method completes</a:t>
+              <a:t>makes communication between threads more efficient</a:t>
+            </a:r>
+          </a:p>
+          <a:p>
+            <a:pPr lvl="3"/>
+            <a:r>
+              <a:rPr lang="en-US"/>
+              <a:t>share objects on the heap, but not local variables (on their stack)</a:t>
+            </a:r>
+          </a:p>
+          <a:p>
+            <a:pPr lvl="3"/>
+            <a:r>
+              <a:rPr lang="en-US"/>
+              <a:t>for safety, a thread can “lock” an object to get exclusive access to it </a:t>
+            </a:r>
+          </a:p>
+          <a:p>
+            <a:pPr lvl="2"/>
+            <a:r>
+              <a:rPr lang="en-US"/>
+              <a:t>threads are more lightweight, so less overhead to create/destroy them</a:t>
             </a:r>
           </a:p>
           <a:p>
             <a:pPr lvl="2"/>
             <a:endParaRPr lang="en-US"/>
           </a:p>
-        </p:txBody>
-      </p:sp>
-      <p:sp>
-        <p:nvSpPr>
-          <p:cNvPr id="5" name="TextBox 4"/>
-          <p:cNvSpPr txBox="1"/>
-          <p:nvPr/>
-        </p:nvSpPr>
-        <p:spPr>
-          <a:xfrm>
-            <a:off x="152400" y="3429000"/>
-            <a:ext cx="3861955" cy="1815882"/>
-          </a:xfrm>
-          <a:prstGeom prst="rect">
-            <a:avLst/>
-          </a:prstGeom>
-          <a:noFill/>
-        </p:spPr>
-        <p:txBody>
-          <a:bodyPr wrap="none" rtlCol="0">
-            <a:spAutoFit/>
-          </a:bodyPr>
-          <a:lstStyle/>
-          <a:p>
-            <a:r>
-              <a:rPr lang="en-US" sz="1400">
-                <a:solidFill>
-                  <a:srgbClr val="C00000"/>
-                </a:solidFill>
-                <a:latin typeface="Consolas" panose="020B0609020204030204" pitchFamily="49" charset="0"/>
-                <a:cs typeface="Consolas" panose="020B0609020204030204" pitchFamily="49" charset="0"/>
-              </a:rPr>
-              <a:t>class Animation implements Runnable {</a:t>
-            </a:r>
-          </a:p>
-          <a:p>
-            <a:r>
-              <a:rPr lang="en-US" sz="1400">
-                <a:solidFill>
-                  <a:srgbClr val="C00000"/>
-                </a:solidFill>
-                <a:latin typeface="Consolas" panose="020B0609020204030204" pitchFamily="49" charset="0"/>
-                <a:cs typeface="Consolas" panose="020B0609020204030204" pitchFamily="49" charset="0"/>
-              </a:rPr>
-              <a:t>  </a:t>
-            </a:r>
-            <a:r>
-              <a:rPr lang="en-US" sz="1400" err="1">
-                <a:solidFill>
-                  <a:srgbClr val="C00000"/>
-                </a:solidFill>
-                <a:latin typeface="Consolas" panose="020B0609020204030204" pitchFamily="49" charset="0"/>
-                <a:cs typeface="Consolas" panose="020B0609020204030204" pitchFamily="49" charset="0"/>
-              </a:rPr>
-              <a:t>boolean</a:t>
-            </a:r>
-            <a:r>
-              <a:rPr lang="en-US" sz="1400">
-                <a:solidFill>
-                  <a:srgbClr val="C00000"/>
-                </a:solidFill>
-                <a:latin typeface="Consolas" panose="020B0609020204030204" pitchFamily="49" charset="0"/>
-                <a:cs typeface="Consolas" panose="020B0609020204030204" pitchFamily="49" charset="0"/>
-              </a:rPr>
-              <a:t> animate = true;</a:t>
-            </a:r>
-          </a:p>
-          <a:p>
-            <a:r>
-              <a:rPr lang="en-US" sz="1400">
-                <a:solidFill>
-                  <a:srgbClr val="C00000"/>
-                </a:solidFill>
-                <a:latin typeface="Consolas" panose="020B0609020204030204" pitchFamily="49" charset="0"/>
-                <a:cs typeface="Consolas" panose="020B0609020204030204" pitchFamily="49" charset="0"/>
-              </a:rPr>
-              <a:t>  public void run() {</a:t>
-            </a:r>
-          </a:p>
-          <a:p>
-            <a:r>
-              <a:rPr lang="en-US" sz="1400">
-                <a:solidFill>
-                  <a:srgbClr val="C00000"/>
-                </a:solidFill>
-                <a:latin typeface="Consolas" panose="020B0609020204030204" pitchFamily="49" charset="0"/>
-                <a:cs typeface="Consolas" panose="020B0609020204030204" pitchFamily="49" charset="0"/>
-              </a:rPr>
-              <a:t>    while (animate) {</a:t>
-            </a:r>
-          </a:p>
-          <a:p>
-            <a:r>
-              <a:rPr lang="en-US" sz="1400">
-                <a:solidFill>
-                  <a:srgbClr val="C00000"/>
-                </a:solidFill>
-                <a:latin typeface="Consolas" panose="020B0609020204030204" pitchFamily="49" charset="0"/>
-                <a:cs typeface="Consolas" panose="020B0609020204030204" pitchFamily="49" charset="0"/>
-              </a:rPr>
-              <a:t>      //do something</a:t>
-            </a:r>
-            <a:br>
-              <a:rPr lang="en-US" sz="1400">
-                <a:solidFill>
-                  <a:srgbClr val="C00000"/>
-                </a:solidFill>
-                <a:latin typeface="Consolas" panose="020B0609020204030204" pitchFamily="49" charset="0"/>
-                <a:cs typeface="Consolas" panose="020B0609020204030204" pitchFamily="49" charset="0"/>
-              </a:rPr>
-            </a:br>
-            <a:r>
-              <a:rPr lang="en-US" sz="1400">
-                <a:solidFill>
-                  <a:srgbClr val="C00000"/>
-                </a:solidFill>
-                <a:latin typeface="Consolas" panose="020B0609020204030204" pitchFamily="49" charset="0"/>
-                <a:cs typeface="Consolas" panose="020B0609020204030204" pitchFamily="49" charset="0"/>
-              </a:rPr>
-              <a:t>    }</a:t>
-            </a:r>
-            <a:br>
-              <a:rPr lang="en-US" sz="1400">
-                <a:solidFill>
-                  <a:srgbClr val="C00000"/>
-                </a:solidFill>
-                <a:latin typeface="Consolas" panose="020B0609020204030204" pitchFamily="49" charset="0"/>
-                <a:cs typeface="Consolas" panose="020B0609020204030204" pitchFamily="49" charset="0"/>
-              </a:rPr>
-            </a:br>
-            <a:r>
-              <a:rPr lang="en-US" sz="1400">
-                <a:solidFill>
-                  <a:srgbClr val="C00000"/>
-                </a:solidFill>
-                <a:latin typeface="Consolas" panose="020B0609020204030204" pitchFamily="49" charset="0"/>
-                <a:cs typeface="Consolas" panose="020B0609020204030204" pitchFamily="49" charset="0"/>
-              </a:rPr>
-              <a:t>  }</a:t>
-            </a:r>
-          </a:p>
-          <a:p>
-            <a:r>
-              <a:rPr lang="en-US" sz="1400">
-                <a:solidFill>
-                  <a:srgbClr val="C00000"/>
-                </a:solidFill>
-                <a:latin typeface="Consolas" panose="020B0609020204030204" pitchFamily="49" charset="0"/>
-                <a:cs typeface="Consolas" panose="020B0609020204030204" pitchFamily="49" charset="0"/>
-              </a:rPr>
-              <a:t>}</a:t>
-            </a:r>
-          </a:p>
-        </p:txBody>
-      </p:sp>
-      <p:sp>
-        <p:nvSpPr>
-          <p:cNvPr id="6" name="TextBox 5"/>
-          <p:cNvSpPr txBox="1"/>
-          <p:nvPr/>
-        </p:nvSpPr>
-        <p:spPr>
-          <a:xfrm>
-            <a:off x="4319155" y="3429000"/>
-            <a:ext cx="3961341" cy="738664"/>
-          </a:xfrm>
-          <a:prstGeom prst="rect">
-            <a:avLst/>
-          </a:prstGeom>
-          <a:noFill/>
-        </p:spPr>
-        <p:txBody>
-          <a:bodyPr wrap="none" rtlCol="0">
-            <a:spAutoFit/>
-          </a:bodyPr>
-          <a:lstStyle/>
-          <a:p>
-            <a:r>
-              <a:rPr lang="en-US" sz="1400">
-                <a:solidFill>
-                  <a:srgbClr val="C00000"/>
-                </a:solidFill>
-                <a:latin typeface="Consolas" panose="020B0609020204030204" pitchFamily="49" charset="0"/>
-                <a:cs typeface="Consolas" panose="020B0609020204030204" pitchFamily="49" charset="0"/>
-              </a:rPr>
-              <a:t>Animation </a:t>
-            </a:r>
-            <a:r>
-              <a:rPr lang="en-US" sz="1400" err="1">
-                <a:solidFill>
-                  <a:srgbClr val="C00000"/>
-                </a:solidFill>
-                <a:latin typeface="Consolas" panose="020B0609020204030204" pitchFamily="49" charset="0"/>
-                <a:cs typeface="Consolas" panose="020B0609020204030204" pitchFamily="49" charset="0"/>
-              </a:rPr>
-              <a:t>animation</a:t>
-            </a:r>
-            <a:r>
-              <a:rPr lang="en-US" sz="1400">
-                <a:solidFill>
-                  <a:srgbClr val="C00000"/>
-                </a:solidFill>
-                <a:latin typeface="Consolas" panose="020B0609020204030204" pitchFamily="49" charset="0"/>
-                <a:cs typeface="Consolas" panose="020B0609020204030204" pitchFamily="49" charset="0"/>
-              </a:rPr>
-              <a:t> = new Animation();</a:t>
-            </a:r>
-          </a:p>
-          <a:p>
-            <a:r>
-              <a:rPr lang="en-US" sz="1400">
-                <a:solidFill>
-                  <a:srgbClr val="C00000"/>
-                </a:solidFill>
-                <a:latin typeface="Consolas" panose="020B0609020204030204" pitchFamily="49" charset="0"/>
-                <a:cs typeface="Consolas" panose="020B0609020204030204" pitchFamily="49" charset="0"/>
-              </a:rPr>
-              <a:t>Thread </a:t>
-            </a:r>
-            <a:r>
-              <a:rPr lang="en-US" sz="1400" err="1">
-                <a:solidFill>
-                  <a:srgbClr val="C00000"/>
-                </a:solidFill>
-                <a:latin typeface="Consolas" panose="020B0609020204030204" pitchFamily="49" charset="0"/>
-                <a:cs typeface="Consolas" panose="020B0609020204030204" pitchFamily="49" charset="0"/>
-              </a:rPr>
-              <a:t>thread</a:t>
-            </a:r>
-            <a:r>
-              <a:rPr lang="en-US" sz="1400">
-                <a:solidFill>
-                  <a:srgbClr val="C00000"/>
-                </a:solidFill>
-                <a:latin typeface="Consolas" panose="020B0609020204030204" pitchFamily="49" charset="0"/>
-                <a:cs typeface="Consolas" panose="020B0609020204030204" pitchFamily="49" charset="0"/>
-              </a:rPr>
-              <a:t> = new Thread(animation);</a:t>
-            </a:r>
-          </a:p>
-          <a:p>
-            <a:r>
-              <a:rPr lang="en-US" sz="1400" err="1">
-                <a:solidFill>
-                  <a:srgbClr val="C00000"/>
-                </a:solidFill>
-                <a:latin typeface="Consolas" panose="020B0609020204030204" pitchFamily="49" charset="0"/>
-                <a:cs typeface="Consolas" panose="020B0609020204030204" pitchFamily="49" charset="0"/>
-              </a:rPr>
-              <a:t>thread.start</a:t>
-            </a:r>
-            <a:r>
-              <a:rPr lang="en-US" sz="1400">
-                <a:solidFill>
-                  <a:srgbClr val="C00000"/>
-                </a:solidFill>
-                <a:latin typeface="Consolas" panose="020B0609020204030204" pitchFamily="49" charset="0"/>
-                <a:cs typeface="Consolas" panose="020B0609020204030204" pitchFamily="49" charset="0"/>
-              </a:rPr>
-              <a:t>();</a:t>
-            </a:r>
+          <a:p>
+            <a:pPr lvl="1"/>
+            <a:endParaRPr lang="en-US"/>
           </a:p>
         </p:txBody>
       </p:sp>
     </p:spTree>
     <p:extLst>
       <p:ext uri="{BB962C8B-B14F-4D97-AF65-F5344CB8AC3E}">
-        <p14:creationId xmlns:p14="http://schemas.microsoft.com/office/powerpoint/2010/main" val="3285698385"/>
+        <p14:creationId xmlns:p14="http://schemas.microsoft.com/office/powerpoint/2010/main" val="4045774805"/>
       </p:ext>
     </p:extLst>
   </p:cSld>
@@ -8197,14 +8048,14 @@
       </p:sp>
       <p:sp>
         <p:nvSpPr>
-          <p:cNvPr id="7" name="TextBox 6"/>
+          <p:cNvPr id="5" name="TextBox 4"/>
           <p:cNvSpPr txBox="1"/>
           <p:nvPr/>
         </p:nvSpPr>
         <p:spPr>
           <a:xfrm>
-            <a:off x="2514600" y="3795073"/>
-            <a:ext cx="3861955" cy="2246769"/>
+            <a:off x="152400" y="3429000"/>
+            <a:ext cx="3861955" cy="1815882"/>
           </a:xfrm>
           <a:prstGeom prst="rect">
             <a:avLst/>
@@ -8237,7 +8088,7 @@
                 <a:latin typeface="Consolas" panose="020B0609020204030204" pitchFamily="49" charset="0"/>
                 <a:cs typeface="Consolas" panose="020B0609020204030204" pitchFamily="49" charset="0"/>
               </a:rPr>
-              <a:t>  Thread </a:t>
+              <a:t>  </a:t>
             </a:r>
             <a:r>
               <a:rPr lang="en-US" sz="1400" err="1">
@@ -8247,7 +8098,7 @@
                 <a:latin typeface="Consolas" panose="020B0609020204030204" pitchFamily="49" charset="0"/>
                 <a:cs typeface="Consolas" panose="020B0609020204030204" pitchFamily="49" charset="0"/>
               </a:rPr>
-              <a:t>thread</a:t>
+              <a:t>boolean</a:t>
             </a:r>
             <a:r>
               <a:rPr lang="en-US" sz="1400">
@@ -8257,7 +8108,7 @@
                 <a:latin typeface="Consolas" panose="020B0609020204030204" pitchFamily="49" charset="0"/>
                 <a:cs typeface="Consolas" panose="020B0609020204030204" pitchFamily="49" charset="0"/>
               </a:rPr>
-              <a:t>;</a:t>
+              <a:t> animate = true;</a:t>
             </a:r>
           </a:p>
           <a:p>
@@ -8269,7 +8120,7 @@
                 <a:latin typeface="Consolas" panose="020B0609020204030204" pitchFamily="49" charset="0"/>
                 <a:cs typeface="Consolas" panose="020B0609020204030204" pitchFamily="49" charset="0"/>
               </a:rPr>
-              <a:t>  Animation (String name) {</a:t>
+              <a:t>  public void run() {</a:t>
             </a:r>
           </a:p>
           <a:p>
@@ -8281,7 +8132,7 @@
                 <a:latin typeface="Consolas" panose="020B0609020204030204" pitchFamily="49" charset="0"/>
                 <a:cs typeface="Consolas" panose="020B0609020204030204" pitchFamily="49" charset="0"/>
               </a:rPr>
-              <a:t>    thread = new Thread(this);</a:t>
+              <a:t>    while (animate) {</a:t>
             </a:r>
           </a:p>
           <a:p>
@@ -8293,63 +8144,7 @@
                 <a:latin typeface="Consolas" panose="020B0609020204030204" pitchFamily="49" charset="0"/>
                 <a:cs typeface="Consolas" panose="020B0609020204030204" pitchFamily="49" charset="0"/>
               </a:rPr>
-              <a:t>    </a:t>
-            </a:r>
-            <a:r>
-              <a:rPr lang="en-US" sz="1400" err="1">
-                <a:solidFill>
-                  <a:srgbClr val="C00000"/>
-                </a:solidFill>
-                <a:latin typeface="Consolas" panose="020B0609020204030204" pitchFamily="49" charset="0"/>
-                <a:cs typeface="Consolas" panose="020B0609020204030204" pitchFamily="49" charset="0"/>
-              </a:rPr>
-              <a:t>thread.start</a:t>
-            </a:r>
-            <a:r>
-              <a:rPr lang="en-US" sz="1400">
-                <a:solidFill>
-                  <a:srgbClr val="C00000"/>
-                </a:solidFill>
-                <a:latin typeface="Consolas" panose="020B0609020204030204" pitchFamily="49" charset="0"/>
-                <a:cs typeface="Consolas" panose="020B0609020204030204" pitchFamily="49" charset="0"/>
-              </a:rPr>
-              <a:t>();</a:t>
-            </a:r>
-          </a:p>
-          <a:p>
-            <a:r>
-              <a:rPr lang="en-US" sz="1400">
-                <a:solidFill>
-                  <a:srgbClr val="C00000"/>
-                </a:solidFill>
-                <a:latin typeface="Consolas" panose="020B0609020204030204" pitchFamily="49" charset="0"/>
-                <a:cs typeface="Consolas" panose="020B0609020204030204" pitchFamily="49" charset="0"/>
-              </a:rPr>
-              <a:t>  }</a:t>
-            </a:r>
-          </a:p>
-          <a:p>
-            <a:r>
-              <a:rPr lang="en-US" sz="1400">
-                <a:solidFill>
-                  <a:srgbClr val="C00000"/>
-                </a:solidFill>
-                <a:latin typeface="Consolas" panose="020B0609020204030204" pitchFamily="49" charset="0"/>
-                <a:cs typeface="Consolas" panose="020B0609020204030204" pitchFamily="49" charset="0"/>
-              </a:rPr>
-              <a:t>  ...</a:t>
-            </a:r>
-          </a:p>
-          <a:p>
-            <a:r>
-              <a:rPr lang="en-US" sz="1400">
-                <a:solidFill>
-                  <a:srgbClr val="C00000"/>
-                </a:solidFill>
-                <a:latin typeface="Consolas" panose="020B0609020204030204" pitchFamily="49" charset="0"/>
-                <a:cs typeface="Consolas" panose="020B0609020204030204" pitchFamily="49" charset="0"/>
-              </a:rPr>
-              <a:t>  public void run() { … }</a:t>
+              <a:t>      //do something</a:t>
             </a:r>
             <a:br>
               <a:rPr lang="en-US" sz="1400">
@@ -8368,11 +8163,9 @@
                 <a:latin typeface="Consolas" panose="020B0609020204030204" pitchFamily="49" charset="0"/>
                 <a:cs typeface="Consolas" panose="020B0609020204030204" pitchFamily="49" charset="0"/>
               </a:rPr>
-              <a:t>  }</a:t>
-            </a:r>
-          </a:p>
-          <a:p>
-            <a:r>
+              <a:t>    }</a:t>
+            </a:r>
+            <a:br>
               <a:rPr lang="en-US" sz="1400">
                 <a:solidFill>
                   <a:srgbClr val="C00000"/>
@@ -8380,7 +8173,137 @@
                 <a:latin typeface="Consolas" panose="020B0609020204030204" pitchFamily="49" charset="0"/>
                 <a:cs typeface="Consolas" panose="020B0609020204030204" pitchFamily="49" charset="0"/>
               </a:rPr>
+            </a:br>
+            <a:r>
+              <a:rPr lang="en-US" sz="1400">
+                <a:solidFill>
+                  <a:srgbClr val="C00000"/>
+                </a:solidFill>
+                <a:latin typeface="Consolas" panose="020B0609020204030204" pitchFamily="49" charset="0"/>
+                <a:cs typeface="Consolas" panose="020B0609020204030204" pitchFamily="49" charset="0"/>
+              </a:rPr>
+              <a:t>  }</a:t>
+            </a:r>
+          </a:p>
+          <a:p>
+            <a:r>
+              <a:rPr lang="en-US" sz="1400">
+                <a:solidFill>
+                  <a:srgbClr val="C00000"/>
+                </a:solidFill>
+                <a:latin typeface="Consolas" panose="020B0609020204030204" pitchFamily="49" charset="0"/>
+                <a:cs typeface="Consolas" panose="020B0609020204030204" pitchFamily="49" charset="0"/>
+              </a:rPr>
               <a:t>}</a:t>
+            </a:r>
+          </a:p>
+        </p:txBody>
+      </p:sp>
+      <p:sp>
+        <p:nvSpPr>
+          <p:cNvPr id="6" name="TextBox 5"/>
+          <p:cNvSpPr txBox="1"/>
+          <p:nvPr/>
+        </p:nvSpPr>
+        <p:spPr>
+          <a:xfrm>
+            <a:off x="4319155" y="3429000"/>
+            <a:ext cx="3961341" cy="738664"/>
+          </a:xfrm>
+          <a:prstGeom prst="rect">
+            <a:avLst/>
+          </a:prstGeom>
+          <a:noFill/>
+        </p:spPr>
+        <p:txBody>
+          <a:bodyPr wrap="none" rtlCol="0">
+            <a:spAutoFit/>
+          </a:bodyPr>
+          <a:lstStyle/>
+          <a:p>
+            <a:r>
+              <a:rPr lang="en-US" sz="1400">
+                <a:solidFill>
+                  <a:srgbClr val="C00000"/>
+                </a:solidFill>
+                <a:latin typeface="Consolas" panose="020B0609020204030204" pitchFamily="49" charset="0"/>
+                <a:cs typeface="Consolas" panose="020B0609020204030204" pitchFamily="49" charset="0"/>
+              </a:rPr>
+              <a:t>Animation </a:t>
+            </a:r>
+            <a:r>
+              <a:rPr lang="en-US" sz="1400" err="1">
+                <a:solidFill>
+                  <a:srgbClr val="C00000"/>
+                </a:solidFill>
+                <a:latin typeface="Consolas" panose="020B0609020204030204" pitchFamily="49" charset="0"/>
+                <a:cs typeface="Consolas" panose="020B0609020204030204" pitchFamily="49" charset="0"/>
+              </a:rPr>
+              <a:t>animation</a:t>
+            </a:r>
+            <a:r>
+              <a:rPr lang="en-US" sz="1400">
+                <a:solidFill>
+                  <a:srgbClr val="C00000"/>
+                </a:solidFill>
+                <a:latin typeface="Consolas" panose="020B0609020204030204" pitchFamily="49" charset="0"/>
+                <a:cs typeface="Consolas" panose="020B0609020204030204" pitchFamily="49" charset="0"/>
+              </a:rPr>
+              <a:t> = new Animation();</a:t>
+            </a:r>
+          </a:p>
+          <a:p>
+            <a:r>
+              <a:rPr lang="en-US" sz="1400">
+                <a:solidFill>
+                  <a:srgbClr val="C00000"/>
+                </a:solidFill>
+                <a:latin typeface="Consolas" panose="020B0609020204030204" pitchFamily="49" charset="0"/>
+                <a:cs typeface="Consolas" panose="020B0609020204030204" pitchFamily="49" charset="0"/>
+              </a:rPr>
+              <a:t>Thread </a:t>
+            </a:r>
+            <a:r>
+              <a:rPr lang="en-US" sz="1400" err="1">
+                <a:solidFill>
+                  <a:srgbClr val="C00000"/>
+                </a:solidFill>
+                <a:latin typeface="Consolas" panose="020B0609020204030204" pitchFamily="49" charset="0"/>
+                <a:cs typeface="Consolas" panose="020B0609020204030204" pitchFamily="49" charset="0"/>
+              </a:rPr>
+              <a:t>thread</a:t>
+            </a:r>
+            <a:r>
+              <a:rPr lang="en-US" sz="1400">
+                <a:solidFill>
+                  <a:srgbClr val="C00000"/>
+                </a:solidFill>
+                <a:latin typeface="Consolas" panose="020B0609020204030204" pitchFamily="49" charset="0"/>
+                <a:cs typeface="Consolas" panose="020B0609020204030204" pitchFamily="49" charset="0"/>
+              </a:rPr>
+              <a:t> = new Thread(animation);</a:t>
+            </a:r>
+          </a:p>
+          <a:p>
+            <a:r>
+              <a:rPr lang="en-US" sz="1400" err="1">
+                <a:solidFill>
+                  <a:srgbClr val="C00000"/>
+                </a:solidFill>
+                <a:latin typeface="Consolas" panose="020B0609020204030204" pitchFamily="49" charset="0"/>
+                <a:cs typeface="Consolas" panose="020B0609020204030204" pitchFamily="49" charset="0"/>
+              </a:rPr>
+              <a:t>thread.start</a:t>
+            </a:r>
+            <a:r>
+              <a:rPr lang="en-US" sz="1400">
+                <a:solidFill>
+                  <a:srgbClr val="C00000"/>
+                </a:solidFill>
+                <a:latin typeface="Consolas" panose="020B0609020204030204" pitchFamily="49" charset="0"/>
+                <a:cs typeface="Consolas" panose="020B0609020204030204" pitchFamily="49" charset="0"/>
+              </a:rPr>
+              <a:t>();</a:t>
             </a:r>
           </a:p>
         </p:txBody>
@@ -8388,7 +8311,7 @@
     </p:spTree>
     <p:extLst>
       <p:ext uri="{BB962C8B-B14F-4D97-AF65-F5344CB8AC3E}">
-        <p14:creationId xmlns:p14="http://schemas.microsoft.com/office/powerpoint/2010/main" val="3411515997"/>
+        <p14:creationId xmlns:p14="http://schemas.microsoft.com/office/powerpoint/2010/main" val="3285698385"/>
       </p:ext>
     </p:extLst>
   </p:cSld>
@@ -8483,91 +8406,83 @@
           <a:lstStyle/>
           <a:p>
             <a:r>
-              <a:rPr lang="en-US"/>
+              <a:rPr lang="en-US" dirty="0"/>
               <a:t>Versions</a:t>
             </a:r>
           </a:p>
           <a:p>
             <a:pPr lvl="1"/>
             <a:r>
-              <a:rPr lang="en-US"/>
+              <a:rPr lang="en-US" dirty="0"/>
               <a:t>Java 1.0 (1995), 1.1 (1997)</a:t>
             </a:r>
           </a:p>
           <a:p>
             <a:pPr lvl="1"/>
             <a:r>
-              <a:rPr lang="en-US"/>
+              <a:rPr lang="en-US" dirty="0"/>
               <a:t>Java 1.2 (1998) – rebranded as Java 2: J2SE, J2EE, and J2ME</a:t>
             </a:r>
           </a:p>
           <a:p>
             <a:pPr lvl="1"/>
             <a:r>
-              <a:rPr lang="en-US"/>
+              <a:rPr lang="en-US" dirty="0"/>
               <a:t>J2SE 1.3 (2000), J2SSE 1.4 (2002)</a:t>
             </a:r>
           </a:p>
           <a:p>
             <a:pPr lvl="1"/>
             <a:r>
-              <a:rPr lang="en-US"/>
+              <a:rPr lang="en-US" dirty="0"/>
               <a:t>J2SE 1.5 (2004) – rebranded as Java 5, and Java EE</a:t>
             </a:r>
           </a:p>
           <a:p>
             <a:pPr lvl="1"/>
             <a:r>
-              <a:rPr lang="en-US"/>
+              <a:rPr lang="en-US" dirty="0"/>
               <a:t>Java SE 6 – open sourced version</a:t>
             </a:r>
           </a:p>
           <a:p>
             <a:pPr lvl="1"/>
             <a:r>
-              <a:rPr lang="en-US"/>
-              <a:t>Java 7 in 2011 released through </a:t>
-            </a:r>
-            <a:r>
-              <a:rPr lang="en-US" err="1"/>
-              <a:t>OpenJDK</a:t>
-            </a:r>
-            <a:r>
-              <a:rPr lang="en-US"/>
-              <a:t> (with Oracle, IBM, Apple)</a:t>
+              <a:rPr lang="en-US" dirty="0"/>
+              <a:t>Java 7 in 2011 released through OpenJDK (with Oracle, IBM, Apple)</a:t>
             </a:r>
           </a:p>
           <a:p>
             <a:pPr lvl="1"/>
             <a:r>
-              <a:rPr lang="en-US"/>
-              <a:t>Java 8 in 2014</a:t>
-            </a:r>
-          </a:p>
-          <a:p>
-            <a:r>
-              <a:rPr lang="en-US"/>
+              <a:rPr lang="en-US" dirty="0"/>
+              <a:t>Java 8 in 2014, Java 16 in Mar 2021, Java 17 (ETA 2021)</a:t>
+            </a:r>
+          </a:p>
+          <a:p>
+            <a:r>
+              <a:rPr lang="en-US" dirty="0"/>
               <a:t>You will encounter:</a:t>
             </a:r>
           </a:p>
           <a:p>
             <a:pPr lvl="1"/>
             <a:r>
-              <a:rPr lang="en-US"/>
+              <a:rPr lang="en-US" dirty="0"/>
               <a:t>Java Standard Edition </a:t>
             </a:r>
           </a:p>
           <a:p>
             <a:pPr lvl="1"/>
             <a:r>
-              <a:rPr lang="en-US"/>
+              <a:rPr lang="en-US" dirty="0"/>
               <a:t>Java Enterprise Edition</a:t>
             </a:r>
           </a:p>
           <a:p>
             <a:pPr lvl="2"/>
             <a:r>
-              <a:rPr lang="en-US"/>
+              <a:rPr lang="en-US" dirty="0"/>
               <a:t>Java SE + tools and class libraries for building enterprise applications using advanced technologies such as persistence, web services, messaging, etc.</a:t>
             </a:r>
           </a:p>
@@ -8673,28 +8588,260 @@
             <a:pPr lvl="1"/>
             <a:r>
               <a:rPr lang="en-US"/>
-              <a:t>Once a thread is started it continues to execute until </a:t>
+              <a:t>All execution in Java is associated with a </a:t>
+            </a:r>
+            <a:r>
+              <a:rPr lang="en-US" err="1"/>
+              <a:t>java.lang.Thread</a:t>
+            </a:r>
+            <a:r>
+              <a:rPr lang="en-US"/>
+              <a:t> instance</a:t>
             </a:r>
           </a:p>
           <a:p>
             <a:pPr lvl="2"/>
             <a:r>
               <a:rPr lang="en-US"/>
-              <a:t>it explicitly returns from its target’s run() method</a:t>
+              <a:t>its constructor takes any instance that implements Runnable</a:t>
+            </a:r>
+          </a:p>
+          <a:p>
+            <a:pPr lvl="3"/>
+            <a:r>
+              <a:rPr lang="en-US"/>
+              <a:t>implements a run() method that returns void</a:t>
+            </a:r>
+          </a:p>
+          <a:p>
+            <a:pPr lvl="3"/>
+            <a:r>
+              <a:rPr lang="en-US"/>
+              <a:t>a Runnable can serve as the target for a new thread </a:t>
             </a:r>
           </a:p>
           <a:p>
             <a:pPr lvl="2"/>
             <a:r>
               <a:rPr lang="en-US"/>
-              <a:t>it encounters an uncaught runtime exception</a:t>
-            </a:r>
-          </a:p>
-          <a:p>
-            <a:pPr lvl="1"/>
-            <a:r>
-              <a:rPr lang="en-US"/>
-              <a:t>If the run() method never ends, the thread can live on forever</a:t>
+              <a:t>call </a:t>
+            </a:r>
+            <a:r>
+              <a:rPr lang="en-US" err="1"/>
+              <a:t>Thread.start</a:t>
+            </a:r>
+            <a:r>
+              <a:rPr lang="en-US"/>
+              <a:t>() to invoke the </a:t>
+            </a:r>
+            <a:r>
+              <a:rPr lang="en-US" err="1"/>
+              <a:t>Runnable’s</a:t>
+            </a:r>
+            <a:r>
+              <a:rPr lang="en-US"/>
+              <a:t> run() method</a:t>
+            </a:r>
+          </a:p>
+          <a:p>
+            <a:pPr lvl="3"/>
+            <a:r>
+              <a:rPr lang="en-US"/>
+              <a:t>the Thread executes until its target’s run() method completes</a:t>
+            </a:r>
+          </a:p>
+          <a:p>
+            <a:pPr lvl="2"/>
+            <a:endParaRPr lang="en-US"/>
+          </a:p>
+        </p:txBody>
+      </p:sp>
+      <p:sp>
+        <p:nvSpPr>
+          <p:cNvPr id="7" name="TextBox 6"/>
+          <p:cNvSpPr txBox="1"/>
+          <p:nvPr/>
+        </p:nvSpPr>
+        <p:spPr>
+          <a:xfrm>
+            <a:off x="2514600" y="3795073"/>
+            <a:ext cx="3861955" cy="2246769"/>
+          </a:xfrm>
+          <a:prstGeom prst="rect">
+            <a:avLst/>
+          </a:prstGeom>
+          <a:noFill/>
+        </p:spPr>
+        <p:txBody>
+          <a:bodyPr wrap="none" rtlCol="0">
+            <a:spAutoFit/>
+          </a:bodyPr>
+          <a:lstStyle/>
+          <a:p>
+            <a:r>
+              <a:rPr lang="en-US" sz="1400">
+                <a:solidFill>
+                  <a:srgbClr val="C00000"/>
+                </a:solidFill>
+                <a:latin typeface="Consolas" panose="020B0609020204030204" pitchFamily="49" charset="0"/>
+                <a:cs typeface="Consolas" panose="020B0609020204030204" pitchFamily="49" charset="0"/>
+              </a:rPr>
+              <a:t>class Animation implements Runnable {</a:t>
+            </a:r>
+          </a:p>
+          <a:p>
+            <a:r>
+              <a:rPr lang="en-US" sz="1400">
+                <a:solidFill>
+                  <a:srgbClr val="C00000"/>
+                </a:solidFill>
+                <a:latin typeface="Consolas" panose="020B0609020204030204" pitchFamily="49" charset="0"/>
+                <a:cs typeface="Consolas" panose="020B0609020204030204" pitchFamily="49" charset="0"/>
+              </a:rPr>
+              <a:t>  Thread </a:t>
+            </a:r>
+            <a:r>
+              <a:rPr lang="en-US" sz="1400" err="1">
+                <a:solidFill>
+                  <a:srgbClr val="C00000"/>
+                </a:solidFill>
+                <a:latin typeface="Consolas" panose="020B0609020204030204" pitchFamily="49" charset="0"/>
+                <a:cs typeface="Consolas" panose="020B0609020204030204" pitchFamily="49" charset="0"/>
+              </a:rPr>
+              <a:t>thread</a:t>
+            </a:r>
+            <a:r>
+              <a:rPr lang="en-US" sz="1400">
+                <a:solidFill>
+                  <a:srgbClr val="C00000"/>
+                </a:solidFill>
+                <a:latin typeface="Consolas" panose="020B0609020204030204" pitchFamily="49" charset="0"/>
+                <a:cs typeface="Consolas" panose="020B0609020204030204" pitchFamily="49" charset="0"/>
+              </a:rPr>
+              <a:t>;</a:t>
+            </a:r>
+          </a:p>
+          <a:p>
+            <a:r>
+              <a:rPr lang="en-US" sz="1400">
+                <a:solidFill>
+                  <a:srgbClr val="C00000"/>
+                </a:solidFill>
+                <a:latin typeface="Consolas" panose="020B0609020204030204" pitchFamily="49" charset="0"/>
+                <a:cs typeface="Consolas" panose="020B0609020204030204" pitchFamily="49" charset="0"/>
+              </a:rPr>
+              <a:t>  Animation (String name) {</a:t>
+            </a:r>
+          </a:p>
+          <a:p>
+            <a:r>
+              <a:rPr lang="en-US" sz="1400">
+                <a:solidFill>
+                  <a:srgbClr val="C00000"/>
+                </a:solidFill>
+                <a:latin typeface="Consolas" panose="020B0609020204030204" pitchFamily="49" charset="0"/>
+                <a:cs typeface="Consolas" panose="020B0609020204030204" pitchFamily="49" charset="0"/>
+              </a:rPr>
+              <a:t>    thread = new Thread(this);</a:t>
+            </a:r>
+          </a:p>
+          <a:p>
+            <a:r>
+              <a:rPr lang="en-US" sz="1400">
+                <a:solidFill>
+                  <a:srgbClr val="C00000"/>
+                </a:solidFill>
+                <a:latin typeface="Consolas" panose="020B0609020204030204" pitchFamily="49" charset="0"/>
+                <a:cs typeface="Consolas" panose="020B0609020204030204" pitchFamily="49" charset="0"/>
+              </a:rPr>
+              <a:t>    </a:t>
+            </a:r>
+            <a:r>
+              <a:rPr lang="en-US" sz="1400" err="1">
+                <a:solidFill>
+                  <a:srgbClr val="C00000"/>
+                </a:solidFill>
+                <a:latin typeface="Consolas" panose="020B0609020204030204" pitchFamily="49" charset="0"/>
+                <a:cs typeface="Consolas" panose="020B0609020204030204" pitchFamily="49" charset="0"/>
+              </a:rPr>
+              <a:t>thread.start</a:t>
+            </a:r>
+            <a:r>
+              <a:rPr lang="en-US" sz="1400">
+                <a:solidFill>
+                  <a:srgbClr val="C00000"/>
+                </a:solidFill>
+                <a:latin typeface="Consolas" panose="020B0609020204030204" pitchFamily="49" charset="0"/>
+                <a:cs typeface="Consolas" panose="020B0609020204030204" pitchFamily="49" charset="0"/>
+              </a:rPr>
+              <a:t>();</a:t>
+            </a:r>
+          </a:p>
+          <a:p>
+            <a:r>
+              <a:rPr lang="en-US" sz="1400">
+                <a:solidFill>
+                  <a:srgbClr val="C00000"/>
+                </a:solidFill>
+                <a:latin typeface="Consolas" panose="020B0609020204030204" pitchFamily="49" charset="0"/>
+                <a:cs typeface="Consolas" panose="020B0609020204030204" pitchFamily="49" charset="0"/>
+              </a:rPr>
+              <a:t>  }</a:t>
+            </a:r>
+          </a:p>
+          <a:p>
+            <a:r>
+              <a:rPr lang="en-US" sz="1400">
+                <a:solidFill>
+                  <a:srgbClr val="C00000"/>
+                </a:solidFill>
+                <a:latin typeface="Consolas" panose="020B0609020204030204" pitchFamily="49" charset="0"/>
+                <a:cs typeface="Consolas" panose="020B0609020204030204" pitchFamily="49" charset="0"/>
+              </a:rPr>
+              <a:t>  ...</a:t>
+            </a:r>
+          </a:p>
+          <a:p>
+            <a:r>
+              <a:rPr lang="en-US" sz="1400">
+                <a:solidFill>
+                  <a:srgbClr val="C00000"/>
+                </a:solidFill>
+                <a:latin typeface="Consolas" panose="020B0609020204030204" pitchFamily="49" charset="0"/>
+                <a:cs typeface="Consolas" panose="020B0609020204030204" pitchFamily="49" charset="0"/>
+              </a:rPr>
+              <a:t>  public void run() { … }</a:t>
+            </a:r>
+            <a:br>
+              <a:rPr lang="en-US" sz="1400">
+                <a:solidFill>
+                  <a:srgbClr val="C00000"/>
+                </a:solidFill>
+                <a:latin typeface="Consolas" panose="020B0609020204030204" pitchFamily="49" charset="0"/>
+                <a:cs typeface="Consolas" panose="020B0609020204030204" pitchFamily="49" charset="0"/>
+              </a:rPr>
+            </a:br>
+            <a:r>
+              <a:rPr lang="en-US" sz="1400">
+                <a:solidFill>
+                  <a:srgbClr val="C00000"/>
+                </a:solidFill>
+                <a:latin typeface="Consolas" panose="020B0609020204030204" pitchFamily="49" charset="0"/>
+                <a:cs typeface="Consolas" panose="020B0609020204030204" pitchFamily="49" charset="0"/>
+              </a:rPr>
+              <a:t>  }</a:t>
+            </a:r>
+          </a:p>
+          <a:p>
+            <a:r>
+              <a:rPr lang="en-US" sz="1400">
+                <a:solidFill>
+                  <a:srgbClr val="C00000"/>
+                </a:solidFill>
+                <a:latin typeface="Consolas" panose="020B0609020204030204" pitchFamily="49" charset="0"/>
+                <a:cs typeface="Consolas" panose="020B0609020204030204" pitchFamily="49" charset="0"/>
+              </a:rPr>
+              <a:t>}</a:t>
             </a:r>
           </a:p>
         </p:txBody>
@@ -8702,7 +8849,7 @@
     </p:spTree>
     <p:extLst>
       <p:ext uri="{BB962C8B-B14F-4D97-AF65-F5344CB8AC3E}">
-        <p14:creationId xmlns:p14="http://schemas.microsoft.com/office/powerpoint/2010/main" val="726608113"/>
+        <p14:creationId xmlns:p14="http://schemas.microsoft.com/office/powerpoint/2010/main" val="3411515997"/>
       </p:ext>
     </p:extLst>
   </p:cSld>
@@ -8747,7 +8894,7 @@
           <a:p>
             <a:r>
               <a:rPr lang="en-US"/>
-              <a:t>Synchronization</a:t>
+              <a:t>Multithreading and Synchronization</a:t>
             </a:r>
           </a:p>
         </p:txBody>
@@ -8799,83 +8946,36 @@
             <a:pPr lvl="1"/>
             <a:r>
               <a:rPr lang="en-US"/>
-              <a:t>Threads may be time sliced by the OS</a:t>
+              <a:t>Once a thread is started it continues to execute until </a:t>
             </a:r>
           </a:p>
           <a:p>
             <a:pPr lvl="2"/>
             <a:r>
               <a:rPr lang="en-US"/>
-              <a:t>run in bursts as directed by the OS</a:t>
+              <a:t>it explicitly returns from its target’s run() method</a:t>
             </a:r>
           </a:p>
           <a:p>
             <a:pPr lvl="2"/>
             <a:r>
               <a:rPr lang="en-US"/>
-              <a:t>many different threads may run concurrently on different cores</a:t>
-            </a:r>
-          </a:p>
-          <a:p>
-            <a:pPr lvl="2"/>
-            <a:r>
-              <a:rPr lang="en-US"/>
-              <a:t>must work together and not collide when accessing shared variables</a:t>
+              <a:t>it encounters an uncaught runtime exception</a:t>
             </a:r>
           </a:p>
           <a:p>
             <a:pPr lvl="1"/>
             <a:r>
               <a:rPr lang="en-US"/>
-              <a:t>Synchronization is based on a lock taken on an object or method</a:t>
-            </a:r>
-          </a:p>
-          <a:p>
-            <a:pPr lvl="2"/>
-            <a:r>
-              <a:rPr lang="en-US"/>
-              <a:t>the thread takes a lock on the object before using it, and releases it when done</a:t>
-            </a:r>
-          </a:p>
-          <a:p>
-            <a:pPr lvl="2"/>
-            <a:r>
-              <a:rPr lang="en-US"/>
-              <a:t>if another thread has already locked it, it must wait for it to be released</a:t>
-            </a:r>
-          </a:p>
-          <a:p>
-            <a:pPr lvl="2"/>
-            <a:r>
-              <a:rPr lang="en-US"/>
-              <a:t>every class and every instance of a class has its own lock</a:t>
-            </a:r>
-          </a:p>
-          <a:p>
-            <a:pPr lvl="2"/>
-            <a:r>
-              <a:rPr lang="en-US"/>
-              <a:t>Goal: to gate access to shared state</a:t>
-            </a:r>
-          </a:p>
-          <a:p>
-            <a:pPr lvl="2"/>
-            <a:endParaRPr lang="en-US"/>
-          </a:p>
-          <a:p>
-            <a:pPr lvl="2"/>
-            <a:endParaRPr lang="en-US"/>
-          </a:p>
-          <a:p>
-            <a:pPr lvl="1"/>
-            <a:endParaRPr lang="en-US"/>
+              <a:t>If the run() method never ends, the thread can live on forever</a:t>
+            </a:r>
           </a:p>
         </p:txBody>
       </p:sp>
     </p:spTree>
     <p:extLst>
       <p:ext uri="{BB962C8B-B14F-4D97-AF65-F5344CB8AC3E}">
-        <p14:creationId xmlns:p14="http://schemas.microsoft.com/office/powerpoint/2010/main" val="1835602330"/>
+        <p14:creationId xmlns:p14="http://schemas.microsoft.com/office/powerpoint/2010/main" val="726608113"/>
       </p:ext>
     </p:extLst>
   </p:cSld>
@@ -8964,75 +9064,72 @@
             <p:ph sz="quarter" idx="13"/>
           </p:nvPr>
         </p:nvSpPr>
-        <p:spPr>
-          <a:xfrm>
-            <a:off x="457200" y="1322696"/>
-            <a:ext cx="8686800" cy="4925704"/>
-          </a:xfrm>
-        </p:spPr>
+        <p:spPr/>
         <p:txBody>
           <a:bodyPr/>
           <a:lstStyle/>
           <a:p>
             <a:pPr lvl="1"/>
             <a:r>
-              <a:rPr lang="en-US" i="1"/>
-              <a:t>synchronized </a:t>
-            </a:r>
-            <a:r>
-              <a:rPr lang="en-US"/>
-              <a:t>keyword marks places where a thread must acquire a lock</a:t>
+              <a:rPr lang="en-US"/>
+              <a:t>Threads may be time sliced by the OS</a:t>
             </a:r>
           </a:p>
           <a:p>
             <a:pPr lvl="2"/>
             <a:r>
               <a:rPr lang="en-US"/>
-              <a:t>when on an instance method, each thread must acquire a lock on the instance</a:t>
-            </a:r>
-          </a:p>
-          <a:p>
-            <a:pPr lvl="3"/>
-            <a:r>
-              <a:rPr lang="en-US"/>
-              <a:t>allows synchronization of different methods in the same class</a:t>
-            </a:r>
-          </a:p>
-          <a:p>
-            <a:pPr lvl="3"/>
-            <a:r>
-              <a:rPr lang="en-US"/>
-              <a:t>only one method can run at a time</a:t>
+              <a:t>run in bursts as directed by the OS</a:t>
             </a:r>
           </a:p>
           <a:p>
             <a:pPr lvl="2"/>
             <a:r>
               <a:rPr lang="en-US"/>
-              <a:t>when on a static method, each thread must acquire a lock on the class object</a:t>
+              <a:t>many different threads may run concurrently on different cores</a:t>
             </a:r>
           </a:p>
           <a:p>
             <a:pPr lvl="2"/>
             <a:r>
               <a:rPr lang="en-US"/>
-              <a:t>can guard a block of code by specifying the object on which to acquire a lock</a:t>
-            </a:r>
-          </a:p>
-          <a:p>
-            <a:pPr lvl="3"/>
-            <a:r>
-              <a:rPr lang="en-US"/>
-              <a:t>allows synchronization of methods in different classes</a:t>
-            </a:r>
-          </a:p>
-          <a:p>
-            <a:pPr lvl="3"/>
-            <a:endParaRPr lang="en-US"/>
-          </a:p>
-          <a:p>
-            <a:pPr lvl="3"/>
-            <a:endParaRPr lang="en-US"/>
+              <a:t>must work together and not collide when accessing shared variables</a:t>
+            </a:r>
+          </a:p>
+          <a:p>
+            <a:pPr lvl="1"/>
+            <a:r>
+              <a:rPr lang="en-US"/>
+              <a:t>Synchronization is based on a lock taken on an object or method</a:t>
+            </a:r>
+          </a:p>
+          <a:p>
+            <a:pPr lvl="2"/>
+            <a:r>
+              <a:rPr lang="en-US"/>
+              <a:t>the thread takes a lock on the object before using it, and releases it when done</a:t>
+            </a:r>
+          </a:p>
+          <a:p>
+            <a:pPr lvl="2"/>
+            <a:r>
+              <a:rPr lang="en-US"/>
+              <a:t>if another thread has already locked it, it must wait for it to be released</a:t>
+            </a:r>
+          </a:p>
+          <a:p>
+            <a:pPr lvl="2"/>
+            <a:r>
+              <a:rPr lang="en-US"/>
+              <a:t>every class and every instance of a class has its own lock</a:t>
+            </a:r>
+          </a:p>
+          <a:p>
+            <a:pPr lvl="2"/>
+            <a:r>
+              <a:rPr lang="en-US"/>
+              <a:t>Goal: to gate access to shared state</a:t>
+            </a:r>
           </a:p>
           <a:p>
             <a:pPr lvl="2"/>
@@ -9045,272 +9142,13 @@
           <a:p>
             <a:pPr lvl="1"/>
             <a:endParaRPr lang="en-US"/>
-          </a:p>
-        </p:txBody>
-      </p:sp>
-      <p:sp>
-        <p:nvSpPr>
-          <p:cNvPr id="5" name="TextBox 4"/>
-          <p:cNvSpPr txBox="1"/>
-          <p:nvPr/>
-        </p:nvSpPr>
-        <p:spPr>
-          <a:xfrm>
-            <a:off x="685800" y="3962400"/>
-            <a:ext cx="3265638" cy="2462213"/>
-          </a:xfrm>
-          <a:prstGeom prst="rect">
-            <a:avLst/>
-          </a:prstGeom>
-          <a:noFill/>
-        </p:spPr>
-        <p:txBody>
-          <a:bodyPr wrap="none" rtlCol="0">
-            <a:spAutoFit/>
-          </a:bodyPr>
-          <a:lstStyle/>
-          <a:p>
-            <a:r>
-              <a:rPr lang="en-US" sz="1400">
-                <a:solidFill>
-                  <a:srgbClr val="C00000"/>
-                </a:solidFill>
-                <a:latin typeface="Consolas" panose="020B0609020204030204" pitchFamily="49" charset="0"/>
-                <a:cs typeface="Consolas" panose="020B0609020204030204" pitchFamily="49" charset="0"/>
-              </a:rPr>
-              <a:t>public class </a:t>
-            </a:r>
-            <a:r>
-              <a:rPr lang="en-US" sz="1400" err="1">
-                <a:solidFill>
-                  <a:srgbClr val="C00000"/>
-                </a:solidFill>
-                <a:latin typeface="Consolas" panose="020B0609020204030204" pitchFamily="49" charset="0"/>
-                <a:cs typeface="Consolas" panose="020B0609020204030204" pitchFamily="49" charset="0"/>
-              </a:rPr>
-              <a:t>Clz</a:t>
-            </a:r>
-            <a:r>
-              <a:rPr lang="en-US" sz="1400">
-                <a:solidFill>
-                  <a:srgbClr val="C00000"/>
-                </a:solidFill>
-                <a:latin typeface="Consolas" panose="020B0609020204030204" pitchFamily="49" charset="0"/>
-                <a:cs typeface="Consolas" panose="020B0609020204030204" pitchFamily="49" charset="0"/>
-              </a:rPr>
-              <a:t> {</a:t>
-            </a:r>
-          </a:p>
-          <a:p>
-            <a:r>
-              <a:rPr lang="en-US" sz="1400">
-                <a:solidFill>
-                  <a:srgbClr val="C00000"/>
-                </a:solidFill>
-                <a:latin typeface="Consolas" panose="020B0609020204030204" pitchFamily="49" charset="0"/>
-                <a:cs typeface="Consolas" panose="020B0609020204030204" pitchFamily="49" charset="0"/>
-              </a:rPr>
-              <a:t>  synchronized void method() { </a:t>
-            </a:r>
-          </a:p>
-          <a:p>
-            <a:r>
-              <a:rPr lang="en-US" sz="1400">
-                <a:solidFill>
-                  <a:srgbClr val="C00000"/>
-                </a:solidFill>
-                <a:latin typeface="Consolas" panose="020B0609020204030204" pitchFamily="49" charset="0"/>
-                <a:cs typeface="Consolas" panose="020B0609020204030204" pitchFamily="49" charset="0"/>
-              </a:rPr>
-              <a:t>    … </a:t>
-            </a:r>
-          </a:p>
-          <a:p>
-            <a:r>
-              <a:rPr lang="en-US" sz="1400">
-                <a:solidFill>
-                  <a:srgbClr val="C00000"/>
-                </a:solidFill>
-                <a:latin typeface="Consolas" panose="020B0609020204030204" pitchFamily="49" charset="0"/>
-                <a:cs typeface="Consolas" panose="020B0609020204030204" pitchFamily="49" charset="0"/>
-              </a:rPr>
-              <a:t>  }</a:t>
-            </a:r>
-          </a:p>
-          <a:p>
-            <a:r>
-              <a:rPr lang="en-US" sz="1400">
-                <a:solidFill>
-                  <a:srgbClr val="C00000"/>
-                </a:solidFill>
-                <a:latin typeface="Consolas" panose="020B0609020204030204" pitchFamily="49" charset="0"/>
-                <a:cs typeface="Consolas" panose="020B0609020204030204" pitchFamily="49" charset="0"/>
-              </a:rPr>
-              <a:t>}</a:t>
-            </a:r>
-            <a:br>
-              <a:rPr lang="en-US" sz="1400">
-                <a:solidFill>
-                  <a:srgbClr val="C00000"/>
-                </a:solidFill>
-                <a:latin typeface="Consolas" panose="020B0609020204030204" pitchFamily="49" charset="0"/>
-                <a:cs typeface="Consolas" panose="020B0609020204030204" pitchFamily="49" charset="0"/>
-              </a:rPr>
-            </a:br>
-            <a:endParaRPr lang="en-US" sz="1400">
-              <a:solidFill>
-                <a:srgbClr val="C00000"/>
-              </a:solidFill>
-              <a:latin typeface="Consolas" panose="020B0609020204030204" pitchFamily="49" charset="0"/>
-              <a:cs typeface="Consolas" panose="020B0609020204030204" pitchFamily="49" charset="0"/>
-            </a:endParaRPr>
-          </a:p>
-          <a:p>
-            <a:r>
-              <a:rPr lang="en-US" sz="1400">
-                <a:latin typeface="Consolas" panose="020B0609020204030204" pitchFamily="49" charset="0"/>
-                <a:cs typeface="Consolas" panose="020B0609020204030204" pitchFamily="49" charset="0"/>
-              </a:rPr>
-              <a:t>is equivalent to:</a:t>
-            </a:r>
-          </a:p>
-          <a:p>
-            <a:endParaRPr lang="en-US" sz="1400">
-              <a:solidFill>
-                <a:srgbClr val="C00000"/>
-              </a:solidFill>
-              <a:latin typeface="Consolas" panose="020B0609020204030204" pitchFamily="49" charset="0"/>
-              <a:cs typeface="Consolas" panose="020B0609020204030204" pitchFamily="49" charset="0"/>
-            </a:endParaRPr>
-          </a:p>
-          <a:p>
-            <a:r>
-              <a:rPr lang="en-US" sz="1400">
-                <a:solidFill>
-                  <a:srgbClr val="C00000"/>
-                </a:solidFill>
-                <a:latin typeface="Consolas" panose="020B0609020204030204" pitchFamily="49" charset="0"/>
-                <a:cs typeface="Consolas" panose="020B0609020204030204" pitchFamily="49" charset="0"/>
-              </a:rPr>
-              <a:t>void method() {</a:t>
-            </a:r>
-          </a:p>
-          <a:p>
-            <a:r>
-              <a:rPr lang="en-US" sz="1400">
-                <a:solidFill>
-                  <a:srgbClr val="C00000"/>
-                </a:solidFill>
-                <a:latin typeface="Consolas" panose="020B0609020204030204" pitchFamily="49" charset="0"/>
-                <a:cs typeface="Consolas" panose="020B0609020204030204" pitchFamily="49" charset="0"/>
-              </a:rPr>
-              <a:t>  synchronized(this) { … }</a:t>
-            </a:r>
-            <a:br>
-              <a:rPr lang="en-US" sz="1400">
-                <a:solidFill>
-                  <a:srgbClr val="C00000"/>
-                </a:solidFill>
-                <a:latin typeface="Consolas" panose="020B0609020204030204" pitchFamily="49" charset="0"/>
-                <a:cs typeface="Consolas" panose="020B0609020204030204" pitchFamily="49" charset="0"/>
-              </a:rPr>
-            </a:br>
-            <a:r>
-              <a:rPr lang="en-US" sz="1400">
-                <a:solidFill>
-                  <a:srgbClr val="C00000"/>
-                </a:solidFill>
-                <a:latin typeface="Consolas" panose="020B0609020204030204" pitchFamily="49" charset="0"/>
-                <a:cs typeface="Consolas" panose="020B0609020204030204" pitchFamily="49" charset="0"/>
-              </a:rPr>
-              <a:t>}</a:t>
-            </a:r>
-          </a:p>
-        </p:txBody>
-      </p:sp>
-      <p:sp>
-        <p:nvSpPr>
-          <p:cNvPr id="7" name="TextBox 6"/>
-          <p:cNvSpPr txBox="1"/>
-          <p:nvPr/>
-        </p:nvSpPr>
-        <p:spPr>
-          <a:xfrm>
-            <a:off x="5791200" y="4114800"/>
-            <a:ext cx="2669320" cy="738664"/>
-          </a:xfrm>
-          <a:prstGeom prst="rect">
-            <a:avLst/>
-          </a:prstGeom>
-          <a:noFill/>
-        </p:spPr>
-        <p:txBody>
-          <a:bodyPr wrap="none" rtlCol="0">
-            <a:spAutoFit/>
-          </a:bodyPr>
-          <a:lstStyle/>
-          <a:p>
-            <a:r>
-              <a:rPr lang="en-US" sz="1400">
-                <a:solidFill>
-                  <a:srgbClr val="C00000"/>
-                </a:solidFill>
-                <a:latin typeface="Consolas" panose="020B0609020204030204" pitchFamily="49" charset="0"/>
-                <a:cs typeface="Consolas" panose="020B0609020204030204" pitchFamily="49" charset="0"/>
-              </a:rPr>
-              <a:t>synchronized(</a:t>
-            </a:r>
-            <a:r>
-              <a:rPr lang="en-US" sz="1400" err="1">
-                <a:solidFill>
-                  <a:srgbClr val="C00000"/>
-                </a:solidFill>
-                <a:latin typeface="Consolas" panose="020B0609020204030204" pitchFamily="49" charset="0"/>
-                <a:cs typeface="Consolas" panose="020B0609020204030204" pitchFamily="49" charset="0"/>
-              </a:rPr>
-              <a:t>anObject</a:t>
-            </a:r>
-            <a:r>
-              <a:rPr lang="en-US" sz="1400">
-                <a:solidFill>
-                  <a:srgbClr val="C00000"/>
-                </a:solidFill>
-                <a:latin typeface="Consolas" panose="020B0609020204030204" pitchFamily="49" charset="0"/>
-                <a:cs typeface="Consolas" panose="020B0609020204030204" pitchFamily="49" charset="0"/>
-              </a:rPr>
-              <a:t>) { </a:t>
-            </a:r>
-          </a:p>
-          <a:p>
-            <a:r>
-              <a:rPr lang="en-US" sz="1400">
-                <a:solidFill>
-                  <a:srgbClr val="C00000"/>
-                </a:solidFill>
-                <a:latin typeface="Consolas" panose="020B0609020204030204" pitchFamily="49" charset="0"/>
-                <a:cs typeface="Consolas" panose="020B0609020204030204" pitchFamily="49" charset="0"/>
-              </a:rPr>
-              <a:t>   … </a:t>
-            </a:r>
-          </a:p>
-          <a:p>
-            <a:r>
-              <a:rPr lang="en-US" sz="1400">
-                <a:solidFill>
-                  <a:srgbClr val="C00000"/>
-                </a:solidFill>
-                <a:latin typeface="Consolas" panose="020B0609020204030204" pitchFamily="49" charset="0"/>
-                <a:cs typeface="Consolas" panose="020B0609020204030204" pitchFamily="49" charset="0"/>
-              </a:rPr>
-              <a:t>}</a:t>
-            </a:r>
           </a:p>
         </p:txBody>
       </p:sp>
     </p:spTree>
     <p:extLst>
       <p:ext uri="{BB962C8B-B14F-4D97-AF65-F5344CB8AC3E}">
-        <p14:creationId xmlns:p14="http://schemas.microsoft.com/office/powerpoint/2010/main" val="110739689"/>
+        <p14:creationId xmlns:p14="http://schemas.microsoft.com/office/powerpoint/2010/main" val="1835602330"/>
       </p:ext>
     </p:extLst>
   </p:cSld>
@@ -9355,7 +9193,7 @@
           <a:p>
             <a:r>
               <a:rPr lang="en-US"/>
-              <a:t>Methods used to control Threads</a:t>
+              <a:t>Synchronization</a:t>
             </a:r>
           </a:p>
         </p:txBody>
@@ -9411,80 +9249,333 @@
           <a:p>
             <a:pPr lvl="1"/>
             <a:r>
-              <a:rPr lang="en-US" err="1"/>
-              <a:t>java.lang.Thread</a:t>
-            </a:r>
-            <a:r>
-              <a:rPr lang="en-US"/>
-              <a:t> </a:t>
+              <a:rPr lang="en-US" i="1"/>
+              <a:t>synchronized </a:t>
+            </a:r>
+            <a:r>
+              <a:rPr lang="en-US"/>
+              <a:t>keyword marks places where a thread must acquire a lock</a:t>
             </a:r>
           </a:p>
           <a:p>
             <a:pPr lvl="2"/>
             <a:r>
               <a:rPr lang="en-US"/>
-              <a:t>start(): used to begin execution of a new thread by calling its run() method</a:t>
+              <a:t>when on an instance method, each thread must acquire a lock on the instance</a:t>
+            </a:r>
+          </a:p>
+          <a:p>
+            <a:pPr lvl="3"/>
+            <a:r>
+              <a:rPr lang="en-US"/>
+              <a:t>allows synchronization of different methods in the same class</a:t>
+            </a:r>
+          </a:p>
+          <a:p>
+            <a:pPr lvl="3"/>
+            <a:r>
+              <a:rPr lang="en-US"/>
+              <a:t>only one method can run at a time</a:t>
             </a:r>
           </a:p>
           <a:p>
             <a:pPr lvl="2"/>
             <a:r>
-              <a:rPr lang="en-US" err="1"/>
-              <a:t>Thread.sleep</a:t>
-            </a:r>
-            <a:r>
-              <a:rPr lang="en-US"/>
-              <a:t>(): causes current thread to sleep without consuming CPU time</a:t>
+              <a:rPr lang="en-US"/>
+              <a:t>when on a static method, each thread must acquire a lock on the class object</a:t>
+            </a:r>
+          </a:p>
+          <a:p>
+            <a:pPr lvl="2"/>
+            <a:r>
+              <a:rPr lang="en-US"/>
+              <a:t>can guard a block of code by specifying the object on which to acquire a lock</a:t>
             </a:r>
           </a:p>
           <a:p>
             <a:pPr lvl="3"/>
             <a:r>
               <a:rPr lang="en-US"/>
-              <a:t>sleeps for specified milliseconds</a:t>
-            </a:r>
+              <a:t>allows synchronization of methods in different classes</a:t>
+            </a:r>
+          </a:p>
+          <a:p>
+            <a:pPr lvl="3"/>
+            <a:endParaRPr lang="en-US"/>
+          </a:p>
+          <a:p>
+            <a:pPr lvl="3"/>
+            <a:endParaRPr lang="en-US"/>
           </a:p>
           <a:p>
             <a:pPr lvl="2"/>
-            <a:r>
-              <a:rPr lang="en-US"/>
-              <a:t>interrupt(): wake up a thread in a sleep() or wait() or blocked in a I/O operation</a:t>
-            </a:r>
-          </a:p>
-          <a:p>
-            <a:pPr lvl="3"/>
-            <a:r>
-              <a:rPr lang="en-US"/>
-              <a:t>any thread not in hard loop enters one of these states</a:t>
-            </a:r>
-          </a:p>
-          <a:p>
-            <a:pPr lvl="3"/>
-            <a:r>
-              <a:rPr lang="en-US"/>
-              <a:t>this method lets us flag a thread to stop</a:t>
-            </a:r>
-          </a:p>
-          <a:p>
-            <a:pPr lvl="3"/>
-            <a:r>
-              <a:rPr lang="en-US"/>
-              <a:t>the thread can test for this flag with </a:t>
-            </a:r>
-            <a:r>
-              <a:rPr lang="en-US" err="1"/>
-              <a:t>isInterrupted</a:t>
-            </a:r>
-            <a:r>
-              <a:rPr lang="en-US"/>
-              <a:t>()</a:t>
-            </a:r>
+            <a:endParaRPr lang="en-US"/>
           </a:p>
           <a:p>
             <a:pPr lvl="2"/>
-            <a:r>
-              <a:rPr lang="en-US"/>
-              <a:t>join() – caller blocks until the target thread completes. </a:t>
+            <a:endParaRPr lang="en-US"/>
+          </a:p>
+          <a:p>
+            <a:pPr lvl="1"/>
+            <a:endParaRPr lang="en-US"/>
+          </a:p>
+        </p:txBody>
+      </p:sp>
+      <p:sp>
+        <p:nvSpPr>
+          <p:cNvPr id="5" name="TextBox 4"/>
+          <p:cNvSpPr txBox="1"/>
+          <p:nvPr/>
+        </p:nvSpPr>
+        <p:spPr>
+          <a:xfrm>
+            <a:off x="685800" y="3962400"/>
+            <a:ext cx="3265638" cy="2462213"/>
+          </a:xfrm>
+          <a:prstGeom prst="rect">
+            <a:avLst/>
+          </a:prstGeom>
+          <a:noFill/>
+        </p:spPr>
+        <p:txBody>
+          <a:bodyPr wrap="none" rtlCol="0">
+            <a:spAutoFit/>
+          </a:bodyPr>
+          <a:lstStyle/>
+          <a:p>
+            <a:r>
+              <a:rPr lang="en-US" sz="1400">
+                <a:solidFill>
+                  <a:srgbClr val="C00000"/>
+                </a:solidFill>
+                <a:latin typeface="Consolas" panose="020B0609020204030204" pitchFamily="49" charset="0"/>
+                <a:cs typeface="Consolas" panose="020B0609020204030204" pitchFamily="49" charset="0"/>
+              </a:rPr>
+              <a:t>public class </a:t>
+            </a:r>
+            <a:r>
+              <a:rPr lang="en-US" sz="1400" err="1">
+                <a:solidFill>
+                  <a:srgbClr val="C00000"/>
+                </a:solidFill>
+                <a:latin typeface="Consolas" panose="020B0609020204030204" pitchFamily="49" charset="0"/>
+                <a:cs typeface="Consolas" panose="020B0609020204030204" pitchFamily="49" charset="0"/>
+              </a:rPr>
+              <a:t>Clz</a:t>
+            </a:r>
+            <a:r>
+              <a:rPr lang="en-US" sz="1400">
+                <a:solidFill>
+                  <a:srgbClr val="C00000"/>
+                </a:solidFill>
+                <a:latin typeface="Consolas" panose="020B0609020204030204" pitchFamily="49" charset="0"/>
+                <a:cs typeface="Consolas" panose="020B0609020204030204" pitchFamily="49" charset="0"/>
+              </a:rPr>
+              <a:t> {</a:t>
+            </a:r>
+          </a:p>
+          <a:p>
+            <a:r>
+              <a:rPr lang="en-US" sz="1400">
+                <a:solidFill>
+                  <a:srgbClr val="C00000"/>
+                </a:solidFill>
+                <a:latin typeface="Consolas" panose="020B0609020204030204" pitchFamily="49" charset="0"/>
+                <a:cs typeface="Consolas" panose="020B0609020204030204" pitchFamily="49" charset="0"/>
+              </a:rPr>
+              <a:t>  synchronized void method() { </a:t>
+            </a:r>
+          </a:p>
+          <a:p>
+            <a:r>
+              <a:rPr lang="en-US" sz="1400">
+                <a:solidFill>
+                  <a:srgbClr val="C00000"/>
+                </a:solidFill>
+                <a:latin typeface="Consolas" panose="020B0609020204030204" pitchFamily="49" charset="0"/>
+                <a:cs typeface="Consolas" panose="020B0609020204030204" pitchFamily="49" charset="0"/>
+              </a:rPr>
+              <a:t>    … </a:t>
+            </a:r>
+          </a:p>
+          <a:p>
+            <a:r>
+              <a:rPr lang="en-US" sz="1400">
+                <a:solidFill>
+                  <a:srgbClr val="C00000"/>
+                </a:solidFill>
+                <a:latin typeface="Consolas" panose="020B0609020204030204" pitchFamily="49" charset="0"/>
+                <a:cs typeface="Consolas" panose="020B0609020204030204" pitchFamily="49" charset="0"/>
+              </a:rPr>
+              <a:t>  }</a:t>
+            </a:r>
+          </a:p>
+          <a:p>
+            <a:r>
+              <a:rPr lang="en-US" sz="1400">
+                <a:solidFill>
+                  <a:srgbClr val="C00000"/>
+                </a:solidFill>
+                <a:latin typeface="Consolas" panose="020B0609020204030204" pitchFamily="49" charset="0"/>
+                <a:cs typeface="Consolas" panose="020B0609020204030204" pitchFamily="49" charset="0"/>
+              </a:rPr>
+              <a:t>}</a:t>
+            </a:r>
+            <a:br>
+              <a:rPr lang="en-US" sz="1400">
+                <a:solidFill>
+                  <a:srgbClr val="C00000"/>
+                </a:solidFill>
+                <a:latin typeface="Consolas" panose="020B0609020204030204" pitchFamily="49" charset="0"/>
+                <a:cs typeface="Consolas" panose="020B0609020204030204" pitchFamily="49" charset="0"/>
+              </a:rPr>
+            </a:br>
+            <a:endParaRPr lang="en-US" sz="1400">
+              <a:solidFill>
+                <a:srgbClr val="C00000"/>
+              </a:solidFill>
+              <a:latin typeface="Consolas" panose="020B0609020204030204" pitchFamily="49" charset="0"/>
+              <a:cs typeface="Consolas" panose="020B0609020204030204" pitchFamily="49" charset="0"/>
+            </a:endParaRPr>
+          </a:p>
+          <a:p>
+            <a:r>
+              <a:rPr lang="en-US" sz="1400">
+                <a:latin typeface="Consolas" panose="020B0609020204030204" pitchFamily="49" charset="0"/>
+                <a:cs typeface="Consolas" panose="020B0609020204030204" pitchFamily="49" charset="0"/>
+              </a:rPr>
+              <a:t>is equivalent to:</a:t>
+            </a:r>
+          </a:p>
+          <a:p>
+            <a:endParaRPr lang="en-US" sz="1400">
+              <a:solidFill>
+                <a:srgbClr val="C00000"/>
+              </a:solidFill>
+              <a:latin typeface="Consolas" panose="020B0609020204030204" pitchFamily="49" charset="0"/>
+              <a:cs typeface="Consolas" panose="020B0609020204030204" pitchFamily="49" charset="0"/>
+            </a:endParaRPr>
+          </a:p>
+          <a:p>
+            <a:r>
+              <a:rPr lang="en-US" sz="1400">
+                <a:solidFill>
+                  <a:srgbClr val="C00000"/>
+                </a:solidFill>
+                <a:latin typeface="Consolas" panose="020B0609020204030204" pitchFamily="49" charset="0"/>
+                <a:cs typeface="Consolas" panose="020B0609020204030204" pitchFamily="49" charset="0"/>
+              </a:rPr>
+              <a:t>void method() {</a:t>
+            </a:r>
+          </a:p>
+          <a:p>
+            <a:r>
+              <a:rPr lang="en-US" sz="1400">
+                <a:solidFill>
+                  <a:srgbClr val="C00000"/>
+                </a:solidFill>
+                <a:latin typeface="Consolas" panose="020B0609020204030204" pitchFamily="49" charset="0"/>
+                <a:cs typeface="Consolas" panose="020B0609020204030204" pitchFamily="49" charset="0"/>
+              </a:rPr>
+              <a:t>  synchronized(this) { … }</a:t>
+            </a:r>
+            <a:br>
+              <a:rPr lang="en-US" sz="1400">
+                <a:solidFill>
+                  <a:srgbClr val="C00000"/>
+                </a:solidFill>
+                <a:latin typeface="Consolas" panose="020B0609020204030204" pitchFamily="49" charset="0"/>
+                <a:cs typeface="Consolas" panose="020B0609020204030204" pitchFamily="49" charset="0"/>
+              </a:rPr>
+            </a:br>
+            <a:r>
+              <a:rPr lang="en-US" sz="1400">
+                <a:solidFill>
+                  <a:srgbClr val="C00000"/>
+                </a:solidFill>
+                <a:latin typeface="Consolas" panose="020B0609020204030204" pitchFamily="49" charset="0"/>
+                <a:cs typeface="Consolas" panose="020B0609020204030204" pitchFamily="49" charset="0"/>
+              </a:rPr>
+              <a:t>}</a:t>
+            </a:r>
+          </a:p>
+        </p:txBody>
+      </p:sp>
+      <p:sp>
+        <p:nvSpPr>
+          <p:cNvPr id="7" name="TextBox 6"/>
+          <p:cNvSpPr txBox="1"/>
+          <p:nvPr/>
+        </p:nvSpPr>
+        <p:spPr>
+          <a:xfrm>
+            <a:off x="5791200" y="4114800"/>
+            <a:ext cx="2669320" cy="738664"/>
+          </a:xfrm>
+          <a:prstGeom prst="rect">
+            <a:avLst/>
+          </a:prstGeom>
+          <a:noFill/>
+        </p:spPr>
+        <p:txBody>
+          <a:bodyPr wrap="none" rtlCol="0">
+            <a:spAutoFit/>
+          </a:bodyPr>
+          <a:lstStyle/>
+          <a:p>
+            <a:r>
+              <a:rPr lang="en-US" sz="1400">
+                <a:solidFill>
+                  <a:srgbClr val="C00000"/>
+                </a:solidFill>
+                <a:latin typeface="Consolas" panose="020B0609020204030204" pitchFamily="49" charset="0"/>
+                <a:cs typeface="Consolas" panose="020B0609020204030204" pitchFamily="49" charset="0"/>
+              </a:rPr>
+              <a:t>synchronized(</a:t>
+            </a:r>
+            <a:r>
+              <a:rPr lang="en-US" sz="1400" err="1">
+                <a:solidFill>
+                  <a:srgbClr val="C00000"/>
+                </a:solidFill>
+                <a:latin typeface="Consolas" panose="020B0609020204030204" pitchFamily="49" charset="0"/>
+                <a:cs typeface="Consolas" panose="020B0609020204030204" pitchFamily="49" charset="0"/>
+              </a:rPr>
+              <a:t>anObject</a:t>
+            </a:r>
+            <a:r>
+              <a:rPr lang="en-US" sz="1400">
+                <a:solidFill>
+                  <a:srgbClr val="C00000"/>
+                </a:solidFill>
+                <a:latin typeface="Consolas" panose="020B0609020204030204" pitchFamily="49" charset="0"/>
+                <a:cs typeface="Consolas" panose="020B0609020204030204" pitchFamily="49" charset="0"/>
+              </a:rPr>
+              <a:t>) { </a:t>
+            </a:r>
+          </a:p>
+          <a:p>
+            <a:r>
+              <a:rPr lang="en-US" sz="1400">
+                <a:solidFill>
+                  <a:srgbClr val="C00000"/>
+                </a:solidFill>
+                <a:latin typeface="Consolas" panose="020B0609020204030204" pitchFamily="49" charset="0"/>
+                <a:cs typeface="Consolas" panose="020B0609020204030204" pitchFamily="49" charset="0"/>
+              </a:rPr>
+              <a:t>   … </a:t>
+            </a:r>
+          </a:p>
+          <a:p>
+            <a:r>
+              <a:rPr lang="en-US" sz="1400">
+                <a:solidFill>
+                  <a:srgbClr val="C00000"/>
+                </a:solidFill>
+                <a:latin typeface="Consolas" panose="020B0609020204030204" pitchFamily="49" charset="0"/>
+                <a:cs typeface="Consolas" panose="020B0609020204030204" pitchFamily="49" charset="0"/>
+              </a:rPr>
+              <a:t>}</a:t>
             </a:r>
           </a:p>
         </p:txBody>
@@ -9492,7 +9583,7 @@
     </p:spTree>
     <p:extLst>
       <p:ext uri="{BB962C8B-B14F-4D97-AF65-F5344CB8AC3E}">
-        <p14:creationId xmlns:p14="http://schemas.microsoft.com/office/powerpoint/2010/main" val="3346651843"/>
+        <p14:creationId xmlns:p14="http://schemas.microsoft.com/office/powerpoint/2010/main" val="110739689"/>
       </p:ext>
     </p:extLst>
   </p:cSld>
@@ -9594,92 +9685,68 @@
             <a:pPr lvl="1"/>
             <a:r>
               <a:rPr lang="en-US" err="1"/>
-              <a:t>java.lang.Object</a:t>
-            </a:r>
-            <a:endParaRPr lang="en-US"/>
+              <a:t>java.lang.Thread</a:t>
+            </a:r>
+            <a:r>
+              <a:rPr lang="en-US"/>
+              <a:t> </a:t>
+            </a:r>
           </a:p>
           <a:p>
             <a:pPr lvl="2"/>
             <a:r>
               <a:rPr lang="en-US"/>
-              <a:t>methods used to coordinate the execution of threads</a:t>
+              <a:t>start(): used to begin execution of a new thread by calling its run() method</a:t>
+            </a:r>
+          </a:p>
+          <a:p>
+            <a:pPr lvl="2"/>
+            <a:r>
+              <a:rPr lang="en-US" err="1"/>
+              <a:t>Thread.sleep</a:t>
+            </a:r>
+            <a:r>
+              <a:rPr lang="en-US"/>
+              <a:t>(): causes current thread to sleep without consuming CPU time</a:t>
             </a:r>
           </a:p>
           <a:p>
             <a:pPr lvl="3"/>
             <a:r>
               <a:rPr lang="en-US"/>
-              <a:t>wait()</a:t>
-            </a:r>
-          </a:p>
-          <a:p>
-            <a:pPr lvl="4"/>
-            <a:r>
-              <a:rPr lang="en-US"/>
-              <a:t>called from within a synchronized block</a:t>
-            </a:r>
-          </a:p>
-          <a:p>
-            <a:pPr lvl="4"/>
-            <a:r>
-              <a:rPr lang="en-US"/>
-              <a:t>thread gives up its hold on the lock and goes to sleep </a:t>
-            </a:r>
-          </a:p>
-          <a:p>
-            <a:pPr lvl="4"/>
-            <a:r>
-              <a:rPr lang="en-US"/>
-              <a:t>used if it is waiting for something to happen in another part of the application</a:t>
-            </a:r>
-          </a:p>
-          <a:p>
-            <a:pPr lvl="4"/>
-            <a:r>
-              <a:rPr lang="en-US"/>
-              <a:t>later when the event happens, the running thread calls notify() from a block synchronized on the same object</a:t>
-            </a:r>
-          </a:p>
-          <a:p>
-            <a:pPr lvl="4"/>
-            <a:r>
-              <a:rPr lang="en-US"/>
-              <a:t>Wakes up the sleeping thread which tries to acquire the lock, and if successful, continues</a:t>
-            </a:r>
-          </a:p>
-          <a:p>
-            <a:pPr lvl="4"/>
-            <a:r>
-              <a:rPr lang="en-US"/>
-              <a:t>woken thread has to compete with all other ready threads for the lock</a:t>
-            </a:r>
-          </a:p>
-          <a:p>
-            <a:pPr lvl="4"/>
-            <a:r>
-              <a:rPr lang="en-US"/>
-              <a:t>use a loop on the wait condition to ensure that the thread has been awakened for the right reason</a:t>
+              <a:t>sleeps for specified milliseconds</a:t>
+            </a:r>
+          </a:p>
+          <a:p>
+            <a:pPr lvl="2"/>
+            <a:r>
+              <a:rPr lang="en-US"/>
+              <a:t>interrupt(): wake up a thread in a sleep() or wait() or blocked in a I/O operation</a:t>
             </a:r>
           </a:p>
           <a:p>
             <a:pPr lvl="3"/>
             <a:r>
               <a:rPr lang="en-US"/>
-              <a:t>notify()</a:t>
-            </a:r>
-          </a:p>
-          <a:p>
-            <a:pPr lvl="4"/>
-            <a:r>
-              <a:rPr lang="en-US"/>
-              <a:t>used to notify one thread waiting on that object, at random, about an event that has occurred </a:t>
+              <a:t>any thread not in hard loop enters one of these states</a:t>
             </a:r>
           </a:p>
           <a:p>
             <a:pPr lvl="3"/>
             <a:r>
+              <a:rPr lang="en-US"/>
+              <a:t>this method lets us flag a thread to stop</a:t>
+            </a:r>
+          </a:p>
+          <a:p>
+            <a:pPr lvl="3"/>
+            <a:r>
+              <a:rPr lang="en-US"/>
+              <a:t>the thread can test for this flag with </a:t>
+            </a:r>
+            <a:r>
               <a:rPr lang="en-US" err="1"/>
-              <a:t>notifyAll</a:t>
+              <a:t>isInterrupted</a:t>
             </a:r>
             <a:r>
               <a:rPr lang="en-US"/>
@@ -9687,65 +9754,10 @@
             </a:r>
           </a:p>
           <a:p>
-            <a:pPr lvl="4"/>
-            <a:r>
-              <a:rPr lang="en-US"/>
-              <a:t>wakes up all threads waiting for a lock on that object</a:t>
-            </a:r>
-          </a:p>
-          <a:p>
-            <a:pPr lvl="4"/>
-            <a:endParaRPr lang="en-US"/>
-          </a:p>
-          <a:p>
-            <a:pPr lvl="1"/>
-            <a:endParaRPr lang="en-US"/>
-          </a:p>
-        </p:txBody>
-      </p:sp>
-      <p:sp>
-        <p:nvSpPr>
-          <p:cNvPr id="5" name="TextBox 4"/>
-          <p:cNvSpPr txBox="1"/>
-          <p:nvPr/>
-        </p:nvSpPr>
-        <p:spPr>
-          <a:xfrm>
-            <a:off x="6050817" y="5619582"/>
-            <a:ext cx="2768707" cy="523220"/>
-          </a:xfrm>
-          <a:prstGeom prst="rect">
-            <a:avLst/>
-          </a:prstGeom>
-          <a:noFill/>
-        </p:spPr>
-        <p:txBody>
-          <a:bodyPr wrap="none" rtlCol="0">
-            <a:spAutoFit/>
-          </a:bodyPr>
-          <a:lstStyle/>
-          <a:p>
-            <a:r>
-              <a:rPr lang="en-US" sz="1400">
-                <a:solidFill>
-                  <a:srgbClr val="C00000"/>
-                </a:solidFill>
-                <a:latin typeface="Consolas" panose="020B0609020204030204" pitchFamily="49" charset="0"/>
-                <a:cs typeface="Consolas" panose="020B0609020204030204" pitchFamily="49" charset="0"/>
-              </a:rPr>
-              <a:t>while(condition != true) </a:t>
-            </a:r>
-          </a:p>
-          <a:p>
-            <a:r>
-              <a:rPr lang="en-US" sz="1400">
-                <a:solidFill>
-                  <a:srgbClr val="C00000"/>
-                </a:solidFill>
-                <a:latin typeface="Consolas" panose="020B0609020204030204" pitchFamily="49" charset="0"/>
-                <a:cs typeface="Consolas" panose="020B0609020204030204" pitchFamily="49" charset="0"/>
-              </a:rPr>
-              <a:t>  wait();</a:t>
+            <a:pPr lvl="2"/>
+            <a:r>
+              <a:rPr lang="en-US"/>
+              <a:t>join() – caller blocks until the target thread completes. </a:t>
             </a:r>
           </a:p>
         </p:txBody>
@@ -9753,7 +9765,7 @@
     </p:spTree>
     <p:extLst>
       <p:ext uri="{BB962C8B-B14F-4D97-AF65-F5344CB8AC3E}">
-        <p14:creationId xmlns:p14="http://schemas.microsoft.com/office/powerpoint/2010/main" val="2807278306"/>
+        <p14:creationId xmlns:p14="http://schemas.microsoft.com/office/powerpoint/2010/main" val="3346651843"/>
       </p:ext>
     </p:extLst>
   </p:cSld>
@@ -9796,7 +9808,10 @@
           <a:bodyPr/>
           <a:lstStyle/>
           <a:p>
-            <a:endParaRPr lang="en-US"/>
+            <a:r>
+              <a:rPr lang="en-US"/>
+              <a:t>Methods used to control Threads</a:t>
+            </a:r>
           </a:p>
         </p:txBody>
       </p:sp>
@@ -9831,1214 +9846,187 @@
       </p:sp>
       <p:sp>
         <p:nvSpPr>
+          <p:cNvPr id="4" name="Content Placeholder 3"/>
+          <p:cNvSpPr>
+            <a:spLocks noGrp="1"/>
+          </p:cNvSpPr>
+          <p:nvPr>
+            <p:ph sz="quarter" idx="13"/>
+          </p:nvPr>
+        </p:nvSpPr>
+        <p:spPr>
+          <a:xfrm>
+            <a:off x="457200" y="1322696"/>
+            <a:ext cx="8686800" cy="4925704"/>
+          </a:xfrm>
+        </p:spPr>
+        <p:txBody>
+          <a:bodyPr/>
+          <a:lstStyle/>
+          <a:p>
+            <a:pPr lvl="1"/>
+            <a:r>
+              <a:rPr lang="en-US" err="1"/>
+              <a:t>java.lang.Object</a:t>
+            </a:r>
+            <a:endParaRPr lang="en-US"/>
+          </a:p>
+          <a:p>
+            <a:pPr lvl="2"/>
+            <a:r>
+              <a:rPr lang="en-US"/>
+              <a:t>methods used to coordinate the execution of threads</a:t>
+            </a:r>
+          </a:p>
+          <a:p>
+            <a:pPr lvl="3"/>
+            <a:r>
+              <a:rPr lang="en-US"/>
+              <a:t>wait()</a:t>
+            </a:r>
+          </a:p>
+          <a:p>
+            <a:pPr lvl="4"/>
+            <a:r>
+              <a:rPr lang="en-US"/>
+              <a:t>called from within a synchronized block</a:t>
+            </a:r>
+          </a:p>
+          <a:p>
+            <a:pPr lvl="4"/>
+            <a:r>
+              <a:rPr lang="en-US"/>
+              <a:t>thread gives up its hold on the lock and goes to sleep </a:t>
+            </a:r>
+          </a:p>
+          <a:p>
+            <a:pPr lvl="4"/>
+            <a:r>
+              <a:rPr lang="en-US"/>
+              <a:t>used if it is waiting for something to happen in another part of the application</a:t>
+            </a:r>
+          </a:p>
+          <a:p>
+            <a:pPr lvl="4"/>
+            <a:r>
+              <a:rPr lang="en-US"/>
+              <a:t>later when the event happens, the running thread calls notify() from a block synchronized on the same object</a:t>
+            </a:r>
+          </a:p>
+          <a:p>
+            <a:pPr lvl="4"/>
+            <a:r>
+              <a:rPr lang="en-US"/>
+              <a:t>Wakes up the sleeping thread which tries to acquire the lock, and if successful, continues</a:t>
+            </a:r>
+          </a:p>
+          <a:p>
+            <a:pPr lvl="4"/>
+            <a:r>
+              <a:rPr lang="en-US"/>
+              <a:t>woken thread has to compete with all other ready threads for the lock</a:t>
+            </a:r>
+          </a:p>
+          <a:p>
+            <a:pPr lvl="4"/>
+            <a:r>
+              <a:rPr lang="en-US"/>
+              <a:t>use a loop on the wait condition to ensure that the thread has been awakened for the right reason</a:t>
+            </a:r>
+          </a:p>
+          <a:p>
+            <a:pPr lvl="3"/>
+            <a:r>
+              <a:rPr lang="en-US"/>
+              <a:t>notify()</a:t>
+            </a:r>
+          </a:p>
+          <a:p>
+            <a:pPr lvl="4"/>
+            <a:r>
+              <a:rPr lang="en-US"/>
+              <a:t>used to notify one thread waiting on that object, at random, about an event that has occurred </a:t>
+            </a:r>
+          </a:p>
+          <a:p>
+            <a:pPr lvl="3"/>
+            <a:r>
+              <a:rPr lang="en-US" err="1"/>
+              <a:t>notifyAll</a:t>
+            </a:r>
+            <a:r>
+              <a:rPr lang="en-US"/>
+              <a:t>()</a:t>
+            </a:r>
+          </a:p>
+          <a:p>
+            <a:pPr lvl="4"/>
+            <a:r>
+              <a:rPr lang="en-US"/>
+              <a:t>wakes up all threads waiting for a lock on that object</a:t>
+            </a:r>
+          </a:p>
+          <a:p>
+            <a:pPr lvl="4"/>
+            <a:endParaRPr lang="en-US"/>
+          </a:p>
+          <a:p>
+            <a:pPr lvl="1"/>
+            <a:endParaRPr lang="en-US"/>
+          </a:p>
+        </p:txBody>
+      </p:sp>
+      <p:sp>
+        <p:nvSpPr>
           <p:cNvPr id="5" name="TextBox 4"/>
           <p:cNvSpPr txBox="1"/>
           <p:nvPr/>
         </p:nvSpPr>
         <p:spPr>
           <a:xfrm>
-            <a:off x="-1" y="-1"/>
-            <a:ext cx="4953001" cy="4555093"/>
+            <a:off x="6050817" y="5619582"/>
+            <a:ext cx="2768707" cy="523220"/>
           </a:xfrm>
           <a:prstGeom prst="rect">
             <a:avLst/>
           </a:prstGeom>
-          <a:solidFill>
-            <a:schemeClr val="bg2"/>
-          </a:solidFill>
+          <a:noFill/>
         </p:spPr>
         <p:txBody>
-          <a:bodyPr wrap="square" rtlCol="0">
+          <a:bodyPr wrap="none" rtlCol="0">
             <a:spAutoFit/>
           </a:bodyPr>
           <a:lstStyle/>
           <a:p>
-            <a:pPr lvl="0"/>
-            <a:r>
-              <a:rPr lang="en-US" altLang="en-US" sz="1000">
-                <a:latin typeface="Consolas" panose="020B0609020204030204" pitchFamily="49" charset="0"/>
-                <a:cs typeface="Consolas" panose="020B0609020204030204" pitchFamily="49" charset="0"/>
-              </a:rPr>
-              <a:t>public class </a:t>
-            </a:r>
-            <a:r>
-              <a:rPr lang="en-US" altLang="en-US" sz="1000" err="1">
-                <a:latin typeface="Consolas" panose="020B0609020204030204" pitchFamily="49" charset="0"/>
-                <a:cs typeface="Consolas" panose="020B0609020204030204" pitchFamily="49" charset="0"/>
-              </a:rPr>
-              <a:t>NamedConsumer</a:t>
-            </a:r>
-            <a:r>
-              <a:rPr lang="en-US" altLang="en-US" sz="1000">
-                <a:latin typeface="Consolas" panose="020B0609020204030204" pitchFamily="49" charset="0"/>
-                <a:cs typeface="Consolas" panose="020B0609020204030204" pitchFamily="49" charset="0"/>
-              </a:rPr>
-              <a:t> implements Runnable { </a:t>
-            </a:r>
-          </a:p>
-          <a:p>
-            <a:pPr lvl="0"/>
-            <a:r>
-              <a:rPr lang="en-US" altLang="en-US" sz="1000">
-                <a:latin typeface="Consolas" panose="020B0609020204030204" pitchFamily="49" charset="0"/>
-                <a:cs typeface="Consolas" panose="020B0609020204030204" pitchFamily="49" charset="0"/>
-              </a:rPr>
-              <a:t>  Producer </a:t>
-            </a:r>
-            <a:r>
-              <a:rPr lang="en-US" altLang="en-US" sz="1000" err="1">
-                <a:latin typeface="Consolas" panose="020B0609020204030204" pitchFamily="49" charset="0"/>
-                <a:cs typeface="Consolas" panose="020B0609020204030204" pitchFamily="49" charset="0"/>
-              </a:rPr>
-              <a:t>producer</a:t>
-            </a:r>
-            <a:r>
-              <a:rPr lang="en-US" altLang="en-US" sz="1000">
-                <a:latin typeface="Consolas" panose="020B0609020204030204" pitchFamily="49" charset="0"/>
-                <a:cs typeface="Consolas" panose="020B0609020204030204" pitchFamily="49" charset="0"/>
-              </a:rPr>
-              <a:t>; </a:t>
-            </a:r>
-          </a:p>
-          <a:p>
-            <a:pPr lvl="0"/>
-            <a:r>
-              <a:rPr lang="en-US" altLang="en-US" sz="1000">
-                <a:latin typeface="Consolas" panose="020B0609020204030204" pitchFamily="49" charset="0"/>
-                <a:cs typeface="Consolas" panose="020B0609020204030204" pitchFamily="49" charset="0"/>
-              </a:rPr>
-              <a:t>  String name; </a:t>
-            </a:r>
-          </a:p>
-          <a:p>
-            <a:pPr lvl="0"/>
-            <a:r>
-              <a:rPr lang="en-US" altLang="en-US" sz="1000">
-                <a:latin typeface="Consolas" panose="020B0609020204030204" pitchFamily="49" charset="0"/>
-                <a:cs typeface="Consolas" panose="020B0609020204030204" pitchFamily="49" charset="0"/>
-              </a:rPr>
-              <a:t>  </a:t>
-            </a:r>
-            <a:r>
-              <a:rPr lang="en-US" altLang="en-US" sz="1000" err="1">
-                <a:latin typeface="Consolas" panose="020B0609020204030204" pitchFamily="49" charset="0"/>
-                <a:cs typeface="Consolas" panose="020B0609020204030204" pitchFamily="49" charset="0"/>
-              </a:rPr>
-              <a:t>NamedConsumer</a:t>
-            </a:r>
-            <a:r>
-              <a:rPr lang="en-US" altLang="en-US" sz="1000">
-                <a:latin typeface="Consolas" panose="020B0609020204030204" pitchFamily="49" charset="0"/>
-                <a:cs typeface="Consolas" panose="020B0609020204030204" pitchFamily="49" charset="0"/>
-              </a:rPr>
-              <a:t>(String name, Producer producer) { </a:t>
-            </a:r>
-          </a:p>
-          <a:p>
-            <a:pPr lvl="0"/>
-            <a:r>
-              <a:rPr lang="en-US" altLang="en-US" sz="1000">
-                <a:latin typeface="Consolas" panose="020B0609020204030204" pitchFamily="49" charset="0"/>
-                <a:cs typeface="Consolas" panose="020B0609020204030204" pitchFamily="49" charset="0"/>
-              </a:rPr>
-              <a:t>    </a:t>
-            </a:r>
-            <a:r>
-              <a:rPr lang="en-US" altLang="en-US" sz="1000" err="1">
-                <a:latin typeface="Consolas" panose="020B0609020204030204" pitchFamily="49" charset="0"/>
-                <a:cs typeface="Consolas" panose="020B0609020204030204" pitchFamily="49" charset="0"/>
-              </a:rPr>
-              <a:t>this.producer</a:t>
-            </a:r>
-            <a:r>
-              <a:rPr lang="en-US" altLang="en-US" sz="1000">
-                <a:latin typeface="Consolas" panose="020B0609020204030204" pitchFamily="49" charset="0"/>
-                <a:cs typeface="Consolas" panose="020B0609020204030204" pitchFamily="49" charset="0"/>
-              </a:rPr>
-              <a:t> = producer; </a:t>
-            </a:r>
-          </a:p>
-          <a:p>
-            <a:pPr lvl="0"/>
-            <a:r>
-              <a:rPr lang="en-US" altLang="en-US" sz="1000">
-                <a:latin typeface="Consolas" panose="020B0609020204030204" pitchFamily="49" charset="0"/>
-                <a:cs typeface="Consolas" panose="020B0609020204030204" pitchFamily="49" charset="0"/>
-              </a:rPr>
-              <a:t>    this.name = name; </a:t>
-            </a:r>
-          </a:p>
-          <a:p>
-            <a:pPr lvl="0"/>
-            <a:r>
-              <a:rPr lang="en-US" altLang="en-US" sz="1000">
-                <a:latin typeface="Consolas" panose="020B0609020204030204" pitchFamily="49" charset="0"/>
-                <a:cs typeface="Consolas" panose="020B0609020204030204" pitchFamily="49" charset="0"/>
-              </a:rPr>
-              <a:t>  } </a:t>
-            </a:r>
-          </a:p>
-          <a:p>
-            <a:pPr lvl="0"/>
-            <a:r>
-              <a:rPr lang="en-US" altLang="en-US" sz="1000">
-                <a:latin typeface="Consolas" panose="020B0609020204030204" pitchFamily="49" charset="0"/>
-                <a:cs typeface="Consolas" panose="020B0609020204030204" pitchFamily="49" charset="0"/>
-              </a:rPr>
-              <a:t>  public void run() { </a:t>
-            </a:r>
-          </a:p>
-          <a:p>
-            <a:pPr lvl="0"/>
-            <a:r>
-              <a:rPr lang="en-US" altLang="en-US" sz="1000">
-                <a:latin typeface="Consolas" panose="020B0609020204030204" pitchFamily="49" charset="0"/>
-                <a:cs typeface="Consolas" panose="020B0609020204030204" pitchFamily="49" charset="0"/>
-              </a:rPr>
-              <a:t>    while ( true ) { </a:t>
-            </a:r>
-          </a:p>
-          <a:p>
-            <a:pPr lvl="0"/>
-            <a:r>
-              <a:rPr lang="en-US" altLang="en-US" sz="1000">
-                <a:latin typeface="Consolas" panose="020B0609020204030204" pitchFamily="49" charset="0"/>
-                <a:cs typeface="Consolas" panose="020B0609020204030204" pitchFamily="49" charset="0"/>
-              </a:rPr>
-              <a:t>      String message = </a:t>
-            </a:r>
-            <a:r>
-              <a:rPr lang="en-US" altLang="en-US" sz="1000" err="1">
-                <a:latin typeface="Consolas" panose="020B0609020204030204" pitchFamily="49" charset="0"/>
-                <a:cs typeface="Consolas" panose="020B0609020204030204" pitchFamily="49" charset="0"/>
-              </a:rPr>
-              <a:t>producer.getMessage</a:t>
-            </a:r>
-            <a:r>
-              <a:rPr lang="en-US" altLang="en-US" sz="1000">
-                <a:latin typeface="Consolas" panose="020B0609020204030204" pitchFamily="49" charset="0"/>
-                <a:cs typeface="Consolas" panose="020B0609020204030204" pitchFamily="49" charset="0"/>
-              </a:rPr>
-              <a:t>(); </a:t>
-            </a:r>
-          </a:p>
-          <a:p>
-            <a:pPr lvl="0"/>
-            <a:r>
-              <a:rPr lang="en-US" altLang="en-US" sz="1000">
-                <a:latin typeface="Consolas" panose="020B0609020204030204" pitchFamily="49" charset="0"/>
-                <a:cs typeface="Consolas" panose="020B0609020204030204" pitchFamily="49" charset="0"/>
-              </a:rPr>
-              <a:t>      </a:t>
-            </a:r>
-            <a:r>
-              <a:rPr lang="en-US" altLang="en-US" sz="1000" err="1">
-                <a:latin typeface="Consolas" panose="020B0609020204030204" pitchFamily="49" charset="0"/>
-                <a:cs typeface="Consolas" panose="020B0609020204030204" pitchFamily="49" charset="0"/>
-              </a:rPr>
-              <a:t>System.out.println</a:t>
-            </a:r>
-            <a:r>
-              <a:rPr lang="en-US" altLang="en-US" sz="1000">
-                <a:latin typeface="Consolas" panose="020B0609020204030204" pitchFamily="49" charset="0"/>
-                <a:cs typeface="Consolas" panose="020B0609020204030204" pitchFamily="49" charset="0"/>
-              </a:rPr>
-              <a:t>(name + " got message: " + message); </a:t>
-            </a:r>
-          </a:p>
-          <a:p>
-            <a:pPr lvl="0"/>
-            <a:r>
-              <a:rPr lang="en-US" altLang="en-US" sz="1000">
-                <a:latin typeface="Consolas" panose="020B0609020204030204" pitchFamily="49" charset="0"/>
-                <a:cs typeface="Consolas" panose="020B0609020204030204" pitchFamily="49" charset="0"/>
-              </a:rPr>
-              <a:t>      try { </a:t>
-            </a:r>
-            <a:r>
-              <a:rPr lang="en-US" altLang="en-US" sz="1000" err="1">
-                <a:latin typeface="Consolas" panose="020B0609020204030204" pitchFamily="49" charset="0"/>
-                <a:cs typeface="Consolas" panose="020B0609020204030204" pitchFamily="49" charset="0"/>
-              </a:rPr>
-              <a:t>Thread.sleep</a:t>
-            </a:r>
-            <a:r>
-              <a:rPr lang="en-US" altLang="en-US" sz="1000">
-                <a:latin typeface="Consolas" panose="020B0609020204030204" pitchFamily="49" charset="0"/>
-                <a:cs typeface="Consolas" panose="020B0609020204030204" pitchFamily="49" charset="0"/>
-              </a:rPr>
-              <a:t>( 2000 ); } </a:t>
-            </a:r>
-          </a:p>
-          <a:p>
-            <a:pPr lvl="0"/>
-            <a:r>
-              <a:rPr lang="en-US" altLang="en-US" sz="1000">
-                <a:latin typeface="Consolas" panose="020B0609020204030204" pitchFamily="49" charset="0"/>
-                <a:cs typeface="Consolas" panose="020B0609020204030204" pitchFamily="49" charset="0"/>
-              </a:rPr>
-              <a:t>      catch ( </a:t>
-            </a:r>
-            <a:r>
-              <a:rPr lang="en-US" altLang="en-US" sz="1000" err="1">
-                <a:latin typeface="Consolas" panose="020B0609020204030204" pitchFamily="49" charset="0"/>
-                <a:cs typeface="Consolas" panose="020B0609020204030204" pitchFamily="49" charset="0"/>
-              </a:rPr>
-              <a:t>InterruptedException</a:t>
-            </a:r>
-            <a:r>
-              <a:rPr lang="en-US" altLang="en-US" sz="1000">
-                <a:latin typeface="Consolas" panose="020B0609020204030204" pitchFamily="49" charset="0"/>
-                <a:cs typeface="Consolas" panose="020B0609020204030204" pitchFamily="49" charset="0"/>
-              </a:rPr>
-              <a:t> e ) { } </a:t>
-            </a:r>
-          </a:p>
-          <a:p>
-            <a:pPr lvl="0"/>
-            <a:r>
-              <a:rPr lang="en-US" altLang="en-US" sz="1000">
-                <a:latin typeface="Consolas" panose="020B0609020204030204" pitchFamily="49" charset="0"/>
-                <a:cs typeface="Consolas" panose="020B0609020204030204" pitchFamily="49" charset="0"/>
-              </a:rPr>
-              <a:t>    } </a:t>
-            </a:r>
-          </a:p>
-          <a:p>
-            <a:pPr lvl="0"/>
-            <a:r>
-              <a:rPr lang="en-US" altLang="en-US" sz="1000">
-                <a:latin typeface="Consolas" panose="020B0609020204030204" pitchFamily="49" charset="0"/>
-                <a:cs typeface="Consolas" panose="020B0609020204030204" pitchFamily="49" charset="0"/>
-              </a:rPr>
-              <a:t>  } </a:t>
-            </a:r>
-          </a:p>
-          <a:p>
-            <a:pPr lvl="0"/>
-            <a:endParaRPr lang="en-US" altLang="en-US" sz="1000">
-              <a:latin typeface="Consolas" panose="020B0609020204030204" pitchFamily="49" charset="0"/>
-              <a:cs typeface="Consolas" panose="020B0609020204030204" pitchFamily="49" charset="0"/>
-            </a:endParaRPr>
-          </a:p>
-          <a:p>
-            <a:pPr lvl="0"/>
-            <a:r>
-              <a:rPr lang="en-US" altLang="en-US" sz="1000">
-                <a:latin typeface="Consolas" panose="020B0609020204030204" pitchFamily="49" charset="0"/>
-                <a:cs typeface="Consolas" panose="020B0609020204030204" pitchFamily="49" charset="0"/>
-              </a:rPr>
-              <a:t>  public static void main(String </a:t>
-            </a:r>
-            <a:r>
-              <a:rPr lang="en-US" altLang="en-US" sz="1000" err="1">
-                <a:latin typeface="Consolas" panose="020B0609020204030204" pitchFamily="49" charset="0"/>
-                <a:cs typeface="Consolas" panose="020B0609020204030204" pitchFamily="49" charset="0"/>
-              </a:rPr>
-              <a:t>args</a:t>
-            </a:r>
-            <a:r>
-              <a:rPr lang="en-US" altLang="en-US" sz="1000">
-                <a:latin typeface="Consolas" panose="020B0609020204030204" pitchFamily="49" charset="0"/>
-                <a:cs typeface="Consolas" panose="020B0609020204030204" pitchFamily="49" charset="0"/>
-              </a:rPr>
-              <a:t>[]) { </a:t>
-            </a:r>
-          </a:p>
-          <a:p>
-            <a:pPr lvl="0"/>
-            <a:r>
-              <a:rPr lang="en-US" altLang="en-US" sz="1000">
-                <a:latin typeface="Consolas" panose="020B0609020204030204" pitchFamily="49" charset="0"/>
-                <a:cs typeface="Consolas" panose="020B0609020204030204" pitchFamily="49" charset="0"/>
-              </a:rPr>
-              <a:t>    Producer </a:t>
-            </a:r>
-            <a:r>
-              <a:rPr lang="en-US" altLang="en-US" sz="1000" err="1">
-                <a:latin typeface="Consolas" panose="020B0609020204030204" pitchFamily="49" charset="0"/>
-                <a:cs typeface="Consolas" panose="020B0609020204030204" pitchFamily="49" charset="0"/>
-              </a:rPr>
-              <a:t>producer</a:t>
-            </a:r>
-            <a:r>
-              <a:rPr lang="en-US" altLang="en-US" sz="1000">
-                <a:latin typeface="Consolas" panose="020B0609020204030204" pitchFamily="49" charset="0"/>
-                <a:cs typeface="Consolas" panose="020B0609020204030204" pitchFamily="49" charset="0"/>
-              </a:rPr>
-              <a:t> = new Producer(); </a:t>
-            </a:r>
-          </a:p>
-          <a:p>
-            <a:pPr lvl="0"/>
-            <a:r>
-              <a:rPr lang="en-US" altLang="en-US" sz="1000">
-                <a:latin typeface="Consolas" panose="020B0609020204030204" pitchFamily="49" charset="0"/>
-                <a:cs typeface="Consolas" panose="020B0609020204030204" pitchFamily="49" charset="0"/>
-              </a:rPr>
-              <a:t>    new Thread( producer ).start(); </a:t>
-            </a:r>
-          </a:p>
-          <a:p>
-            <a:pPr lvl="0"/>
-            <a:endParaRPr lang="en-US" altLang="en-US" sz="1000">
-              <a:latin typeface="Consolas" panose="020B0609020204030204" pitchFamily="49" charset="0"/>
-              <a:cs typeface="Consolas" panose="020B0609020204030204" pitchFamily="49" charset="0"/>
-            </a:endParaRPr>
-          </a:p>
-          <a:p>
-            <a:pPr lvl="0"/>
-            <a:r>
-              <a:rPr lang="en-US" altLang="en-US" sz="1000">
-                <a:latin typeface="Consolas" panose="020B0609020204030204" pitchFamily="49" charset="0"/>
-                <a:cs typeface="Consolas" panose="020B0609020204030204" pitchFamily="49" charset="0"/>
-              </a:rPr>
-              <a:t>    </a:t>
-            </a:r>
-            <a:r>
-              <a:rPr lang="en-US" altLang="en-US" sz="1000" err="1">
-                <a:latin typeface="Consolas" panose="020B0609020204030204" pitchFamily="49" charset="0"/>
-                <a:cs typeface="Consolas" panose="020B0609020204030204" pitchFamily="49" charset="0"/>
-              </a:rPr>
-              <a:t>NamedConsumer</a:t>
-            </a:r>
-            <a:r>
-              <a:rPr lang="en-US" altLang="en-US" sz="1000">
-                <a:latin typeface="Consolas" panose="020B0609020204030204" pitchFamily="49" charset="0"/>
-                <a:cs typeface="Consolas" panose="020B0609020204030204" pitchFamily="49" charset="0"/>
-              </a:rPr>
-              <a:t> consumer=new </a:t>
-            </a:r>
-            <a:r>
-              <a:rPr lang="en-US" altLang="en-US" sz="1000" err="1">
-                <a:latin typeface="Consolas" panose="020B0609020204030204" pitchFamily="49" charset="0"/>
-                <a:cs typeface="Consolas" panose="020B0609020204030204" pitchFamily="49" charset="0"/>
-              </a:rPr>
-              <a:t>NamedConsumer</a:t>
-            </a:r>
-            <a:r>
-              <a:rPr lang="en-US" altLang="en-US" sz="1000">
-                <a:latin typeface="Consolas" panose="020B0609020204030204" pitchFamily="49" charset="0"/>
-                <a:cs typeface="Consolas" panose="020B0609020204030204" pitchFamily="49" charset="0"/>
-              </a:rPr>
-              <a:t>("</a:t>
-            </a:r>
-            <a:r>
-              <a:rPr lang="en-US" altLang="en-US" sz="1000" err="1">
-                <a:latin typeface="Consolas" panose="020B0609020204030204" pitchFamily="49" charset="0"/>
-                <a:cs typeface="Consolas" panose="020B0609020204030204" pitchFamily="49" charset="0"/>
-              </a:rPr>
-              <a:t>One",producer</a:t>
-            </a:r>
-            <a:r>
-              <a:rPr lang="en-US" altLang="en-US" sz="1000">
-                <a:latin typeface="Consolas" panose="020B0609020204030204" pitchFamily="49" charset="0"/>
-                <a:cs typeface="Consolas" panose="020B0609020204030204" pitchFamily="49" charset="0"/>
-              </a:rPr>
-              <a:t>); </a:t>
-            </a:r>
-          </a:p>
-          <a:p>
-            <a:pPr lvl="0"/>
-            <a:r>
-              <a:rPr lang="en-US" altLang="en-US" sz="1000">
-                <a:latin typeface="Consolas" panose="020B0609020204030204" pitchFamily="49" charset="0"/>
-                <a:cs typeface="Consolas" panose="020B0609020204030204" pitchFamily="49" charset="0"/>
-              </a:rPr>
-              <a:t>    new Thread( consumer ).start(); </a:t>
-            </a:r>
-          </a:p>
-          <a:p>
-            <a:pPr lvl="0"/>
-            <a:endParaRPr lang="en-US" altLang="en-US" sz="1000">
-              <a:latin typeface="Consolas" panose="020B0609020204030204" pitchFamily="49" charset="0"/>
-              <a:cs typeface="Consolas" panose="020B0609020204030204" pitchFamily="49" charset="0"/>
-            </a:endParaRPr>
-          </a:p>
-          <a:p>
-            <a:pPr lvl="0"/>
-            <a:r>
-              <a:rPr lang="en-US" altLang="en-US" sz="1000">
-                <a:latin typeface="Consolas" panose="020B0609020204030204" pitchFamily="49" charset="0"/>
-                <a:cs typeface="Consolas" panose="020B0609020204030204" pitchFamily="49" charset="0"/>
-              </a:rPr>
-              <a:t>    consumer = new </a:t>
-            </a:r>
-            <a:r>
-              <a:rPr lang="en-US" altLang="en-US" sz="1000" err="1">
-                <a:latin typeface="Consolas" panose="020B0609020204030204" pitchFamily="49" charset="0"/>
-                <a:cs typeface="Consolas" panose="020B0609020204030204" pitchFamily="49" charset="0"/>
-              </a:rPr>
-              <a:t>NamedConsumer</a:t>
-            </a:r>
-            <a:r>
-              <a:rPr lang="en-US" altLang="en-US" sz="1000">
-                <a:latin typeface="Consolas" panose="020B0609020204030204" pitchFamily="49" charset="0"/>
-                <a:cs typeface="Consolas" panose="020B0609020204030204" pitchFamily="49" charset="0"/>
-              </a:rPr>
-              <a:t>( "Two", producer ); </a:t>
-            </a:r>
-          </a:p>
-          <a:p>
-            <a:pPr lvl="0"/>
-            <a:r>
-              <a:rPr lang="en-US" altLang="en-US" sz="1000">
-                <a:latin typeface="Consolas" panose="020B0609020204030204" pitchFamily="49" charset="0"/>
-                <a:cs typeface="Consolas" panose="020B0609020204030204" pitchFamily="49" charset="0"/>
-              </a:rPr>
-              <a:t>    new Thread( consumer ).start(); </a:t>
-            </a:r>
-          </a:p>
-          <a:p>
-            <a:pPr lvl="0"/>
-            <a:r>
-              <a:rPr lang="en-US" altLang="en-US" sz="1000">
-                <a:latin typeface="Consolas" panose="020B0609020204030204" pitchFamily="49" charset="0"/>
-                <a:cs typeface="Consolas" panose="020B0609020204030204" pitchFamily="49" charset="0"/>
-              </a:rPr>
-              <a:t>  } </a:t>
-            </a:r>
-          </a:p>
-          <a:p>
-            <a:pPr lvl="0"/>
-            <a:r>
-              <a:rPr lang="en-US" altLang="en-US" sz="1000">
-                <a:latin typeface="Consolas" panose="020B0609020204030204" pitchFamily="49" charset="0"/>
-                <a:cs typeface="Consolas" panose="020B0609020204030204" pitchFamily="49" charset="0"/>
-              </a:rPr>
-              <a:t>} </a:t>
-            </a:r>
-          </a:p>
-          <a:p>
-            <a:endParaRPr lang="en-US" sz="1000">
-              <a:solidFill>
-                <a:srgbClr val="C00000"/>
-              </a:solidFill>
-              <a:latin typeface="Consolas" panose="020B0609020204030204" pitchFamily="49" charset="0"/>
-              <a:cs typeface="Consolas" panose="020B0609020204030204" pitchFamily="49" charset="0"/>
-            </a:endParaRPr>
-          </a:p>
-          <a:p>
-            <a:endParaRPr lang="en-US" sz="1000">
-              <a:solidFill>
-                <a:srgbClr val="C00000"/>
-              </a:solidFill>
-              <a:latin typeface="Consolas" panose="020B0609020204030204" pitchFamily="49" charset="0"/>
-              <a:cs typeface="Consolas" panose="020B0609020204030204" pitchFamily="49" charset="0"/>
-            </a:endParaRPr>
-          </a:p>
-        </p:txBody>
-      </p:sp>
-      <p:sp>
-        <p:nvSpPr>
-          <p:cNvPr id="11" name="TextBox 10"/>
-          <p:cNvSpPr txBox="1"/>
-          <p:nvPr/>
-        </p:nvSpPr>
-        <p:spPr>
-          <a:xfrm>
-            <a:off x="4953000" y="0"/>
-            <a:ext cx="4191000" cy="4555093"/>
-          </a:xfrm>
-          <a:prstGeom prst="rect">
-            <a:avLst/>
-          </a:prstGeom>
-          <a:solidFill>
-            <a:schemeClr val="bg2"/>
-          </a:solidFill>
-        </p:spPr>
-        <p:txBody>
-          <a:bodyPr wrap="square" rtlCol="0">
-            <a:spAutoFit/>
-          </a:bodyPr>
-          <a:lstStyle/>
-          <a:p>
-            <a:pPr lvl="0" eaLnBrk="0" hangingPunct="0"/>
-            <a:r>
-              <a:rPr lang="en-US" altLang="en-US" sz="1000">
-                <a:latin typeface="Consolas" panose="020B0609020204030204" pitchFamily="49" charset="0"/>
-                <a:cs typeface="Consolas" panose="020B0609020204030204" pitchFamily="49" charset="0"/>
-              </a:rPr>
-              <a:t>public class Producer implements Runnable { </a:t>
-            </a:r>
-          </a:p>
-          <a:p>
-            <a:pPr lvl="0" eaLnBrk="0" hangingPunct="0"/>
-            <a:r>
-              <a:rPr lang="en-US" altLang="en-US" sz="1000">
-                <a:latin typeface="Consolas" panose="020B0609020204030204" pitchFamily="49" charset="0"/>
-                <a:cs typeface="Consolas" panose="020B0609020204030204" pitchFamily="49" charset="0"/>
-              </a:rPr>
-              <a:t>  static final </a:t>
-            </a:r>
-            <a:r>
-              <a:rPr lang="en-US" altLang="en-US" sz="1000" err="1">
-                <a:latin typeface="Consolas" panose="020B0609020204030204" pitchFamily="49" charset="0"/>
-                <a:cs typeface="Consolas" panose="020B0609020204030204" pitchFamily="49" charset="0"/>
-              </a:rPr>
-              <a:t>int</a:t>
-            </a:r>
-            <a:r>
-              <a:rPr lang="en-US" altLang="en-US" sz="1000">
-                <a:latin typeface="Consolas" panose="020B0609020204030204" pitchFamily="49" charset="0"/>
-                <a:cs typeface="Consolas" panose="020B0609020204030204" pitchFamily="49" charset="0"/>
-              </a:rPr>
-              <a:t> MAXQUEUE = 5; </a:t>
-            </a:r>
-          </a:p>
-          <a:p>
-            <a:pPr lvl="0" eaLnBrk="0" hangingPunct="0"/>
-            <a:r>
-              <a:rPr lang="en-US" altLang="en-US" sz="1000">
-                <a:latin typeface="Consolas" panose="020B0609020204030204" pitchFamily="49" charset="0"/>
-                <a:cs typeface="Consolas" panose="020B0609020204030204" pitchFamily="49" charset="0"/>
-              </a:rPr>
-              <a:t>  private List messages = new </a:t>
-            </a:r>
-            <a:r>
-              <a:rPr lang="en-US" altLang="en-US" sz="1000" err="1">
-                <a:latin typeface="Consolas" panose="020B0609020204030204" pitchFamily="49" charset="0"/>
-                <a:cs typeface="Consolas" panose="020B0609020204030204" pitchFamily="49" charset="0"/>
-              </a:rPr>
-              <a:t>ArrayList</a:t>
-            </a:r>
-            <a:r>
-              <a:rPr lang="en-US" altLang="en-US" sz="1000">
-                <a:latin typeface="Consolas" panose="020B0609020204030204" pitchFamily="49" charset="0"/>
-                <a:cs typeface="Consolas" panose="020B0609020204030204" pitchFamily="49" charset="0"/>
-              </a:rPr>
-              <a:t>(); </a:t>
-            </a:r>
-          </a:p>
-          <a:p>
-            <a:pPr lvl="0" eaLnBrk="0" hangingPunct="0"/>
-            <a:endParaRPr lang="en-US" altLang="en-US" sz="1000">
-              <a:latin typeface="Consolas" panose="020B0609020204030204" pitchFamily="49" charset="0"/>
-              <a:cs typeface="Consolas" panose="020B0609020204030204" pitchFamily="49" charset="0"/>
-            </a:endParaRPr>
-          </a:p>
-          <a:p>
-            <a:pPr lvl="0" eaLnBrk="0" hangingPunct="0"/>
-            <a:r>
-              <a:rPr lang="en-US" altLang="en-US" sz="1000">
-                <a:latin typeface="Consolas" panose="020B0609020204030204" pitchFamily="49" charset="0"/>
-                <a:cs typeface="Consolas" panose="020B0609020204030204" pitchFamily="49" charset="0"/>
-              </a:rPr>
-              <a:t>  public void run() { </a:t>
-            </a:r>
-          </a:p>
-          <a:p>
-            <a:pPr lvl="0" eaLnBrk="0" hangingPunct="0"/>
-            <a:r>
-              <a:rPr lang="en-US" altLang="en-US" sz="1000">
-                <a:latin typeface="Consolas" panose="020B0609020204030204" pitchFamily="49" charset="0"/>
-                <a:cs typeface="Consolas" panose="020B0609020204030204" pitchFamily="49" charset="0"/>
-              </a:rPr>
-              <a:t>    while ( true ) { </a:t>
-            </a:r>
-          </a:p>
-          <a:p>
-            <a:pPr lvl="0" eaLnBrk="0" hangingPunct="0"/>
-            <a:r>
-              <a:rPr lang="en-US" altLang="en-US" sz="1000">
-                <a:latin typeface="Consolas" panose="020B0609020204030204" pitchFamily="49" charset="0"/>
-                <a:cs typeface="Consolas" panose="020B0609020204030204" pitchFamily="49" charset="0"/>
-              </a:rPr>
-              <a:t>      </a:t>
-            </a:r>
-            <a:r>
-              <a:rPr lang="en-US" altLang="en-US" sz="1000" err="1">
-                <a:latin typeface="Consolas" panose="020B0609020204030204" pitchFamily="49" charset="0"/>
-                <a:cs typeface="Consolas" panose="020B0609020204030204" pitchFamily="49" charset="0"/>
-              </a:rPr>
-              <a:t>putMessage</a:t>
-            </a:r>
-            <a:r>
-              <a:rPr lang="en-US" altLang="en-US" sz="1000">
-                <a:latin typeface="Consolas" panose="020B0609020204030204" pitchFamily="49" charset="0"/>
-                <a:cs typeface="Consolas" panose="020B0609020204030204" pitchFamily="49" charset="0"/>
-              </a:rPr>
-              <a:t>(); </a:t>
-            </a:r>
-          </a:p>
-          <a:p>
-            <a:pPr lvl="0" eaLnBrk="0" hangingPunct="0"/>
-            <a:r>
-              <a:rPr lang="en-US" altLang="en-US" sz="1000">
-                <a:latin typeface="Consolas" panose="020B0609020204030204" pitchFamily="49" charset="0"/>
-                <a:cs typeface="Consolas" panose="020B0609020204030204" pitchFamily="49" charset="0"/>
-              </a:rPr>
-              <a:t>      try { </a:t>
-            </a:r>
-            <a:r>
-              <a:rPr lang="en-US" altLang="en-US" sz="1000" err="1">
-                <a:latin typeface="Consolas" panose="020B0609020204030204" pitchFamily="49" charset="0"/>
-                <a:cs typeface="Consolas" panose="020B0609020204030204" pitchFamily="49" charset="0"/>
-              </a:rPr>
-              <a:t>Thread.sleep</a:t>
-            </a:r>
-            <a:r>
-              <a:rPr lang="en-US" altLang="en-US" sz="1000">
-                <a:latin typeface="Consolas" panose="020B0609020204030204" pitchFamily="49" charset="0"/>
-                <a:cs typeface="Consolas" panose="020B0609020204030204" pitchFamily="49" charset="0"/>
-              </a:rPr>
-              <a:t>( 1000 ); } </a:t>
-            </a:r>
-          </a:p>
-          <a:p>
-            <a:pPr lvl="0" eaLnBrk="0" hangingPunct="0"/>
-            <a:r>
-              <a:rPr lang="en-US" altLang="en-US" sz="1000">
-                <a:latin typeface="Consolas" panose="020B0609020204030204" pitchFamily="49" charset="0"/>
-                <a:cs typeface="Consolas" panose="020B0609020204030204" pitchFamily="49" charset="0"/>
-              </a:rPr>
-              <a:t>      catch ( </a:t>
-            </a:r>
-            <a:r>
-              <a:rPr lang="en-US" altLang="en-US" sz="1000" err="1">
-                <a:latin typeface="Consolas" panose="020B0609020204030204" pitchFamily="49" charset="0"/>
-                <a:cs typeface="Consolas" panose="020B0609020204030204" pitchFamily="49" charset="0"/>
-              </a:rPr>
-              <a:t>InterruptedException</a:t>
-            </a:r>
-            <a:r>
-              <a:rPr lang="en-US" altLang="en-US" sz="1000">
-                <a:latin typeface="Consolas" panose="020B0609020204030204" pitchFamily="49" charset="0"/>
-                <a:cs typeface="Consolas" panose="020B0609020204030204" pitchFamily="49" charset="0"/>
-              </a:rPr>
-              <a:t> e ) { } </a:t>
-            </a:r>
-          </a:p>
-          <a:p>
-            <a:pPr lvl="0" eaLnBrk="0" hangingPunct="0"/>
-            <a:r>
-              <a:rPr lang="en-US" altLang="en-US" sz="1000">
-                <a:latin typeface="Consolas" panose="020B0609020204030204" pitchFamily="49" charset="0"/>
-                <a:cs typeface="Consolas" panose="020B0609020204030204" pitchFamily="49" charset="0"/>
-              </a:rPr>
-              <a:t>    } </a:t>
-            </a:r>
-          </a:p>
-          <a:p>
-            <a:pPr lvl="0" eaLnBrk="0" hangingPunct="0"/>
-            <a:r>
-              <a:rPr lang="en-US" altLang="en-US" sz="1000">
-                <a:latin typeface="Consolas" panose="020B0609020204030204" pitchFamily="49" charset="0"/>
-                <a:cs typeface="Consolas" panose="020B0609020204030204" pitchFamily="49" charset="0"/>
-              </a:rPr>
-              <a:t>  } </a:t>
-            </a:r>
-          </a:p>
-          <a:p>
-            <a:pPr lvl="0" eaLnBrk="0" hangingPunct="0"/>
-            <a:endParaRPr lang="en-US" altLang="en-US" sz="1000">
-              <a:latin typeface="Consolas" panose="020B0609020204030204" pitchFamily="49" charset="0"/>
-              <a:cs typeface="Consolas" panose="020B0609020204030204" pitchFamily="49" charset="0"/>
-            </a:endParaRPr>
-          </a:p>
-          <a:p>
-            <a:pPr lvl="0" eaLnBrk="0" hangingPunct="0"/>
-            <a:r>
-              <a:rPr lang="en-US" altLang="en-US" sz="1000">
-                <a:latin typeface="Consolas" panose="020B0609020204030204" pitchFamily="49" charset="0"/>
-                <a:cs typeface="Consolas" panose="020B0609020204030204" pitchFamily="49" charset="0"/>
-              </a:rPr>
-              <a:t>  private synchronized void </a:t>
-            </a:r>
-            <a:r>
-              <a:rPr lang="en-US" altLang="en-US" sz="1000" err="1">
-                <a:latin typeface="Consolas" panose="020B0609020204030204" pitchFamily="49" charset="0"/>
-                <a:cs typeface="Consolas" panose="020B0609020204030204" pitchFamily="49" charset="0"/>
-              </a:rPr>
-              <a:t>putMessage</a:t>
-            </a:r>
-            <a:r>
-              <a:rPr lang="en-US" altLang="en-US" sz="1000">
-                <a:latin typeface="Consolas" panose="020B0609020204030204" pitchFamily="49" charset="0"/>
-                <a:cs typeface="Consolas" panose="020B0609020204030204" pitchFamily="49" charset="0"/>
-              </a:rPr>
-              <a:t>() { </a:t>
-            </a:r>
-          </a:p>
-          <a:p>
-            <a:pPr lvl="0" eaLnBrk="0" hangingPunct="0"/>
-            <a:r>
-              <a:rPr lang="en-US" altLang="en-US" sz="1000">
-                <a:latin typeface="Consolas" panose="020B0609020204030204" pitchFamily="49" charset="0"/>
-                <a:cs typeface="Consolas" panose="020B0609020204030204" pitchFamily="49" charset="0"/>
-              </a:rPr>
-              <a:t>    while ( </a:t>
-            </a:r>
-            <a:r>
-              <a:rPr lang="en-US" altLang="en-US" sz="1000" err="1">
-                <a:latin typeface="Consolas" panose="020B0609020204030204" pitchFamily="49" charset="0"/>
-                <a:cs typeface="Consolas" panose="020B0609020204030204" pitchFamily="49" charset="0"/>
-              </a:rPr>
-              <a:t>messages.size</a:t>
-            </a:r>
-            <a:r>
-              <a:rPr lang="en-US" altLang="en-US" sz="1000">
-                <a:latin typeface="Consolas" panose="020B0609020204030204" pitchFamily="49" charset="0"/>
-                <a:cs typeface="Consolas" panose="020B0609020204030204" pitchFamily="49" charset="0"/>
-              </a:rPr>
-              <a:t>() &gt;= MAXQUEUE ) </a:t>
-            </a:r>
-          </a:p>
-          <a:p>
-            <a:pPr lvl="0" eaLnBrk="0" hangingPunct="0"/>
-            <a:r>
-              <a:rPr lang="en-US" altLang="en-US" sz="1000">
-                <a:latin typeface="Consolas" panose="020B0609020204030204" pitchFamily="49" charset="0"/>
-                <a:cs typeface="Consolas" panose="020B0609020204030204" pitchFamily="49" charset="0"/>
-              </a:rPr>
-              <a:t>      try { wait(); } </a:t>
-            </a:r>
-          </a:p>
-          <a:p>
-            <a:pPr lvl="0" eaLnBrk="0" hangingPunct="0"/>
-            <a:r>
-              <a:rPr lang="en-US" altLang="en-US" sz="1000">
-                <a:latin typeface="Consolas" panose="020B0609020204030204" pitchFamily="49" charset="0"/>
-                <a:cs typeface="Consolas" panose="020B0609020204030204" pitchFamily="49" charset="0"/>
-              </a:rPr>
-              <a:t>      catch( </a:t>
-            </a:r>
-            <a:r>
-              <a:rPr lang="en-US" altLang="en-US" sz="1000" err="1">
-                <a:latin typeface="Consolas" panose="020B0609020204030204" pitchFamily="49" charset="0"/>
-                <a:cs typeface="Consolas" panose="020B0609020204030204" pitchFamily="49" charset="0"/>
-              </a:rPr>
-              <a:t>InterruptedException</a:t>
-            </a:r>
-            <a:r>
-              <a:rPr lang="en-US" altLang="en-US" sz="1000">
-                <a:latin typeface="Consolas" panose="020B0609020204030204" pitchFamily="49" charset="0"/>
-                <a:cs typeface="Consolas" panose="020B0609020204030204" pitchFamily="49" charset="0"/>
-              </a:rPr>
-              <a:t> e ) { } </a:t>
-            </a:r>
-          </a:p>
-          <a:p>
-            <a:pPr lvl="0" eaLnBrk="0" hangingPunct="0"/>
-            <a:r>
-              <a:rPr lang="en-US" altLang="en-US" sz="1000">
-                <a:latin typeface="Consolas" panose="020B0609020204030204" pitchFamily="49" charset="0"/>
-                <a:cs typeface="Consolas" panose="020B0609020204030204" pitchFamily="49" charset="0"/>
-              </a:rPr>
-              <a:t>    </a:t>
-            </a:r>
-            <a:r>
-              <a:rPr lang="en-US" altLang="en-US" sz="1000" err="1">
-                <a:latin typeface="Consolas" panose="020B0609020204030204" pitchFamily="49" charset="0"/>
-                <a:cs typeface="Consolas" panose="020B0609020204030204" pitchFamily="49" charset="0"/>
-              </a:rPr>
-              <a:t>messages.add</a:t>
-            </a:r>
-            <a:r>
-              <a:rPr lang="en-US" altLang="en-US" sz="1000">
-                <a:latin typeface="Consolas" panose="020B0609020204030204" pitchFamily="49" charset="0"/>
-                <a:cs typeface="Consolas" panose="020B0609020204030204" pitchFamily="49" charset="0"/>
-              </a:rPr>
-              <a:t>( new </a:t>
-            </a:r>
-            <a:r>
-              <a:rPr lang="en-US" altLang="en-US" sz="1000" err="1">
-                <a:latin typeface="Consolas" panose="020B0609020204030204" pitchFamily="49" charset="0"/>
-                <a:cs typeface="Consolas" panose="020B0609020204030204" pitchFamily="49" charset="0"/>
-              </a:rPr>
-              <a:t>java.util.Date</a:t>
-            </a:r>
-            <a:r>
-              <a:rPr lang="en-US" altLang="en-US" sz="1000">
-                <a:latin typeface="Consolas" panose="020B0609020204030204" pitchFamily="49" charset="0"/>
-                <a:cs typeface="Consolas" panose="020B0609020204030204" pitchFamily="49" charset="0"/>
-              </a:rPr>
-              <a:t>().</a:t>
-            </a:r>
-            <a:r>
-              <a:rPr lang="en-US" altLang="en-US" sz="1000" err="1">
-                <a:latin typeface="Consolas" panose="020B0609020204030204" pitchFamily="49" charset="0"/>
-                <a:cs typeface="Consolas" panose="020B0609020204030204" pitchFamily="49" charset="0"/>
-              </a:rPr>
-              <a:t>toString</a:t>
-            </a:r>
-            <a:r>
-              <a:rPr lang="en-US" altLang="en-US" sz="1000">
-                <a:latin typeface="Consolas" panose="020B0609020204030204" pitchFamily="49" charset="0"/>
-                <a:cs typeface="Consolas" panose="020B0609020204030204" pitchFamily="49" charset="0"/>
-              </a:rPr>
-              <a:t>() ); </a:t>
-            </a:r>
-          </a:p>
-          <a:p>
-            <a:pPr lvl="0" eaLnBrk="0" hangingPunct="0"/>
-            <a:r>
-              <a:rPr lang="en-US" altLang="en-US" sz="1000">
-                <a:latin typeface="Consolas" panose="020B0609020204030204" pitchFamily="49" charset="0"/>
-                <a:cs typeface="Consolas" panose="020B0609020204030204" pitchFamily="49" charset="0"/>
-              </a:rPr>
-              <a:t>    </a:t>
-            </a:r>
-            <a:r>
-              <a:rPr lang="en-US" altLang="en-US" sz="1000" err="1">
-                <a:latin typeface="Consolas" panose="020B0609020204030204" pitchFamily="49" charset="0"/>
-                <a:cs typeface="Consolas" panose="020B0609020204030204" pitchFamily="49" charset="0"/>
-              </a:rPr>
-              <a:t>notifyAll</a:t>
-            </a:r>
-            <a:r>
-              <a:rPr lang="en-US" altLang="en-US" sz="1000">
-                <a:latin typeface="Consolas" panose="020B0609020204030204" pitchFamily="49" charset="0"/>
-                <a:cs typeface="Consolas" panose="020B0609020204030204" pitchFamily="49" charset="0"/>
-              </a:rPr>
-              <a:t>(); </a:t>
-            </a:r>
-          </a:p>
-          <a:p>
-            <a:pPr lvl="0" eaLnBrk="0" hangingPunct="0"/>
-            <a:r>
-              <a:rPr lang="en-US" altLang="en-US" sz="1000">
-                <a:latin typeface="Consolas" panose="020B0609020204030204" pitchFamily="49" charset="0"/>
-                <a:cs typeface="Consolas" panose="020B0609020204030204" pitchFamily="49" charset="0"/>
-              </a:rPr>
-              <a:t>  } </a:t>
-            </a:r>
-          </a:p>
-          <a:p>
-            <a:pPr lvl="0" eaLnBrk="0" hangingPunct="0"/>
-            <a:endParaRPr lang="en-US" altLang="en-US" sz="1000">
-              <a:latin typeface="Consolas" panose="020B0609020204030204" pitchFamily="49" charset="0"/>
-              <a:cs typeface="Consolas" panose="020B0609020204030204" pitchFamily="49" charset="0"/>
-            </a:endParaRPr>
-          </a:p>
-          <a:p>
-            <a:pPr lvl="0" eaLnBrk="0" hangingPunct="0"/>
-            <a:r>
-              <a:rPr lang="en-US" altLang="en-US" sz="1000">
-                <a:latin typeface="Consolas" panose="020B0609020204030204" pitchFamily="49" charset="0"/>
-                <a:cs typeface="Consolas" panose="020B0609020204030204" pitchFamily="49" charset="0"/>
-              </a:rPr>
-              <a:t>  public synchronized String </a:t>
-            </a:r>
-            <a:r>
-              <a:rPr lang="en-US" altLang="en-US" sz="1000" err="1">
-                <a:latin typeface="Consolas" panose="020B0609020204030204" pitchFamily="49" charset="0"/>
-                <a:cs typeface="Consolas" panose="020B0609020204030204" pitchFamily="49" charset="0"/>
-              </a:rPr>
-              <a:t>getMessage</a:t>
-            </a:r>
-            <a:r>
-              <a:rPr lang="en-US" altLang="en-US" sz="1000">
-                <a:latin typeface="Consolas" panose="020B0609020204030204" pitchFamily="49" charset="0"/>
-                <a:cs typeface="Consolas" panose="020B0609020204030204" pitchFamily="49" charset="0"/>
-              </a:rPr>
-              <a:t>() { </a:t>
-            </a:r>
-          </a:p>
-          <a:p>
-            <a:pPr lvl="0" eaLnBrk="0" hangingPunct="0"/>
-            <a:r>
-              <a:rPr lang="en-US" altLang="en-US" sz="1000">
-                <a:latin typeface="Consolas" panose="020B0609020204030204" pitchFamily="49" charset="0"/>
-                <a:cs typeface="Consolas" panose="020B0609020204030204" pitchFamily="49" charset="0"/>
-              </a:rPr>
-              <a:t>    while ( </a:t>
-            </a:r>
-            <a:r>
-              <a:rPr lang="en-US" altLang="en-US" sz="1000" err="1">
-                <a:latin typeface="Consolas" panose="020B0609020204030204" pitchFamily="49" charset="0"/>
-                <a:cs typeface="Consolas" panose="020B0609020204030204" pitchFamily="49" charset="0"/>
-              </a:rPr>
-              <a:t>messages.size</a:t>
-            </a:r>
-            <a:r>
-              <a:rPr lang="en-US" altLang="en-US" sz="1000">
-                <a:latin typeface="Consolas" panose="020B0609020204030204" pitchFamily="49" charset="0"/>
-                <a:cs typeface="Consolas" panose="020B0609020204030204" pitchFamily="49" charset="0"/>
-              </a:rPr>
-              <a:t>() == 0 ) </a:t>
-            </a:r>
-          </a:p>
-          <a:p>
-            <a:pPr lvl="0" eaLnBrk="0" hangingPunct="0"/>
-            <a:r>
-              <a:rPr lang="en-US" altLang="en-US" sz="1000">
-                <a:latin typeface="Consolas" panose="020B0609020204030204" pitchFamily="49" charset="0"/>
-                <a:cs typeface="Consolas" panose="020B0609020204030204" pitchFamily="49" charset="0"/>
-              </a:rPr>
-              <a:t>      try { </a:t>
-            </a:r>
-            <a:r>
-              <a:rPr lang="en-US" altLang="en-US" sz="1000" err="1">
-                <a:latin typeface="Consolas" panose="020B0609020204030204" pitchFamily="49" charset="0"/>
-                <a:cs typeface="Consolas" panose="020B0609020204030204" pitchFamily="49" charset="0"/>
-              </a:rPr>
-              <a:t>notifyAll</a:t>
-            </a:r>
-            <a:r>
-              <a:rPr lang="en-US" altLang="en-US" sz="1000">
-                <a:latin typeface="Consolas" panose="020B0609020204030204" pitchFamily="49" charset="0"/>
-                <a:cs typeface="Consolas" panose="020B0609020204030204" pitchFamily="49" charset="0"/>
-              </a:rPr>
-              <a:t>(); wait(); } </a:t>
-            </a:r>
-          </a:p>
-          <a:p>
-            <a:pPr lvl="0" eaLnBrk="0" hangingPunct="0"/>
-            <a:r>
-              <a:rPr lang="en-US" altLang="en-US" sz="1000">
-                <a:latin typeface="Consolas" panose="020B0609020204030204" pitchFamily="49" charset="0"/>
-                <a:cs typeface="Consolas" panose="020B0609020204030204" pitchFamily="49" charset="0"/>
-              </a:rPr>
-              <a:t>      catch( </a:t>
-            </a:r>
-            <a:r>
-              <a:rPr lang="en-US" altLang="en-US" sz="1000" err="1">
-                <a:latin typeface="Consolas" panose="020B0609020204030204" pitchFamily="49" charset="0"/>
-                <a:cs typeface="Consolas" panose="020B0609020204030204" pitchFamily="49" charset="0"/>
-              </a:rPr>
-              <a:t>InterruptedException</a:t>
-            </a:r>
-            <a:r>
-              <a:rPr lang="en-US" altLang="en-US" sz="1000">
-                <a:latin typeface="Consolas" panose="020B0609020204030204" pitchFamily="49" charset="0"/>
-                <a:cs typeface="Consolas" panose="020B0609020204030204" pitchFamily="49" charset="0"/>
-              </a:rPr>
-              <a:t> e ) { } </a:t>
-            </a:r>
-          </a:p>
-          <a:p>
-            <a:pPr lvl="0" eaLnBrk="0" hangingPunct="0"/>
-            <a:r>
-              <a:rPr lang="en-US" altLang="en-US" sz="1000">
-                <a:latin typeface="Consolas" panose="020B0609020204030204" pitchFamily="49" charset="0"/>
-                <a:cs typeface="Consolas" panose="020B0609020204030204" pitchFamily="49" charset="0"/>
-              </a:rPr>
-              <a:t>    String message = (String)</a:t>
-            </a:r>
-            <a:r>
-              <a:rPr lang="en-US" altLang="en-US" sz="1000" err="1">
-                <a:latin typeface="Consolas" panose="020B0609020204030204" pitchFamily="49" charset="0"/>
-                <a:cs typeface="Consolas" panose="020B0609020204030204" pitchFamily="49" charset="0"/>
-              </a:rPr>
-              <a:t>messages.remove</a:t>
-            </a:r>
-            <a:r>
-              <a:rPr lang="en-US" altLang="en-US" sz="1000">
-                <a:latin typeface="Consolas" panose="020B0609020204030204" pitchFamily="49" charset="0"/>
-                <a:cs typeface="Consolas" panose="020B0609020204030204" pitchFamily="49" charset="0"/>
-              </a:rPr>
-              <a:t>(0); </a:t>
-            </a:r>
-          </a:p>
-          <a:p>
-            <a:pPr lvl="0" eaLnBrk="0" hangingPunct="0"/>
-            <a:r>
-              <a:rPr lang="en-US" altLang="en-US" sz="1000">
-                <a:latin typeface="Consolas" panose="020B0609020204030204" pitchFamily="49" charset="0"/>
-                <a:cs typeface="Consolas" panose="020B0609020204030204" pitchFamily="49" charset="0"/>
-              </a:rPr>
-              <a:t>    </a:t>
-            </a:r>
-            <a:r>
-              <a:rPr lang="en-US" altLang="en-US" sz="1000" err="1">
-                <a:latin typeface="Consolas" panose="020B0609020204030204" pitchFamily="49" charset="0"/>
-                <a:cs typeface="Consolas" panose="020B0609020204030204" pitchFamily="49" charset="0"/>
-              </a:rPr>
-              <a:t>notifyAll</a:t>
-            </a:r>
-            <a:r>
-              <a:rPr lang="en-US" altLang="en-US" sz="1000">
-                <a:latin typeface="Consolas" panose="020B0609020204030204" pitchFamily="49" charset="0"/>
-                <a:cs typeface="Consolas" panose="020B0609020204030204" pitchFamily="49" charset="0"/>
-              </a:rPr>
-              <a:t>(); </a:t>
-            </a:r>
-          </a:p>
-          <a:p>
-            <a:pPr lvl="0" eaLnBrk="0" hangingPunct="0"/>
-            <a:r>
-              <a:rPr lang="en-US" altLang="en-US" sz="1000">
-                <a:latin typeface="Consolas" panose="020B0609020204030204" pitchFamily="49" charset="0"/>
-                <a:cs typeface="Consolas" panose="020B0609020204030204" pitchFamily="49" charset="0"/>
-              </a:rPr>
-              <a:t>    return message; </a:t>
-            </a:r>
-          </a:p>
-          <a:p>
-            <a:pPr lvl="0" eaLnBrk="0" hangingPunct="0"/>
-            <a:r>
-              <a:rPr lang="en-US" altLang="en-US" sz="1000">
-                <a:latin typeface="Consolas" panose="020B0609020204030204" pitchFamily="49" charset="0"/>
-                <a:cs typeface="Consolas" panose="020B0609020204030204" pitchFamily="49" charset="0"/>
-              </a:rPr>
-              <a:t>  } </a:t>
-            </a:r>
-          </a:p>
-          <a:p>
-            <a:pPr lvl="0" eaLnBrk="0" hangingPunct="0"/>
-            <a:r>
-              <a:rPr lang="en-US" altLang="en-US" sz="1000">
-                <a:latin typeface="Consolas" panose="020B0609020204030204" pitchFamily="49" charset="0"/>
-                <a:cs typeface="Consolas" panose="020B0609020204030204" pitchFamily="49" charset="0"/>
-              </a:rPr>
-              <a:t>}</a:t>
-            </a:r>
-            <a:r>
-              <a:rPr lang="en-US" altLang="en-US" sz="600">
-                <a:latin typeface="Consolas" panose="020B0609020204030204" pitchFamily="49" charset="0"/>
-                <a:cs typeface="Consolas" panose="020B0609020204030204" pitchFamily="49" charset="0"/>
-              </a:rPr>
-              <a:t> </a:t>
-            </a:r>
-            <a:endParaRPr lang="en-US" altLang="en-US">
-              <a:latin typeface="Consolas" panose="020B0609020204030204" pitchFamily="49" charset="0"/>
-              <a:cs typeface="Consolas" panose="020B0609020204030204" pitchFamily="49" charset="0"/>
-            </a:endParaRPr>
-          </a:p>
-        </p:txBody>
-      </p:sp>
-      <p:sp>
-        <p:nvSpPr>
-          <p:cNvPr id="12" name="Content Placeholder 3"/>
-          <p:cNvSpPr>
-            <a:spLocks noGrp="1"/>
-          </p:cNvSpPr>
-          <p:nvPr>
-            <p:ph sz="quarter" idx="13"/>
-          </p:nvPr>
-        </p:nvSpPr>
-        <p:spPr>
-          <a:xfrm>
-            <a:off x="0" y="4495800"/>
-            <a:ext cx="9144000" cy="1845708"/>
-          </a:xfrm>
-        </p:spPr>
-        <p:txBody>
-          <a:bodyPr/>
-          <a:lstStyle/>
-          <a:p>
-            <a:pPr lvl="3">
-              <a:buFontTx/>
-              <a:buChar char="-"/>
-            </a:pPr>
-            <a:r>
-              <a:rPr lang="en-US"/>
-              <a:t>Producer and Consumers run in independent threads</a:t>
-            </a:r>
-          </a:p>
-          <a:p>
-            <a:pPr lvl="3">
-              <a:buFontTx/>
-              <a:buChar char="-"/>
-            </a:pPr>
-            <a:r>
-              <a:rPr lang="en-US"/>
-              <a:t>Messages are stored in a List object, owned by the Producer</a:t>
-            </a:r>
-          </a:p>
-          <a:p>
-            <a:pPr lvl="4">
-              <a:buFontTx/>
-              <a:buChar char="-"/>
-            </a:pPr>
-            <a:r>
-              <a:rPr lang="en-US"/>
-              <a:t>to access the List, consumer uses </a:t>
-            </a:r>
-            <a:r>
-              <a:rPr lang="en-US" err="1"/>
-              <a:t>getMessage</a:t>
-            </a:r>
-            <a:r>
-              <a:rPr lang="en-US"/>
-              <a:t>() and producer uses </a:t>
-            </a:r>
-            <a:r>
-              <a:rPr lang="en-US" err="1"/>
-              <a:t>putMessage</a:t>
-            </a:r>
-            <a:r>
-              <a:rPr lang="en-US"/>
-              <a:t>()</a:t>
-            </a:r>
-          </a:p>
-          <a:p>
-            <a:pPr lvl="4">
-              <a:buFontTx/>
-              <a:buChar char="-"/>
-            </a:pPr>
-            <a:r>
-              <a:rPr lang="en-US"/>
-              <a:t>access to List is protected by requiring a lock on the Producer object </a:t>
-            </a:r>
-          </a:p>
-          <a:p>
-            <a:pPr lvl="4">
-              <a:buFontTx/>
-              <a:buChar char="-"/>
-            </a:pPr>
-            <a:r>
-              <a:rPr lang="en-US"/>
-              <a:t>the synchronized keyword on Producer methods ensures this</a:t>
-            </a:r>
-          </a:p>
-          <a:p>
-            <a:pPr lvl="4">
-              <a:buFontTx/>
-              <a:buChar char="-"/>
-            </a:pPr>
-            <a:r>
-              <a:rPr lang="en-US"/>
-              <a:t>Or: add </a:t>
-            </a:r>
-            <a:r>
-              <a:rPr lang="en-US" err="1"/>
-              <a:t>getMessage</a:t>
-            </a:r>
-            <a:r>
-              <a:rPr lang="en-US"/>
-              <a:t>() to Consumer, and use a </a:t>
-            </a:r>
-            <a:r>
-              <a:rPr lang="en-US" i="1"/>
-              <a:t>synchronized </a:t>
-            </a:r>
-            <a:r>
-              <a:rPr lang="en-US"/>
-              <a:t>block to explicitly lock on the Producer object</a:t>
-            </a:r>
-          </a:p>
-          <a:p>
-            <a:pPr lvl="4">
-              <a:buFontTx/>
-              <a:buChar char="-"/>
-            </a:pPr>
-            <a:r>
-              <a:rPr lang="en-US"/>
-              <a:t>locking on the Producer allows multiple Consumer objects to feed from the same Producer</a:t>
-            </a:r>
-          </a:p>
-          <a:p>
-            <a:pPr lvl="3">
-              <a:buFontTx/>
-              <a:buChar char="-"/>
-            </a:pPr>
-            <a:endParaRPr lang="en-US"/>
-          </a:p>
-          <a:p>
-            <a:pPr lvl="3">
-              <a:buFontTx/>
-              <a:buChar char="-"/>
-            </a:pPr>
-            <a:endParaRPr lang="en-US"/>
+            <a:r>
+              <a:rPr lang="en-US" sz="1400">
+                <a:solidFill>
+                  <a:srgbClr val="C00000"/>
+                </a:solidFill>
+                <a:latin typeface="Consolas" panose="020B0609020204030204" pitchFamily="49" charset="0"/>
+                <a:cs typeface="Consolas" panose="020B0609020204030204" pitchFamily="49" charset="0"/>
+              </a:rPr>
+              <a:t>while(condition != true) </a:t>
+            </a:r>
+          </a:p>
+          <a:p>
+            <a:r>
+              <a:rPr lang="en-US" sz="1400">
+                <a:solidFill>
+                  <a:srgbClr val="C00000"/>
+                </a:solidFill>
+                <a:latin typeface="Consolas" panose="020B0609020204030204" pitchFamily="49" charset="0"/>
+                <a:cs typeface="Consolas" panose="020B0609020204030204" pitchFamily="49" charset="0"/>
+              </a:rPr>
+              <a:t>  wait();</a:t>
+            </a:r>
           </a:p>
         </p:txBody>
       </p:sp>
     </p:spTree>
     <p:extLst>
       <p:ext uri="{BB962C8B-B14F-4D97-AF65-F5344CB8AC3E}">
-        <p14:creationId xmlns:p14="http://schemas.microsoft.com/office/powerpoint/2010/main" val="1539436330"/>
+        <p14:creationId xmlns:p14="http://schemas.microsoft.com/office/powerpoint/2010/main" val="2807278306"/>
       </p:ext>
     </p:extLst>
   </p:cSld>
@@ -12195,7 +11183,7 @@
         </p:nvSpPr>
         <p:spPr>
           <a:xfrm>
-            <a:off x="0" y="4555092"/>
+            <a:off x="0" y="4495800"/>
             <a:ext cx="9144000" cy="1845708"/>
           </a:xfrm>
         </p:spPr>
@@ -12208,12 +11196,18 @@
               <a:buChar char="-"/>
             </a:pPr>
             <a:r>
-              <a:rPr lang="en-US" err="1"/>
-              <a:t>getMessage</a:t>
-            </a:r>
-            <a:r>
-              <a:rPr lang="en-US"/>
-              <a:t>() is called by a Consumer</a:t>
+              <a:rPr lang="en-US"/>
+              <a:t>Producer and Consumers run in independent threads</a:t>
+            </a:r>
+          </a:p>
+          <a:p>
+            <a:pPr lvl="3">
+              <a:buFontTx/>
+              <a:buChar char="-"/>
+            </a:pPr>
+            <a:r>
+              <a:rPr lang="en-US"/>
+              <a:t>Messages are stored in a List object, owned by the Producer</a:t>
             </a:r>
           </a:p>
           <a:p>
@@ -12223,7 +11217,23 @@
             </a:pPr>
             <a:r>
               <a:rPr lang="en-US"/>
-              <a:t>waits until it can acquire a lock on the Producer instance</a:t>
+              <a:t>to access the List, consumer uses </a:t>
+            </a:r>
+            <a:r>
+              <a:rPr lang="en-US" err="1"/>
+              <a:t>getMessage</a:t>
+            </a:r>
+            <a:r>
+              <a:rPr lang="en-US"/>
+              <a:t>() and producer uses </a:t>
+            </a:r>
+            <a:r>
+              <a:rPr lang="en-US" err="1"/>
+              <a:t>putMessage</a:t>
+            </a:r>
+            <a:r>
+              <a:rPr lang="en-US"/>
+              <a:t>()</a:t>
             </a:r>
           </a:p>
           <a:p>
@@ -12233,7 +11243,7 @@
             </a:pPr>
             <a:r>
               <a:rPr lang="en-US"/>
-              <a:t>if queue is not empty, it retrieves it from the List and notifies the Producer waiting on a full queue</a:t>
+              <a:t>access to List is protected by requiring a lock on the Producer object </a:t>
             </a:r>
           </a:p>
           <a:p>
@@ -12243,35 +11253,7 @@
             </a:pPr>
             <a:r>
               <a:rPr lang="en-US"/>
-              <a:t>if queue is empty, </a:t>
-            </a:r>
-          </a:p>
-          <a:p>
-            <a:pPr lvl="5">
-              <a:buFontTx/>
-              <a:buChar char="-"/>
-            </a:pPr>
-            <a:r>
-              <a:rPr lang="en-US" sz="1200"/>
-              <a:t>notify any waiting Producer that the queue has capacity to take on new messages</a:t>
-            </a:r>
-          </a:p>
-          <a:p>
-            <a:pPr lvl="5">
-              <a:buFontTx/>
-              <a:buChar char="-"/>
-            </a:pPr>
-            <a:r>
-              <a:rPr lang="en-US" sz="1200"/>
-              <a:t>wait() on the Producer to </a:t>
-            </a:r>
-            <a:r>
-              <a:rPr lang="en-US" sz="1200" err="1"/>
-              <a:t>notifyAll</a:t>
-            </a:r>
-            <a:r>
-              <a:rPr lang="en-US" sz="1200"/>
-              <a:t>() waiting consumers when a message arrives</a:t>
+              <a:t>the synchronized keyword on Producer methods ensures this</a:t>
             </a:r>
           </a:p>
           <a:p>
@@ -12281,15 +11263,55 @@
             </a:pPr>
             <a:r>
               <a:rPr lang="en-US"/>
-              <a:t>on waking up, check if it was woken up for the right reason and go back to wait() if condition not met</a:t>
-            </a:r>
+              <a:t>Or: add </a:t>
+            </a:r>
+            <a:r>
+              <a:rPr lang="en-US" err="1"/>
+              <a:t>getMessage</a:t>
+            </a:r>
+            <a:r>
+              <a:rPr lang="en-US"/>
+              <a:t>() to Consumer, and use a </a:t>
+            </a:r>
+            <a:r>
+              <a:rPr lang="en-US" i="1"/>
+              <a:t>synchronized </a:t>
+            </a:r>
+            <a:r>
+              <a:rPr lang="en-US"/>
+              <a:t>block to explicitly lock on the Producer object</a:t>
+            </a:r>
+          </a:p>
+          <a:p>
+            <a:pPr lvl="4">
+              <a:buFontTx/>
+              <a:buChar char="-"/>
+            </a:pPr>
+            <a:r>
+              <a:rPr lang="en-US"/>
+              <a:t>locking on the Producer allows multiple Consumer objects to feed from the same Producer</a:t>
+            </a:r>
+          </a:p>
+          <a:p>
+            <a:pPr lvl="3">
+              <a:buFontTx/>
+              <a:buChar char="-"/>
+            </a:pPr>
+            <a:endParaRPr lang="en-US"/>
+          </a:p>
+          <a:p>
+            <a:pPr lvl="3">
+              <a:buFontTx/>
+              <a:buChar char="-"/>
+            </a:pPr>
+            <a:endParaRPr lang="en-US"/>
           </a:p>
         </p:txBody>
       </p:sp>
     </p:spTree>
     <p:extLst>
       <p:ext uri="{BB962C8B-B14F-4D97-AF65-F5344CB8AC3E}">
-        <p14:creationId xmlns:p14="http://schemas.microsoft.com/office/powerpoint/2010/main" val="3667825300"/>
+        <p14:creationId xmlns:p14="http://schemas.microsoft.com/office/powerpoint/2010/main" val="1539436330"/>
       </p:ext>
     </p:extLst>
   </p:cSld>
@@ -12360,6 +11382,1257 @@
                 <a:defRPr/>
               </a:pPr>
               <a:t>37</a:t>
+            </a:fld>
+            <a:endParaRPr lang="en-US"/>
+          </a:p>
+        </p:txBody>
+      </p:sp>
+      <p:sp>
+        <p:nvSpPr>
+          <p:cNvPr id="5" name="TextBox 4"/>
+          <p:cNvSpPr txBox="1"/>
+          <p:nvPr/>
+        </p:nvSpPr>
+        <p:spPr>
+          <a:xfrm>
+            <a:off x="-1" y="-1"/>
+            <a:ext cx="4953001" cy="4555093"/>
+          </a:xfrm>
+          <a:prstGeom prst="rect">
+            <a:avLst/>
+          </a:prstGeom>
+          <a:solidFill>
+            <a:schemeClr val="bg2"/>
+          </a:solidFill>
+        </p:spPr>
+        <p:txBody>
+          <a:bodyPr wrap="square" rtlCol="0">
+            <a:spAutoFit/>
+          </a:bodyPr>
+          <a:lstStyle/>
+          <a:p>
+            <a:pPr lvl="0"/>
+            <a:r>
+              <a:rPr lang="en-US" altLang="en-US" sz="1000">
+                <a:latin typeface="Consolas" panose="020B0609020204030204" pitchFamily="49" charset="0"/>
+                <a:cs typeface="Consolas" panose="020B0609020204030204" pitchFamily="49" charset="0"/>
+              </a:rPr>
+              <a:t>public class </a:t>
+            </a:r>
+            <a:r>
+              <a:rPr lang="en-US" altLang="en-US" sz="1000" err="1">
+                <a:latin typeface="Consolas" panose="020B0609020204030204" pitchFamily="49" charset="0"/>
+                <a:cs typeface="Consolas" panose="020B0609020204030204" pitchFamily="49" charset="0"/>
+              </a:rPr>
+              <a:t>NamedConsumer</a:t>
+            </a:r>
+            <a:r>
+              <a:rPr lang="en-US" altLang="en-US" sz="1000">
+                <a:latin typeface="Consolas" panose="020B0609020204030204" pitchFamily="49" charset="0"/>
+                <a:cs typeface="Consolas" panose="020B0609020204030204" pitchFamily="49" charset="0"/>
+              </a:rPr>
+              <a:t> implements Runnable { </a:t>
+            </a:r>
+          </a:p>
+          <a:p>
+            <a:pPr lvl="0"/>
+            <a:r>
+              <a:rPr lang="en-US" altLang="en-US" sz="1000">
+                <a:latin typeface="Consolas" panose="020B0609020204030204" pitchFamily="49" charset="0"/>
+                <a:cs typeface="Consolas" panose="020B0609020204030204" pitchFamily="49" charset="0"/>
+              </a:rPr>
+              <a:t>  Producer </a:t>
+            </a:r>
+            <a:r>
+              <a:rPr lang="en-US" altLang="en-US" sz="1000" err="1">
+                <a:latin typeface="Consolas" panose="020B0609020204030204" pitchFamily="49" charset="0"/>
+                <a:cs typeface="Consolas" panose="020B0609020204030204" pitchFamily="49" charset="0"/>
+              </a:rPr>
+              <a:t>producer</a:t>
+            </a:r>
+            <a:r>
+              <a:rPr lang="en-US" altLang="en-US" sz="1000">
+                <a:latin typeface="Consolas" panose="020B0609020204030204" pitchFamily="49" charset="0"/>
+                <a:cs typeface="Consolas" panose="020B0609020204030204" pitchFamily="49" charset="0"/>
+              </a:rPr>
+              <a:t>; </a:t>
+            </a:r>
+          </a:p>
+          <a:p>
+            <a:pPr lvl="0"/>
+            <a:r>
+              <a:rPr lang="en-US" altLang="en-US" sz="1000">
+                <a:latin typeface="Consolas" panose="020B0609020204030204" pitchFamily="49" charset="0"/>
+                <a:cs typeface="Consolas" panose="020B0609020204030204" pitchFamily="49" charset="0"/>
+              </a:rPr>
+              <a:t>  String name; </a:t>
+            </a:r>
+          </a:p>
+          <a:p>
+            <a:pPr lvl="0"/>
+            <a:r>
+              <a:rPr lang="en-US" altLang="en-US" sz="1000">
+                <a:latin typeface="Consolas" panose="020B0609020204030204" pitchFamily="49" charset="0"/>
+                <a:cs typeface="Consolas" panose="020B0609020204030204" pitchFamily="49" charset="0"/>
+              </a:rPr>
+              <a:t>  </a:t>
+            </a:r>
+            <a:r>
+              <a:rPr lang="en-US" altLang="en-US" sz="1000" err="1">
+                <a:latin typeface="Consolas" panose="020B0609020204030204" pitchFamily="49" charset="0"/>
+                <a:cs typeface="Consolas" panose="020B0609020204030204" pitchFamily="49" charset="0"/>
+              </a:rPr>
+              <a:t>NamedConsumer</a:t>
+            </a:r>
+            <a:r>
+              <a:rPr lang="en-US" altLang="en-US" sz="1000">
+                <a:latin typeface="Consolas" panose="020B0609020204030204" pitchFamily="49" charset="0"/>
+                <a:cs typeface="Consolas" panose="020B0609020204030204" pitchFamily="49" charset="0"/>
+              </a:rPr>
+              <a:t>(String name, Producer producer) { </a:t>
+            </a:r>
+          </a:p>
+          <a:p>
+            <a:pPr lvl="0"/>
+            <a:r>
+              <a:rPr lang="en-US" altLang="en-US" sz="1000">
+                <a:latin typeface="Consolas" panose="020B0609020204030204" pitchFamily="49" charset="0"/>
+                <a:cs typeface="Consolas" panose="020B0609020204030204" pitchFamily="49" charset="0"/>
+              </a:rPr>
+              <a:t>    </a:t>
+            </a:r>
+            <a:r>
+              <a:rPr lang="en-US" altLang="en-US" sz="1000" err="1">
+                <a:latin typeface="Consolas" panose="020B0609020204030204" pitchFamily="49" charset="0"/>
+                <a:cs typeface="Consolas" panose="020B0609020204030204" pitchFamily="49" charset="0"/>
+              </a:rPr>
+              <a:t>this.producer</a:t>
+            </a:r>
+            <a:r>
+              <a:rPr lang="en-US" altLang="en-US" sz="1000">
+                <a:latin typeface="Consolas" panose="020B0609020204030204" pitchFamily="49" charset="0"/>
+                <a:cs typeface="Consolas" panose="020B0609020204030204" pitchFamily="49" charset="0"/>
+              </a:rPr>
+              <a:t> = producer; </a:t>
+            </a:r>
+          </a:p>
+          <a:p>
+            <a:pPr lvl="0"/>
+            <a:r>
+              <a:rPr lang="en-US" altLang="en-US" sz="1000">
+                <a:latin typeface="Consolas" panose="020B0609020204030204" pitchFamily="49" charset="0"/>
+                <a:cs typeface="Consolas" panose="020B0609020204030204" pitchFamily="49" charset="0"/>
+              </a:rPr>
+              <a:t>    this.name = name; </a:t>
+            </a:r>
+          </a:p>
+          <a:p>
+            <a:pPr lvl="0"/>
+            <a:r>
+              <a:rPr lang="en-US" altLang="en-US" sz="1000">
+                <a:latin typeface="Consolas" panose="020B0609020204030204" pitchFamily="49" charset="0"/>
+                <a:cs typeface="Consolas" panose="020B0609020204030204" pitchFamily="49" charset="0"/>
+              </a:rPr>
+              <a:t>  } </a:t>
+            </a:r>
+          </a:p>
+          <a:p>
+            <a:pPr lvl="0"/>
+            <a:r>
+              <a:rPr lang="en-US" altLang="en-US" sz="1000">
+                <a:latin typeface="Consolas" panose="020B0609020204030204" pitchFamily="49" charset="0"/>
+                <a:cs typeface="Consolas" panose="020B0609020204030204" pitchFamily="49" charset="0"/>
+              </a:rPr>
+              <a:t>  public void run() { </a:t>
+            </a:r>
+          </a:p>
+          <a:p>
+            <a:pPr lvl="0"/>
+            <a:r>
+              <a:rPr lang="en-US" altLang="en-US" sz="1000">
+                <a:latin typeface="Consolas" panose="020B0609020204030204" pitchFamily="49" charset="0"/>
+                <a:cs typeface="Consolas" panose="020B0609020204030204" pitchFamily="49" charset="0"/>
+              </a:rPr>
+              <a:t>    while ( true ) { </a:t>
+            </a:r>
+          </a:p>
+          <a:p>
+            <a:pPr lvl="0"/>
+            <a:r>
+              <a:rPr lang="en-US" altLang="en-US" sz="1000">
+                <a:latin typeface="Consolas" panose="020B0609020204030204" pitchFamily="49" charset="0"/>
+                <a:cs typeface="Consolas" panose="020B0609020204030204" pitchFamily="49" charset="0"/>
+              </a:rPr>
+              <a:t>      String message = </a:t>
+            </a:r>
+            <a:r>
+              <a:rPr lang="en-US" altLang="en-US" sz="1000" err="1">
+                <a:latin typeface="Consolas" panose="020B0609020204030204" pitchFamily="49" charset="0"/>
+                <a:cs typeface="Consolas" panose="020B0609020204030204" pitchFamily="49" charset="0"/>
+              </a:rPr>
+              <a:t>producer.getMessage</a:t>
+            </a:r>
+            <a:r>
+              <a:rPr lang="en-US" altLang="en-US" sz="1000">
+                <a:latin typeface="Consolas" panose="020B0609020204030204" pitchFamily="49" charset="0"/>
+                <a:cs typeface="Consolas" panose="020B0609020204030204" pitchFamily="49" charset="0"/>
+              </a:rPr>
+              <a:t>(); </a:t>
+            </a:r>
+          </a:p>
+          <a:p>
+            <a:pPr lvl="0"/>
+            <a:r>
+              <a:rPr lang="en-US" altLang="en-US" sz="1000">
+                <a:latin typeface="Consolas" panose="020B0609020204030204" pitchFamily="49" charset="0"/>
+                <a:cs typeface="Consolas" panose="020B0609020204030204" pitchFamily="49" charset="0"/>
+              </a:rPr>
+              <a:t>      </a:t>
+            </a:r>
+            <a:r>
+              <a:rPr lang="en-US" altLang="en-US" sz="1000" err="1">
+                <a:latin typeface="Consolas" panose="020B0609020204030204" pitchFamily="49" charset="0"/>
+                <a:cs typeface="Consolas" panose="020B0609020204030204" pitchFamily="49" charset="0"/>
+              </a:rPr>
+              <a:t>System.out.println</a:t>
+            </a:r>
+            <a:r>
+              <a:rPr lang="en-US" altLang="en-US" sz="1000">
+                <a:latin typeface="Consolas" panose="020B0609020204030204" pitchFamily="49" charset="0"/>
+                <a:cs typeface="Consolas" panose="020B0609020204030204" pitchFamily="49" charset="0"/>
+              </a:rPr>
+              <a:t>(name + " got message: " + message); </a:t>
+            </a:r>
+          </a:p>
+          <a:p>
+            <a:pPr lvl="0"/>
+            <a:r>
+              <a:rPr lang="en-US" altLang="en-US" sz="1000">
+                <a:latin typeface="Consolas" panose="020B0609020204030204" pitchFamily="49" charset="0"/>
+                <a:cs typeface="Consolas" panose="020B0609020204030204" pitchFamily="49" charset="0"/>
+              </a:rPr>
+              <a:t>      try { </a:t>
+            </a:r>
+            <a:r>
+              <a:rPr lang="en-US" altLang="en-US" sz="1000" err="1">
+                <a:latin typeface="Consolas" panose="020B0609020204030204" pitchFamily="49" charset="0"/>
+                <a:cs typeface="Consolas" panose="020B0609020204030204" pitchFamily="49" charset="0"/>
+              </a:rPr>
+              <a:t>Thread.sleep</a:t>
+            </a:r>
+            <a:r>
+              <a:rPr lang="en-US" altLang="en-US" sz="1000">
+                <a:latin typeface="Consolas" panose="020B0609020204030204" pitchFamily="49" charset="0"/>
+                <a:cs typeface="Consolas" panose="020B0609020204030204" pitchFamily="49" charset="0"/>
+              </a:rPr>
+              <a:t>( 2000 ); } </a:t>
+            </a:r>
+          </a:p>
+          <a:p>
+            <a:pPr lvl="0"/>
+            <a:r>
+              <a:rPr lang="en-US" altLang="en-US" sz="1000">
+                <a:latin typeface="Consolas" panose="020B0609020204030204" pitchFamily="49" charset="0"/>
+                <a:cs typeface="Consolas" panose="020B0609020204030204" pitchFamily="49" charset="0"/>
+              </a:rPr>
+              <a:t>      catch ( </a:t>
+            </a:r>
+            <a:r>
+              <a:rPr lang="en-US" altLang="en-US" sz="1000" err="1">
+                <a:latin typeface="Consolas" panose="020B0609020204030204" pitchFamily="49" charset="0"/>
+                <a:cs typeface="Consolas" panose="020B0609020204030204" pitchFamily="49" charset="0"/>
+              </a:rPr>
+              <a:t>InterruptedException</a:t>
+            </a:r>
+            <a:r>
+              <a:rPr lang="en-US" altLang="en-US" sz="1000">
+                <a:latin typeface="Consolas" panose="020B0609020204030204" pitchFamily="49" charset="0"/>
+                <a:cs typeface="Consolas" panose="020B0609020204030204" pitchFamily="49" charset="0"/>
+              </a:rPr>
+              <a:t> e ) { } </a:t>
+            </a:r>
+          </a:p>
+          <a:p>
+            <a:pPr lvl="0"/>
+            <a:r>
+              <a:rPr lang="en-US" altLang="en-US" sz="1000">
+                <a:latin typeface="Consolas" panose="020B0609020204030204" pitchFamily="49" charset="0"/>
+                <a:cs typeface="Consolas" panose="020B0609020204030204" pitchFamily="49" charset="0"/>
+              </a:rPr>
+              <a:t>    } </a:t>
+            </a:r>
+          </a:p>
+          <a:p>
+            <a:pPr lvl="0"/>
+            <a:r>
+              <a:rPr lang="en-US" altLang="en-US" sz="1000">
+                <a:latin typeface="Consolas" panose="020B0609020204030204" pitchFamily="49" charset="0"/>
+                <a:cs typeface="Consolas" panose="020B0609020204030204" pitchFamily="49" charset="0"/>
+              </a:rPr>
+              <a:t>  } </a:t>
+            </a:r>
+          </a:p>
+          <a:p>
+            <a:pPr lvl="0"/>
+            <a:endParaRPr lang="en-US" altLang="en-US" sz="1000">
+              <a:latin typeface="Consolas" panose="020B0609020204030204" pitchFamily="49" charset="0"/>
+              <a:cs typeface="Consolas" panose="020B0609020204030204" pitchFamily="49" charset="0"/>
+            </a:endParaRPr>
+          </a:p>
+          <a:p>
+            <a:pPr lvl="0"/>
+            <a:r>
+              <a:rPr lang="en-US" altLang="en-US" sz="1000">
+                <a:latin typeface="Consolas" panose="020B0609020204030204" pitchFamily="49" charset="0"/>
+                <a:cs typeface="Consolas" panose="020B0609020204030204" pitchFamily="49" charset="0"/>
+              </a:rPr>
+              <a:t>  public static void main(String </a:t>
+            </a:r>
+            <a:r>
+              <a:rPr lang="en-US" altLang="en-US" sz="1000" err="1">
+                <a:latin typeface="Consolas" panose="020B0609020204030204" pitchFamily="49" charset="0"/>
+                <a:cs typeface="Consolas" panose="020B0609020204030204" pitchFamily="49" charset="0"/>
+              </a:rPr>
+              <a:t>args</a:t>
+            </a:r>
+            <a:r>
+              <a:rPr lang="en-US" altLang="en-US" sz="1000">
+                <a:latin typeface="Consolas" panose="020B0609020204030204" pitchFamily="49" charset="0"/>
+                <a:cs typeface="Consolas" panose="020B0609020204030204" pitchFamily="49" charset="0"/>
+              </a:rPr>
+              <a:t>[]) { </a:t>
+            </a:r>
+          </a:p>
+          <a:p>
+            <a:pPr lvl="0"/>
+            <a:r>
+              <a:rPr lang="en-US" altLang="en-US" sz="1000">
+                <a:latin typeface="Consolas" panose="020B0609020204030204" pitchFamily="49" charset="0"/>
+                <a:cs typeface="Consolas" panose="020B0609020204030204" pitchFamily="49" charset="0"/>
+              </a:rPr>
+              <a:t>    Producer </a:t>
+            </a:r>
+            <a:r>
+              <a:rPr lang="en-US" altLang="en-US" sz="1000" err="1">
+                <a:latin typeface="Consolas" panose="020B0609020204030204" pitchFamily="49" charset="0"/>
+                <a:cs typeface="Consolas" panose="020B0609020204030204" pitchFamily="49" charset="0"/>
+              </a:rPr>
+              <a:t>producer</a:t>
+            </a:r>
+            <a:r>
+              <a:rPr lang="en-US" altLang="en-US" sz="1000">
+                <a:latin typeface="Consolas" panose="020B0609020204030204" pitchFamily="49" charset="0"/>
+                <a:cs typeface="Consolas" panose="020B0609020204030204" pitchFamily="49" charset="0"/>
+              </a:rPr>
+              <a:t> = new Producer(); </a:t>
+            </a:r>
+          </a:p>
+          <a:p>
+            <a:pPr lvl="0"/>
+            <a:r>
+              <a:rPr lang="en-US" altLang="en-US" sz="1000">
+                <a:latin typeface="Consolas" panose="020B0609020204030204" pitchFamily="49" charset="0"/>
+                <a:cs typeface="Consolas" panose="020B0609020204030204" pitchFamily="49" charset="0"/>
+              </a:rPr>
+              <a:t>    new Thread( producer ).start(); </a:t>
+            </a:r>
+          </a:p>
+          <a:p>
+            <a:pPr lvl="0"/>
+            <a:endParaRPr lang="en-US" altLang="en-US" sz="1000">
+              <a:latin typeface="Consolas" panose="020B0609020204030204" pitchFamily="49" charset="0"/>
+              <a:cs typeface="Consolas" panose="020B0609020204030204" pitchFamily="49" charset="0"/>
+            </a:endParaRPr>
+          </a:p>
+          <a:p>
+            <a:pPr lvl="0"/>
+            <a:r>
+              <a:rPr lang="en-US" altLang="en-US" sz="1000">
+                <a:latin typeface="Consolas" panose="020B0609020204030204" pitchFamily="49" charset="0"/>
+                <a:cs typeface="Consolas" panose="020B0609020204030204" pitchFamily="49" charset="0"/>
+              </a:rPr>
+              <a:t>    </a:t>
+            </a:r>
+            <a:r>
+              <a:rPr lang="en-US" altLang="en-US" sz="1000" err="1">
+                <a:latin typeface="Consolas" panose="020B0609020204030204" pitchFamily="49" charset="0"/>
+                <a:cs typeface="Consolas" panose="020B0609020204030204" pitchFamily="49" charset="0"/>
+              </a:rPr>
+              <a:t>NamedConsumer</a:t>
+            </a:r>
+            <a:r>
+              <a:rPr lang="en-US" altLang="en-US" sz="1000">
+                <a:latin typeface="Consolas" panose="020B0609020204030204" pitchFamily="49" charset="0"/>
+                <a:cs typeface="Consolas" panose="020B0609020204030204" pitchFamily="49" charset="0"/>
+              </a:rPr>
+              <a:t> consumer=new </a:t>
+            </a:r>
+            <a:r>
+              <a:rPr lang="en-US" altLang="en-US" sz="1000" err="1">
+                <a:latin typeface="Consolas" panose="020B0609020204030204" pitchFamily="49" charset="0"/>
+                <a:cs typeface="Consolas" panose="020B0609020204030204" pitchFamily="49" charset="0"/>
+              </a:rPr>
+              <a:t>NamedConsumer</a:t>
+            </a:r>
+            <a:r>
+              <a:rPr lang="en-US" altLang="en-US" sz="1000">
+                <a:latin typeface="Consolas" panose="020B0609020204030204" pitchFamily="49" charset="0"/>
+                <a:cs typeface="Consolas" panose="020B0609020204030204" pitchFamily="49" charset="0"/>
+              </a:rPr>
+              <a:t>("</a:t>
+            </a:r>
+            <a:r>
+              <a:rPr lang="en-US" altLang="en-US" sz="1000" err="1">
+                <a:latin typeface="Consolas" panose="020B0609020204030204" pitchFamily="49" charset="0"/>
+                <a:cs typeface="Consolas" panose="020B0609020204030204" pitchFamily="49" charset="0"/>
+              </a:rPr>
+              <a:t>One",producer</a:t>
+            </a:r>
+            <a:r>
+              <a:rPr lang="en-US" altLang="en-US" sz="1000">
+                <a:latin typeface="Consolas" panose="020B0609020204030204" pitchFamily="49" charset="0"/>
+                <a:cs typeface="Consolas" panose="020B0609020204030204" pitchFamily="49" charset="0"/>
+              </a:rPr>
+              <a:t>); </a:t>
+            </a:r>
+          </a:p>
+          <a:p>
+            <a:pPr lvl="0"/>
+            <a:r>
+              <a:rPr lang="en-US" altLang="en-US" sz="1000">
+                <a:latin typeface="Consolas" panose="020B0609020204030204" pitchFamily="49" charset="0"/>
+                <a:cs typeface="Consolas" panose="020B0609020204030204" pitchFamily="49" charset="0"/>
+              </a:rPr>
+              <a:t>    new Thread( consumer ).start(); </a:t>
+            </a:r>
+          </a:p>
+          <a:p>
+            <a:pPr lvl="0"/>
+            <a:endParaRPr lang="en-US" altLang="en-US" sz="1000">
+              <a:latin typeface="Consolas" panose="020B0609020204030204" pitchFamily="49" charset="0"/>
+              <a:cs typeface="Consolas" panose="020B0609020204030204" pitchFamily="49" charset="0"/>
+            </a:endParaRPr>
+          </a:p>
+          <a:p>
+            <a:pPr lvl="0"/>
+            <a:r>
+              <a:rPr lang="en-US" altLang="en-US" sz="1000">
+                <a:latin typeface="Consolas" panose="020B0609020204030204" pitchFamily="49" charset="0"/>
+                <a:cs typeface="Consolas" panose="020B0609020204030204" pitchFamily="49" charset="0"/>
+              </a:rPr>
+              <a:t>    consumer = new </a:t>
+            </a:r>
+            <a:r>
+              <a:rPr lang="en-US" altLang="en-US" sz="1000" err="1">
+                <a:latin typeface="Consolas" panose="020B0609020204030204" pitchFamily="49" charset="0"/>
+                <a:cs typeface="Consolas" panose="020B0609020204030204" pitchFamily="49" charset="0"/>
+              </a:rPr>
+              <a:t>NamedConsumer</a:t>
+            </a:r>
+            <a:r>
+              <a:rPr lang="en-US" altLang="en-US" sz="1000">
+                <a:latin typeface="Consolas" panose="020B0609020204030204" pitchFamily="49" charset="0"/>
+                <a:cs typeface="Consolas" panose="020B0609020204030204" pitchFamily="49" charset="0"/>
+              </a:rPr>
+              <a:t>( "Two", producer ); </a:t>
+            </a:r>
+          </a:p>
+          <a:p>
+            <a:pPr lvl="0"/>
+            <a:r>
+              <a:rPr lang="en-US" altLang="en-US" sz="1000">
+                <a:latin typeface="Consolas" panose="020B0609020204030204" pitchFamily="49" charset="0"/>
+                <a:cs typeface="Consolas" panose="020B0609020204030204" pitchFamily="49" charset="0"/>
+              </a:rPr>
+              <a:t>    new Thread( consumer ).start(); </a:t>
+            </a:r>
+          </a:p>
+          <a:p>
+            <a:pPr lvl="0"/>
+            <a:r>
+              <a:rPr lang="en-US" altLang="en-US" sz="1000">
+                <a:latin typeface="Consolas" panose="020B0609020204030204" pitchFamily="49" charset="0"/>
+                <a:cs typeface="Consolas" panose="020B0609020204030204" pitchFamily="49" charset="0"/>
+              </a:rPr>
+              <a:t>  } </a:t>
+            </a:r>
+          </a:p>
+          <a:p>
+            <a:pPr lvl="0"/>
+            <a:r>
+              <a:rPr lang="en-US" altLang="en-US" sz="1000">
+                <a:latin typeface="Consolas" panose="020B0609020204030204" pitchFamily="49" charset="0"/>
+                <a:cs typeface="Consolas" panose="020B0609020204030204" pitchFamily="49" charset="0"/>
+              </a:rPr>
+              <a:t>} </a:t>
+            </a:r>
+          </a:p>
+          <a:p>
+            <a:endParaRPr lang="en-US" sz="1000">
+              <a:solidFill>
+                <a:srgbClr val="C00000"/>
+              </a:solidFill>
+              <a:latin typeface="Consolas" panose="020B0609020204030204" pitchFamily="49" charset="0"/>
+              <a:cs typeface="Consolas" panose="020B0609020204030204" pitchFamily="49" charset="0"/>
+            </a:endParaRPr>
+          </a:p>
+          <a:p>
+            <a:endParaRPr lang="en-US" sz="1000">
+              <a:solidFill>
+                <a:srgbClr val="C00000"/>
+              </a:solidFill>
+              <a:latin typeface="Consolas" panose="020B0609020204030204" pitchFamily="49" charset="0"/>
+              <a:cs typeface="Consolas" panose="020B0609020204030204" pitchFamily="49" charset="0"/>
+            </a:endParaRPr>
+          </a:p>
+        </p:txBody>
+      </p:sp>
+      <p:sp>
+        <p:nvSpPr>
+          <p:cNvPr id="11" name="TextBox 10"/>
+          <p:cNvSpPr txBox="1"/>
+          <p:nvPr/>
+        </p:nvSpPr>
+        <p:spPr>
+          <a:xfrm>
+            <a:off x="4953000" y="0"/>
+            <a:ext cx="4191000" cy="4555093"/>
+          </a:xfrm>
+          <a:prstGeom prst="rect">
+            <a:avLst/>
+          </a:prstGeom>
+          <a:solidFill>
+            <a:schemeClr val="bg2"/>
+          </a:solidFill>
+        </p:spPr>
+        <p:txBody>
+          <a:bodyPr wrap="square" rtlCol="0">
+            <a:spAutoFit/>
+          </a:bodyPr>
+          <a:lstStyle/>
+          <a:p>
+            <a:pPr lvl="0" eaLnBrk="0" hangingPunct="0"/>
+            <a:r>
+              <a:rPr lang="en-US" altLang="en-US" sz="1000">
+                <a:latin typeface="Consolas" panose="020B0609020204030204" pitchFamily="49" charset="0"/>
+                <a:cs typeface="Consolas" panose="020B0609020204030204" pitchFamily="49" charset="0"/>
+              </a:rPr>
+              <a:t>public class Producer implements Runnable { </a:t>
+            </a:r>
+          </a:p>
+          <a:p>
+            <a:pPr lvl="0" eaLnBrk="0" hangingPunct="0"/>
+            <a:r>
+              <a:rPr lang="en-US" altLang="en-US" sz="1000">
+                <a:latin typeface="Consolas" panose="020B0609020204030204" pitchFamily="49" charset="0"/>
+                <a:cs typeface="Consolas" panose="020B0609020204030204" pitchFamily="49" charset="0"/>
+              </a:rPr>
+              <a:t>  static final </a:t>
+            </a:r>
+            <a:r>
+              <a:rPr lang="en-US" altLang="en-US" sz="1000" err="1">
+                <a:latin typeface="Consolas" panose="020B0609020204030204" pitchFamily="49" charset="0"/>
+                <a:cs typeface="Consolas" panose="020B0609020204030204" pitchFamily="49" charset="0"/>
+              </a:rPr>
+              <a:t>int</a:t>
+            </a:r>
+            <a:r>
+              <a:rPr lang="en-US" altLang="en-US" sz="1000">
+                <a:latin typeface="Consolas" panose="020B0609020204030204" pitchFamily="49" charset="0"/>
+                <a:cs typeface="Consolas" panose="020B0609020204030204" pitchFamily="49" charset="0"/>
+              </a:rPr>
+              <a:t> MAXQUEUE = 5; </a:t>
+            </a:r>
+          </a:p>
+          <a:p>
+            <a:pPr lvl="0" eaLnBrk="0" hangingPunct="0"/>
+            <a:r>
+              <a:rPr lang="en-US" altLang="en-US" sz="1000">
+                <a:latin typeface="Consolas" panose="020B0609020204030204" pitchFamily="49" charset="0"/>
+                <a:cs typeface="Consolas" panose="020B0609020204030204" pitchFamily="49" charset="0"/>
+              </a:rPr>
+              <a:t>  private List messages = new </a:t>
+            </a:r>
+            <a:r>
+              <a:rPr lang="en-US" altLang="en-US" sz="1000" err="1">
+                <a:latin typeface="Consolas" panose="020B0609020204030204" pitchFamily="49" charset="0"/>
+                <a:cs typeface="Consolas" panose="020B0609020204030204" pitchFamily="49" charset="0"/>
+              </a:rPr>
+              <a:t>ArrayList</a:t>
+            </a:r>
+            <a:r>
+              <a:rPr lang="en-US" altLang="en-US" sz="1000">
+                <a:latin typeface="Consolas" panose="020B0609020204030204" pitchFamily="49" charset="0"/>
+                <a:cs typeface="Consolas" panose="020B0609020204030204" pitchFamily="49" charset="0"/>
+              </a:rPr>
+              <a:t>(); </a:t>
+            </a:r>
+          </a:p>
+          <a:p>
+            <a:pPr lvl="0" eaLnBrk="0" hangingPunct="0"/>
+            <a:endParaRPr lang="en-US" altLang="en-US" sz="1000">
+              <a:latin typeface="Consolas" panose="020B0609020204030204" pitchFamily="49" charset="0"/>
+              <a:cs typeface="Consolas" panose="020B0609020204030204" pitchFamily="49" charset="0"/>
+            </a:endParaRPr>
+          </a:p>
+          <a:p>
+            <a:pPr lvl="0" eaLnBrk="0" hangingPunct="0"/>
+            <a:r>
+              <a:rPr lang="en-US" altLang="en-US" sz="1000">
+                <a:latin typeface="Consolas" panose="020B0609020204030204" pitchFamily="49" charset="0"/>
+                <a:cs typeface="Consolas" panose="020B0609020204030204" pitchFamily="49" charset="0"/>
+              </a:rPr>
+              <a:t>  public void run() { </a:t>
+            </a:r>
+          </a:p>
+          <a:p>
+            <a:pPr lvl="0" eaLnBrk="0" hangingPunct="0"/>
+            <a:r>
+              <a:rPr lang="en-US" altLang="en-US" sz="1000">
+                <a:latin typeface="Consolas" panose="020B0609020204030204" pitchFamily="49" charset="0"/>
+                <a:cs typeface="Consolas" panose="020B0609020204030204" pitchFamily="49" charset="0"/>
+              </a:rPr>
+              <a:t>    while ( true ) { </a:t>
+            </a:r>
+          </a:p>
+          <a:p>
+            <a:pPr lvl="0" eaLnBrk="0" hangingPunct="0"/>
+            <a:r>
+              <a:rPr lang="en-US" altLang="en-US" sz="1000">
+                <a:latin typeface="Consolas" panose="020B0609020204030204" pitchFamily="49" charset="0"/>
+                <a:cs typeface="Consolas" panose="020B0609020204030204" pitchFamily="49" charset="0"/>
+              </a:rPr>
+              <a:t>      </a:t>
+            </a:r>
+            <a:r>
+              <a:rPr lang="en-US" altLang="en-US" sz="1000" err="1">
+                <a:latin typeface="Consolas" panose="020B0609020204030204" pitchFamily="49" charset="0"/>
+                <a:cs typeface="Consolas" panose="020B0609020204030204" pitchFamily="49" charset="0"/>
+              </a:rPr>
+              <a:t>putMessage</a:t>
+            </a:r>
+            <a:r>
+              <a:rPr lang="en-US" altLang="en-US" sz="1000">
+                <a:latin typeface="Consolas" panose="020B0609020204030204" pitchFamily="49" charset="0"/>
+                <a:cs typeface="Consolas" panose="020B0609020204030204" pitchFamily="49" charset="0"/>
+              </a:rPr>
+              <a:t>(); </a:t>
+            </a:r>
+          </a:p>
+          <a:p>
+            <a:pPr lvl="0" eaLnBrk="0" hangingPunct="0"/>
+            <a:r>
+              <a:rPr lang="en-US" altLang="en-US" sz="1000">
+                <a:latin typeface="Consolas" panose="020B0609020204030204" pitchFamily="49" charset="0"/>
+                <a:cs typeface="Consolas" panose="020B0609020204030204" pitchFamily="49" charset="0"/>
+              </a:rPr>
+              <a:t>      try { </a:t>
+            </a:r>
+            <a:r>
+              <a:rPr lang="en-US" altLang="en-US" sz="1000" err="1">
+                <a:latin typeface="Consolas" panose="020B0609020204030204" pitchFamily="49" charset="0"/>
+                <a:cs typeface="Consolas" panose="020B0609020204030204" pitchFamily="49" charset="0"/>
+              </a:rPr>
+              <a:t>Thread.sleep</a:t>
+            </a:r>
+            <a:r>
+              <a:rPr lang="en-US" altLang="en-US" sz="1000">
+                <a:latin typeface="Consolas" panose="020B0609020204030204" pitchFamily="49" charset="0"/>
+                <a:cs typeface="Consolas" panose="020B0609020204030204" pitchFamily="49" charset="0"/>
+              </a:rPr>
+              <a:t>( 1000 ); } </a:t>
+            </a:r>
+          </a:p>
+          <a:p>
+            <a:pPr lvl="0" eaLnBrk="0" hangingPunct="0"/>
+            <a:r>
+              <a:rPr lang="en-US" altLang="en-US" sz="1000">
+                <a:latin typeface="Consolas" panose="020B0609020204030204" pitchFamily="49" charset="0"/>
+                <a:cs typeface="Consolas" panose="020B0609020204030204" pitchFamily="49" charset="0"/>
+              </a:rPr>
+              <a:t>      catch ( </a:t>
+            </a:r>
+            <a:r>
+              <a:rPr lang="en-US" altLang="en-US" sz="1000" err="1">
+                <a:latin typeface="Consolas" panose="020B0609020204030204" pitchFamily="49" charset="0"/>
+                <a:cs typeface="Consolas" panose="020B0609020204030204" pitchFamily="49" charset="0"/>
+              </a:rPr>
+              <a:t>InterruptedException</a:t>
+            </a:r>
+            <a:r>
+              <a:rPr lang="en-US" altLang="en-US" sz="1000">
+                <a:latin typeface="Consolas" panose="020B0609020204030204" pitchFamily="49" charset="0"/>
+                <a:cs typeface="Consolas" panose="020B0609020204030204" pitchFamily="49" charset="0"/>
+              </a:rPr>
+              <a:t> e ) { } </a:t>
+            </a:r>
+          </a:p>
+          <a:p>
+            <a:pPr lvl="0" eaLnBrk="0" hangingPunct="0"/>
+            <a:r>
+              <a:rPr lang="en-US" altLang="en-US" sz="1000">
+                <a:latin typeface="Consolas" panose="020B0609020204030204" pitchFamily="49" charset="0"/>
+                <a:cs typeface="Consolas" panose="020B0609020204030204" pitchFamily="49" charset="0"/>
+              </a:rPr>
+              <a:t>    } </a:t>
+            </a:r>
+          </a:p>
+          <a:p>
+            <a:pPr lvl="0" eaLnBrk="0" hangingPunct="0"/>
+            <a:r>
+              <a:rPr lang="en-US" altLang="en-US" sz="1000">
+                <a:latin typeface="Consolas" panose="020B0609020204030204" pitchFamily="49" charset="0"/>
+                <a:cs typeface="Consolas" panose="020B0609020204030204" pitchFamily="49" charset="0"/>
+              </a:rPr>
+              <a:t>  } </a:t>
+            </a:r>
+          </a:p>
+          <a:p>
+            <a:pPr lvl="0" eaLnBrk="0" hangingPunct="0"/>
+            <a:endParaRPr lang="en-US" altLang="en-US" sz="1000">
+              <a:latin typeface="Consolas" panose="020B0609020204030204" pitchFamily="49" charset="0"/>
+              <a:cs typeface="Consolas" panose="020B0609020204030204" pitchFamily="49" charset="0"/>
+            </a:endParaRPr>
+          </a:p>
+          <a:p>
+            <a:pPr lvl="0" eaLnBrk="0" hangingPunct="0"/>
+            <a:r>
+              <a:rPr lang="en-US" altLang="en-US" sz="1000">
+                <a:latin typeface="Consolas" panose="020B0609020204030204" pitchFamily="49" charset="0"/>
+                <a:cs typeface="Consolas" panose="020B0609020204030204" pitchFamily="49" charset="0"/>
+              </a:rPr>
+              <a:t>  private synchronized void </a:t>
+            </a:r>
+            <a:r>
+              <a:rPr lang="en-US" altLang="en-US" sz="1000" err="1">
+                <a:latin typeface="Consolas" panose="020B0609020204030204" pitchFamily="49" charset="0"/>
+                <a:cs typeface="Consolas" panose="020B0609020204030204" pitchFamily="49" charset="0"/>
+              </a:rPr>
+              <a:t>putMessage</a:t>
+            </a:r>
+            <a:r>
+              <a:rPr lang="en-US" altLang="en-US" sz="1000">
+                <a:latin typeface="Consolas" panose="020B0609020204030204" pitchFamily="49" charset="0"/>
+                <a:cs typeface="Consolas" panose="020B0609020204030204" pitchFamily="49" charset="0"/>
+              </a:rPr>
+              <a:t>() { </a:t>
+            </a:r>
+          </a:p>
+          <a:p>
+            <a:pPr lvl="0" eaLnBrk="0" hangingPunct="0"/>
+            <a:r>
+              <a:rPr lang="en-US" altLang="en-US" sz="1000">
+                <a:latin typeface="Consolas" panose="020B0609020204030204" pitchFamily="49" charset="0"/>
+                <a:cs typeface="Consolas" panose="020B0609020204030204" pitchFamily="49" charset="0"/>
+              </a:rPr>
+              <a:t>    while ( </a:t>
+            </a:r>
+            <a:r>
+              <a:rPr lang="en-US" altLang="en-US" sz="1000" err="1">
+                <a:latin typeface="Consolas" panose="020B0609020204030204" pitchFamily="49" charset="0"/>
+                <a:cs typeface="Consolas" panose="020B0609020204030204" pitchFamily="49" charset="0"/>
+              </a:rPr>
+              <a:t>messages.size</a:t>
+            </a:r>
+            <a:r>
+              <a:rPr lang="en-US" altLang="en-US" sz="1000">
+                <a:latin typeface="Consolas" panose="020B0609020204030204" pitchFamily="49" charset="0"/>
+                <a:cs typeface="Consolas" panose="020B0609020204030204" pitchFamily="49" charset="0"/>
+              </a:rPr>
+              <a:t>() &gt;= MAXQUEUE ) </a:t>
+            </a:r>
+          </a:p>
+          <a:p>
+            <a:pPr lvl="0" eaLnBrk="0" hangingPunct="0"/>
+            <a:r>
+              <a:rPr lang="en-US" altLang="en-US" sz="1000">
+                <a:latin typeface="Consolas" panose="020B0609020204030204" pitchFamily="49" charset="0"/>
+                <a:cs typeface="Consolas" panose="020B0609020204030204" pitchFamily="49" charset="0"/>
+              </a:rPr>
+              <a:t>      try { wait(); } </a:t>
+            </a:r>
+          </a:p>
+          <a:p>
+            <a:pPr lvl="0" eaLnBrk="0" hangingPunct="0"/>
+            <a:r>
+              <a:rPr lang="en-US" altLang="en-US" sz="1000">
+                <a:latin typeface="Consolas" panose="020B0609020204030204" pitchFamily="49" charset="0"/>
+                <a:cs typeface="Consolas" panose="020B0609020204030204" pitchFamily="49" charset="0"/>
+              </a:rPr>
+              <a:t>      catch( </a:t>
+            </a:r>
+            <a:r>
+              <a:rPr lang="en-US" altLang="en-US" sz="1000" err="1">
+                <a:latin typeface="Consolas" panose="020B0609020204030204" pitchFamily="49" charset="0"/>
+                <a:cs typeface="Consolas" panose="020B0609020204030204" pitchFamily="49" charset="0"/>
+              </a:rPr>
+              <a:t>InterruptedException</a:t>
+            </a:r>
+            <a:r>
+              <a:rPr lang="en-US" altLang="en-US" sz="1000">
+                <a:latin typeface="Consolas" panose="020B0609020204030204" pitchFamily="49" charset="0"/>
+                <a:cs typeface="Consolas" panose="020B0609020204030204" pitchFamily="49" charset="0"/>
+              </a:rPr>
+              <a:t> e ) { } </a:t>
+            </a:r>
+          </a:p>
+          <a:p>
+            <a:pPr lvl="0" eaLnBrk="0" hangingPunct="0"/>
+            <a:r>
+              <a:rPr lang="en-US" altLang="en-US" sz="1000">
+                <a:latin typeface="Consolas" panose="020B0609020204030204" pitchFamily="49" charset="0"/>
+                <a:cs typeface="Consolas" panose="020B0609020204030204" pitchFamily="49" charset="0"/>
+              </a:rPr>
+              <a:t>    </a:t>
+            </a:r>
+            <a:r>
+              <a:rPr lang="en-US" altLang="en-US" sz="1000" err="1">
+                <a:latin typeface="Consolas" panose="020B0609020204030204" pitchFamily="49" charset="0"/>
+                <a:cs typeface="Consolas" panose="020B0609020204030204" pitchFamily="49" charset="0"/>
+              </a:rPr>
+              <a:t>messages.add</a:t>
+            </a:r>
+            <a:r>
+              <a:rPr lang="en-US" altLang="en-US" sz="1000">
+                <a:latin typeface="Consolas" panose="020B0609020204030204" pitchFamily="49" charset="0"/>
+                <a:cs typeface="Consolas" panose="020B0609020204030204" pitchFamily="49" charset="0"/>
+              </a:rPr>
+              <a:t>( new </a:t>
+            </a:r>
+            <a:r>
+              <a:rPr lang="en-US" altLang="en-US" sz="1000" err="1">
+                <a:latin typeface="Consolas" panose="020B0609020204030204" pitchFamily="49" charset="0"/>
+                <a:cs typeface="Consolas" panose="020B0609020204030204" pitchFamily="49" charset="0"/>
+              </a:rPr>
+              <a:t>java.util.Date</a:t>
+            </a:r>
+            <a:r>
+              <a:rPr lang="en-US" altLang="en-US" sz="1000">
+                <a:latin typeface="Consolas" panose="020B0609020204030204" pitchFamily="49" charset="0"/>
+                <a:cs typeface="Consolas" panose="020B0609020204030204" pitchFamily="49" charset="0"/>
+              </a:rPr>
+              <a:t>().</a:t>
+            </a:r>
+            <a:r>
+              <a:rPr lang="en-US" altLang="en-US" sz="1000" err="1">
+                <a:latin typeface="Consolas" panose="020B0609020204030204" pitchFamily="49" charset="0"/>
+                <a:cs typeface="Consolas" panose="020B0609020204030204" pitchFamily="49" charset="0"/>
+              </a:rPr>
+              <a:t>toString</a:t>
+            </a:r>
+            <a:r>
+              <a:rPr lang="en-US" altLang="en-US" sz="1000">
+                <a:latin typeface="Consolas" panose="020B0609020204030204" pitchFamily="49" charset="0"/>
+                <a:cs typeface="Consolas" panose="020B0609020204030204" pitchFamily="49" charset="0"/>
+              </a:rPr>
+              <a:t>() ); </a:t>
+            </a:r>
+          </a:p>
+          <a:p>
+            <a:pPr lvl="0" eaLnBrk="0" hangingPunct="0"/>
+            <a:r>
+              <a:rPr lang="en-US" altLang="en-US" sz="1000">
+                <a:latin typeface="Consolas" panose="020B0609020204030204" pitchFamily="49" charset="0"/>
+                <a:cs typeface="Consolas" panose="020B0609020204030204" pitchFamily="49" charset="0"/>
+              </a:rPr>
+              <a:t>    </a:t>
+            </a:r>
+            <a:r>
+              <a:rPr lang="en-US" altLang="en-US" sz="1000" err="1">
+                <a:latin typeface="Consolas" panose="020B0609020204030204" pitchFamily="49" charset="0"/>
+                <a:cs typeface="Consolas" panose="020B0609020204030204" pitchFamily="49" charset="0"/>
+              </a:rPr>
+              <a:t>notifyAll</a:t>
+            </a:r>
+            <a:r>
+              <a:rPr lang="en-US" altLang="en-US" sz="1000">
+                <a:latin typeface="Consolas" panose="020B0609020204030204" pitchFamily="49" charset="0"/>
+                <a:cs typeface="Consolas" panose="020B0609020204030204" pitchFamily="49" charset="0"/>
+              </a:rPr>
+              <a:t>(); </a:t>
+            </a:r>
+          </a:p>
+          <a:p>
+            <a:pPr lvl="0" eaLnBrk="0" hangingPunct="0"/>
+            <a:r>
+              <a:rPr lang="en-US" altLang="en-US" sz="1000">
+                <a:latin typeface="Consolas" panose="020B0609020204030204" pitchFamily="49" charset="0"/>
+                <a:cs typeface="Consolas" panose="020B0609020204030204" pitchFamily="49" charset="0"/>
+              </a:rPr>
+              <a:t>  } </a:t>
+            </a:r>
+          </a:p>
+          <a:p>
+            <a:pPr lvl="0" eaLnBrk="0" hangingPunct="0"/>
+            <a:endParaRPr lang="en-US" altLang="en-US" sz="1000">
+              <a:latin typeface="Consolas" panose="020B0609020204030204" pitchFamily="49" charset="0"/>
+              <a:cs typeface="Consolas" panose="020B0609020204030204" pitchFamily="49" charset="0"/>
+            </a:endParaRPr>
+          </a:p>
+          <a:p>
+            <a:pPr lvl="0" eaLnBrk="0" hangingPunct="0"/>
+            <a:r>
+              <a:rPr lang="en-US" altLang="en-US" sz="1000">
+                <a:latin typeface="Consolas" panose="020B0609020204030204" pitchFamily="49" charset="0"/>
+                <a:cs typeface="Consolas" panose="020B0609020204030204" pitchFamily="49" charset="0"/>
+              </a:rPr>
+              <a:t>  public synchronized String </a:t>
+            </a:r>
+            <a:r>
+              <a:rPr lang="en-US" altLang="en-US" sz="1000" err="1">
+                <a:latin typeface="Consolas" panose="020B0609020204030204" pitchFamily="49" charset="0"/>
+                <a:cs typeface="Consolas" panose="020B0609020204030204" pitchFamily="49" charset="0"/>
+              </a:rPr>
+              <a:t>getMessage</a:t>
+            </a:r>
+            <a:r>
+              <a:rPr lang="en-US" altLang="en-US" sz="1000">
+                <a:latin typeface="Consolas" panose="020B0609020204030204" pitchFamily="49" charset="0"/>
+                <a:cs typeface="Consolas" panose="020B0609020204030204" pitchFamily="49" charset="0"/>
+              </a:rPr>
+              <a:t>() { </a:t>
+            </a:r>
+          </a:p>
+          <a:p>
+            <a:pPr lvl="0" eaLnBrk="0" hangingPunct="0"/>
+            <a:r>
+              <a:rPr lang="en-US" altLang="en-US" sz="1000">
+                <a:latin typeface="Consolas" panose="020B0609020204030204" pitchFamily="49" charset="0"/>
+                <a:cs typeface="Consolas" panose="020B0609020204030204" pitchFamily="49" charset="0"/>
+              </a:rPr>
+              <a:t>    while ( </a:t>
+            </a:r>
+            <a:r>
+              <a:rPr lang="en-US" altLang="en-US" sz="1000" err="1">
+                <a:latin typeface="Consolas" panose="020B0609020204030204" pitchFamily="49" charset="0"/>
+                <a:cs typeface="Consolas" panose="020B0609020204030204" pitchFamily="49" charset="0"/>
+              </a:rPr>
+              <a:t>messages.size</a:t>
+            </a:r>
+            <a:r>
+              <a:rPr lang="en-US" altLang="en-US" sz="1000">
+                <a:latin typeface="Consolas" panose="020B0609020204030204" pitchFamily="49" charset="0"/>
+                <a:cs typeface="Consolas" panose="020B0609020204030204" pitchFamily="49" charset="0"/>
+              </a:rPr>
+              <a:t>() == 0 ) </a:t>
+            </a:r>
+          </a:p>
+          <a:p>
+            <a:pPr lvl="0" eaLnBrk="0" hangingPunct="0"/>
+            <a:r>
+              <a:rPr lang="en-US" altLang="en-US" sz="1000">
+                <a:latin typeface="Consolas" panose="020B0609020204030204" pitchFamily="49" charset="0"/>
+                <a:cs typeface="Consolas" panose="020B0609020204030204" pitchFamily="49" charset="0"/>
+              </a:rPr>
+              <a:t>      try { </a:t>
+            </a:r>
+            <a:r>
+              <a:rPr lang="en-US" altLang="en-US" sz="1000" err="1">
+                <a:latin typeface="Consolas" panose="020B0609020204030204" pitchFamily="49" charset="0"/>
+                <a:cs typeface="Consolas" panose="020B0609020204030204" pitchFamily="49" charset="0"/>
+              </a:rPr>
+              <a:t>notifyAll</a:t>
+            </a:r>
+            <a:r>
+              <a:rPr lang="en-US" altLang="en-US" sz="1000">
+                <a:latin typeface="Consolas" panose="020B0609020204030204" pitchFamily="49" charset="0"/>
+                <a:cs typeface="Consolas" panose="020B0609020204030204" pitchFamily="49" charset="0"/>
+              </a:rPr>
+              <a:t>(); wait(); } </a:t>
+            </a:r>
+          </a:p>
+          <a:p>
+            <a:pPr lvl="0" eaLnBrk="0" hangingPunct="0"/>
+            <a:r>
+              <a:rPr lang="en-US" altLang="en-US" sz="1000">
+                <a:latin typeface="Consolas" panose="020B0609020204030204" pitchFamily="49" charset="0"/>
+                <a:cs typeface="Consolas" panose="020B0609020204030204" pitchFamily="49" charset="0"/>
+              </a:rPr>
+              <a:t>      catch( </a:t>
+            </a:r>
+            <a:r>
+              <a:rPr lang="en-US" altLang="en-US" sz="1000" err="1">
+                <a:latin typeface="Consolas" panose="020B0609020204030204" pitchFamily="49" charset="0"/>
+                <a:cs typeface="Consolas" panose="020B0609020204030204" pitchFamily="49" charset="0"/>
+              </a:rPr>
+              <a:t>InterruptedException</a:t>
+            </a:r>
+            <a:r>
+              <a:rPr lang="en-US" altLang="en-US" sz="1000">
+                <a:latin typeface="Consolas" panose="020B0609020204030204" pitchFamily="49" charset="0"/>
+                <a:cs typeface="Consolas" panose="020B0609020204030204" pitchFamily="49" charset="0"/>
+              </a:rPr>
+              <a:t> e ) { } </a:t>
+            </a:r>
+          </a:p>
+          <a:p>
+            <a:pPr lvl="0" eaLnBrk="0" hangingPunct="0"/>
+            <a:r>
+              <a:rPr lang="en-US" altLang="en-US" sz="1000">
+                <a:latin typeface="Consolas" panose="020B0609020204030204" pitchFamily="49" charset="0"/>
+                <a:cs typeface="Consolas" panose="020B0609020204030204" pitchFamily="49" charset="0"/>
+              </a:rPr>
+              <a:t>    String message = (String)</a:t>
+            </a:r>
+            <a:r>
+              <a:rPr lang="en-US" altLang="en-US" sz="1000" err="1">
+                <a:latin typeface="Consolas" panose="020B0609020204030204" pitchFamily="49" charset="0"/>
+                <a:cs typeface="Consolas" panose="020B0609020204030204" pitchFamily="49" charset="0"/>
+              </a:rPr>
+              <a:t>messages.remove</a:t>
+            </a:r>
+            <a:r>
+              <a:rPr lang="en-US" altLang="en-US" sz="1000">
+                <a:latin typeface="Consolas" panose="020B0609020204030204" pitchFamily="49" charset="0"/>
+                <a:cs typeface="Consolas" panose="020B0609020204030204" pitchFamily="49" charset="0"/>
+              </a:rPr>
+              <a:t>(0); </a:t>
+            </a:r>
+          </a:p>
+          <a:p>
+            <a:pPr lvl="0" eaLnBrk="0" hangingPunct="0"/>
+            <a:r>
+              <a:rPr lang="en-US" altLang="en-US" sz="1000">
+                <a:latin typeface="Consolas" panose="020B0609020204030204" pitchFamily="49" charset="0"/>
+                <a:cs typeface="Consolas" panose="020B0609020204030204" pitchFamily="49" charset="0"/>
+              </a:rPr>
+              <a:t>    </a:t>
+            </a:r>
+            <a:r>
+              <a:rPr lang="en-US" altLang="en-US" sz="1000" err="1">
+                <a:latin typeface="Consolas" panose="020B0609020204030204" pitchFamily="49" charset="0"/>
+                <a:cs typeface="Consolas" panose="020B0609020204030204" pitchFamily="49" charset="0"/>
+              </a:rPr>
+              <a:t>notifyAll</a:t>
+            </a:r>
+            <a:r>
+              <a:rPr lang="en-US" altLang="en-US" sz="1000">
+                <a:latin typeface="Consolas" panose="020B0609020204030204" pitchFamily="49" charset="0"/>
+                <a:cs typeface="Consolas" panose="020B0609020204030204" pitchFamily="49" charset="0"/>
+              </a:rPr>
+              <a:t>(); </a:t>
+            </a:r>
+          </a:p>
+          <a:p>
+            <a:pPr lvl="0" eaLnBrk="0" hangingPunct="0"/>
+            <a:r>
+              <a:rPr lang="en-US" altLang="en-US" sz="1000">
+                <a:latin typeface="Consolas" panose="020B0609020204030204" pitchFamily="49" charset="0"/>
+                <a:cs typeface="Consolas" panose="020B0609020204030204" pitchFamily="49" charset="0"/>
+              </a:rPr>
+              <a:t>    return message; </a:t>
+            </a:r>
+          </a:p>
+          <a:p>
+            <a:pPr lvl="0" eaLnBrk="0" hangingPunct="0"/>
+            <a:r>
+              <a:rPr lang="en-US" altLang="en-US" sz="1000">
+                <a:latin typeface="Consolas" panose="020B0609020204030204" pitchFamily="49" charset="0"/>
+                <a:cs typeface="Consolas" panose="020B0609020204030204" pitchFamily="49" charset="0"/>
+              </a:rPr>
+              <a:t>  } </a:t>
+            </a:r>
+          </a:p>
+          <a:p>
+            <a:pPr lvl="0" eaLnBrk="0" hangingPunct="0"/>
+            <a:r>
+              <a:rPr lang="en-US" altLang="en-US" sz="1000">
+                <a:latin typeface="Consolas" panose="020B0609020204030204" pitchFamily="49" charset="0"/>
+                <a:cs typeface="Consolas" panose="020B0609020204030204" pitchFamily="49" charset="0"/>
+              </a:rPr>
+              <a:t>}</a:t>
+            </a:r>
+            <a:r>
+              <a:rPr lang="en-US" altLang="en-US" sz="600">
+                <a:latin typeface="Consolas" panose="020B0609020204030204" pitchFamily="49" charset="0"/>
+                <a:cs typeface="Consolas" panose="020B0609020204030204" pitchFamily="49" charset="0"/>
+              </a:rPr>
+              <a:t> </a:t>
+            </a:r>
+            <a:endParaRPr lang="en-US" altLang="en-US">
+              <a:latin typeface="Consolas" panose="020B0609020204030204" pitchFamily="49" charset="0"/>
+              <a:cs typeface="Consolas" panose="020B0609020204030204" pitchFamily="49" charset="0"/>
+            </a:endParaRPr>
+          </a:p>
+        </p:txBody>
+      </p:sp>
+      <p:sp>
+        <p:nvSpPr>
+          <p:cNvPr id="12" name="Content Placeholder 3"/>
+          <p:cNvSpPr>
+            <a:spLocks noGrp="1"/>
+          </p:cNvSpPr>
+          <p:nvPr>
+            <p:ph sz="quarter" idx="13"/>
+          </p:nvPr>
+        </p:nvSpPr>
+        <p:spPr>
+          <a:xfrm>
+            <a:off x="0" y="4555092"/>
+            <a:ext cx="9144000" cy="1845708"/>
+          </a:xfrm>
+        </p:spPr>
+        <p:txBody>
+          <a:bodyPr/>
+          <a:lstStyle/>
+          <a:p>
+            <a:pPr lvl="3">
+              <a:buFontTx/>
+              <a:buChar char="-"/>
+            </a:pPr>
+            <a:r>
+              <a:rPr lang="en-US" err="1"/>
+              <a:t>getMessage</a:t>
+            </a:r>
+            <a:r>
+              <a:rPr lang="en-US"/>
+              <a:t>() is called by a Consumer</a:t>
+            </a:r>
+          </a:p>
+          <a:p>
+            <a:pPr lvl="4">
+              <a:buFontTx/>
+              <a:buChar char="-"/>
+            </a:pPr>
+            <a:r>
+              <a:rPr lang="en-US"/>
+              <a:t>waits until it can acquire a lock on the Producer instance</a:t>
+            </a:r>
+          </a:p>
+          <a:p>
+            <a:pPr lvl="4">
+              <a:buFontTx/>
+              <a:buChar char="-"/>
+            </a:pPr>
+            <a:r>
+              <a:rPr lang="en-US"/>
+              <a:t>if queue is not empty, it retrieves it from the List and notifies the Producer waiting on a full queue</a:t>
+            </a:r>
+          </a:p>
+          <a:p>
+            <a:pPr lvl="4">
+              <a:buFontTx/>
+              <a:buChar char="-"/>
+            </a:pPr>
+            <a:r>
+              <a:rPr lang="en-US"/>
+              <a:t>if queue is empty, </a:t>
+            </a:r>
+          </a:p>
+          <a:p>
+            <a:pPr lvl="5">
+              <a:buFontTx/>
+              <a:buChar char="-"/>
+            </a:pPr>
+            <a:r>
+              <a:rPr lang="en-US" sz="1200"/>
+              <a:t>notify any waiting Producer that the queue has capacity to take on new messages</a:t>
+            </a:r>
+          </a:p>
+          <a:p>
+            <a:pPr lvl="5">
+              <a:buFontTx/>
+              <a:buChar char="-"/>
+            </a:pPr>
+            <a:r>
+              <a:rPr lang="en-US" sz="1200"/>
+              <a:t>wait() on the Producer to </a:t>
+            </a:r>
+            <a:r>
+              <a:rPr lang="en-US" sz="1200" err="1"/>
+              <a:t>notifyAll</a:t>
+            </a:r>
+            <a:r>
+              <a:rPr lang="en-US" sz="1200"/>
+              <a:t>() waiting consumers when a message arrives</a:t>
+            </a:r>
+          </a:p>
+          <a:p>
+            <a:pPr lvl="4">
+              <a:buFontTx/>
+              <a:buChar char="-"/>
+            </a:pPr>
+            <a:r>
+              <a:rPr lang="en-US"/>
+              <a:t>on waking up, check if it was woken up for the right reason and go back to wait() if condition not met</a:t>
+            </a:r>
+          </a:p>
+        </p:txBody>
+      </p:sp>
+    </p:spTree>
+    <p:extLst>
+      <p:ext uri="{BB962C8B-B14F-4D97-AF65-F5344CB8AC3E}">
+        <p14:creationId xmlns:p14="http://schemas.microsoft.com/office/powerpoint/2010/main" val="3667825300"/>
+      </p:ext>
+    </p:extLst>
+  </p:cSld>
+  <p:clrMapOvr>
+    <a:masterClrMapping/>
+  </p:clrMapOvr>
+  <p:transition/>
+</p:sld>
+</file>
+
+<file path=ppt/slides/slide38.xml><?xml version="1.0" encoding="utf-8"?>
+<p:sld xmlns:a="http://schemas.openxmlformats.org/drawingml/2006/main" xmlns:r="http://schemas.openxmlformats.org/officeDocument/2006/relationships" xmlns:p="http://schemas.openxmlformats.org/presentationml/2006/main">
+  <p:cSld>
+    <p:spTree>
+      <p:nvGrpSpPr>
+        <p:cNvPr id="1" name=""/>
+        <p:cNvGrpSpPr/>
+        <p:nvPr/>
+      </p:nvGrpSpPr>
+      <p:grpSpPr>
+        <a:xfrm>
+          <a:off x="0" y="0"/>
+          <a:ext cx="0" cy="0"/>
+          <a:chOff x="0" y="0"/>
+          <a:chExt cx="0" cy="0"/>
+        </a:xfrm>
+      </p:grpSpPr>
+      <p:sp>
+        <p:nvSpPr>
+          <p:cNvPr id="2" name="Title 1"/>
+          <p:cNvSpPr>
+            <a:spLocks noGrp="1"/>
+          </p:cNvSpPr>
+          <p:nvPr>
+            <p:ph type="title"/>
+          </p:nvPr>
+        </p:nvSpPr>
+        <p:spPr/>
+        <p:txBody>
+          <a:bodyPr/>
+          <a:lstStyle/>
+          <a:p>
+            <a:endParaRPr lang="en-US"/>
+          </a:p>
+        </p:txBody>
+      </p:sp>
+      <p:sp>
+        <p:nvSpPr>
+          <p:cNvPr id="3" name="Slide Number Placeholder 2"/>
+          <p:cNvSpPr>
+            <a:spLocks noGrp="1"/>
+          </p:cNvSpPr>
+          <p:nvPr>
+            <p:ph type="sldNum" sz="quarter" idx="10"/>
+          </p:nvPr>
+        </p:nvSpPr>
+        <p:spPr/>
+        <p:txBody>
+          <a:bodyPr/>
+          <a:lstStyle/>
+          <a:p>
+            <a:pPr>
+              <a:defRPr/>
+            </a:pPr>
+            <a:fld id="{E84328DE-0B1F-471E-ACE5-B3C574875C47}" type="slidenum">
+              <a:rPr lang="en-US" smtClean="0"/>
+              <a:pPr>
+                <a:defRPr/>
+              </a:pPr>
+              <a:t>38</a:t>
             </a:fld>
             <a:endParaRPr lang="en-US"/>
           </a:p>
@@ -13841,62 +14114,70 @@
           <a:lstStyle/>
           <a:p>
             <a:r>
-              <a:rPr lang="en-US"/>
+              <a:rPr lang="en-US" dirty="0"/>
               <a:t>Create a file hello\HelloWorld.java:</a:t>
             </a:r>
           </a:p>
           <a:p>
-            <a:endParaRPr lang="en-US"/>
-          </a:p>
-          <a:p>
-            <a:endParaRPr lang="en-US"/>
-          </a:p>
-          <a:p>
-            <a:endParaRPr lang="en-US"/>
-          </a:p>
-          <a:p>
-            <a:r>
-              <a:rPr lang="en-US"/>
+            <a:endParaRPr lang="en-US" dirty="0"/>
+          </a:p>
+          <a:p>
+            <a:endParaRPr lang="en-US" dirty="0"/>
+          </a:p>
+          <a:p>
+            <a:endParaRPr lang="en-US" dirty="0"/>
+          </a:p>
+          <a:p>
+            <a:r>
+              <a:rPr lang="en-US" dirty="0"/>
               <a:t>Compile this program to generate its bytecode</a:t>
             </a:r>
           </a:p>
           <a:p>
             <a:pPr lvl="1"/>
             <a:r>
-              <a:rPr lang="en-US"/>
+              <a:rPr lang="en-US" dirty="0"/>
               <a:t>change directory to hello</a:t>
             </a:r>
           </a:p>
           <a:p>
             <a:pPr lvl="1"/>
             <a:r>
-              <a:rPr lang="en-US"/>
-              <a:t>javac HelloWorld.java</a:t>
-            </a:r>
-          </a:p>
-          <a:p>
-            <a:r>
-              <a:rPr lang="en-US"/>
+              <a:rPr lang="en-US" dirty="0" err="1"/>
+              <a:t>javac</a:t>
+            </a:r>
+            <a:r>
+              <a:rPr lang="en-US" dirty="0"/>
+              <a:t> HelloWorld.java</a:t>
+            </a:r>
+          </a:p>
+          <a:p>
+            <a:r>
+              <a:rPr lang="en-US" dirty="0"/>
               <a:t>Run the program in its own JVM</a:t>
             </a:r>
           </a:p>
           <a:p>
             <a:pPr lvl="1"/>
             <a:r>
-              <a:rPr lang="en-US"/>
+              <a:rPr lang="en-US" dirty="0"/>
               <a:t>change directory to one level above your hello subfolder</a:t>
             </a:r>
           </a:p>
           <a:p>
             <a:pPr lvl="1"/>
             <a:r>
-              <a:rPr lang="en-US"/>
-              <a:t>java –cp . hello.HelloWorld</a:t>
+              <a:rPr lang="en-US" dirty="0"/>
+              <a:t>java -cp . </a:t>
+            </a:r>
+            <a:r>
+              <a:rPr lang="en-US" dirty="0" err="1"/>
+              <a:t>hello.HelloWorld</a:t>
             </a:r>
             <a:br>
-              <a:rPr lang="en-US"/>
+              <a:rPr lang="en-US" dirty="0"/>
             </a:br>
-            <a:endParaRPr lang="en-US"/>
+            <a:endParaRPr lang="en-US" dirty="0"/>
           </a:p>
         </p:txBody>
       </p:sp>
